--- a/ProjectDoc/개체관계도.pptx
+++ b/ProjectDoc/개체관계도.pptx
@@ -106,7 +106,7 @@
   </p:defaultTextStyle>
   <p:extLst>
     <p:ext uri="{EFAFB233-063F-42B5-8137-9DF3F51BA10A}">
-      <p15:sldGuideLst xmlns:p15="http://schemas.microsoft.com/office/powerpoint/2012/main"/>
+      <p15:sldGuideLst xmlns:p15="http://schemas.microsoft.com/office/powerpoint/2012/main" xmlns=""/>
     </p:ext>
   </p:extLst>
 </p:presentation>
@@ -4139,13 +4139,13 @@
       </p:sp>
       <p:sp>
         <p:nvSpPr>
-          <p:cNvPr id="73" name="타원 72"/>
+          <p:cNvPr id="74" name="타원 73"/>
           <p:cNvSpPr/>
           <p:nvPr/>
         </p:nvSpPr>
         <p:spPr>
           <a:xfrm>
-            <a:off x="9784" y="2728156"/>
+            <a:off x="9784" y="2762417"/>
             <a:ext cx="944640" cy="432843"/>
           </a:xfrm>
           <a:prstGeom prst="ellipse">
@@ -4181,27 +4181,30 @@
             <a:pPr algn="ctr"/>
             <a:r>
               <a:rPr lang="ko-KR" altLang="en-US" sz="1400" dirty="0"/>
-              <a:t>회원번호</a:t>
-            </a:r>
-          </a:p>
-        </p:txBody>
-      </p:sp>
-      <p:sp>
-        <p:nvSpPr>
-          <p:cNvPr id="74" name="타원 73"/>
+              <a:t>열차종별</a:t>
+            </a:r>
+          </a:p>
+        </p:txBody>
+      </p:sp>
+      <p:sp>
+        <p:nvSpPr>
+          <p:cNvPr id="75" name="타원 74"/>
           <p:cNvSpPr/>
           <p:nvPr/>
         </p:nvSpPr>
         <p:spPr>
           <a:xfrm>
-            <a:off x="9784" y="3160999"/>
+            <a:off x="4076624" y="432843"/>
             <a:ext cx="944640" cy="432843"/>
           </a:xfrm>
           <a:prstGeom prst="ellipse">
             <a:avLst/>
           </a:prstGeom>
           <a:solidFill>
-            <a:srgbClr val="00B050"/>
+            <a:schemeClr val="accent2">
+              <a:lumMod val="60000"/>
+              <a:lumOff val="40000"/>
+            </a:schemeClr>
           </a:solidFill>
           <a:ln>
             <a:noFill/>
@@ -4230,30 +4233,27 @@
             <a:pPr algn="ctr"/>
             <a:r>
               <a:rPr lang="ko-KR" altLang="en-US" sz="1400" dirty="0"/>
-              <a:t>열차종별</a:t>
-            </a:r>
-          </a:p>
-        </p:txBody>
-      </p:sp>
-      <p:sp>
-        <p:nvSpPr>
-          <p:cNvPr id="75" name="타원 74"/>
+              <a:t>비고</a:t>
+            </a:r>
+          </a:p>
+        </p:txBody>
+      </p:sp>
+      <p:sp>
+        <p:nvSpPr>
+          <p:cNvPr id="76" name="타원 75"/>
           <p:cNvSpPr/>
           <p:nvPr/>
         </p:nvSpPr>
         <p:spPr>
           <a:xfrm>
-            <a:off x="4076624" y="432843"/>
+            <a:off x="9784" y="3195260"/>
             <a:ext cx="944640" cy="432843"/>
           </a:xfrm>
           <a:prstGeom prst="ellipse">
             <a:avLst/>
           </a:prstGeom>
           <a:solidFill>
-            <a:schemeClr val="accent2">
-              <a:lumMod val="60000"/>
-              <a:lumOff val="40000"/>
-            </a:schemeClr>
+            <a:srgbClr val="00B050"/>
           </a:solidFill>
           <a:ln>
             <a:noFill/>
@@ -4281,21 +4281,22 @@
           <a:p>
             <a:pPr algn="ctr"/>
             <a:r>
-              <a:rPr lang="ko-KR" altLang="en-US" sz="1400" dirty="0"/>
-              <a:t>비고</a:t>
-            </a:r>
-          </a:p>
-        </p:txBody>
-      </p:sp>
-      <p:sp>
-        <p:nvSpPr>
-          <p:cNvPr id="76" name="타원 75"/>
+              <a:rPr lang="ko-KR" altLang="en-US" sz="1400" dirty="0" err="1"/>
+              <a:t>출발역</a:t>
+            </a:r>
+            <a:endParaRPr lang="ko-KR" altLang="en-US" sz="1400" dirty="0"/>
+          </a:p>
+        </p:txBody>
+      </p:sp>
+      <p:sp>
+        <p:nvSpPr>
+          <p:cNvPr id="77" name="타원 76"/>
           <p:cNvSpPr/>
           <p:nvPr/>
         </p:nvSpPr>
         <p:spPr>
           <a:xfrm>
-            <a:off x="9784" y="3593842"/>
+            <a:off x="9784" y="3628103"/>
             <a:ext cx="944640" cy="432843"/>
           </a:xfrm>
           <a:prstGeom prst="ellipse">
@@ -4330,8 +4331,8 @@
           <a:p>
             <a:pPr algn="ctr"/>
             <a:r>
-              <a:rPr lang="ko-KR" altLang="en-US" sz="1400" dirty="0" err="1"/>
-              <a:t>출발역</a:t>
+              <a:rPr lang="ko-KR" altLang="en-US" sz="1400"/>
+              <a:t>출발시각</a:t>
             </a:r>
             <a:endParaRPr lang="ko-KR" altLang="en-US" sz="1400" dirty="0"/>
           </a:p>
@@ -4339,13 +4340,13 @@
       </p:sp>
       <p:sp>
         <p:nvSpPr>
-          <p:cNvPr id="77" name="타원 76"/>
+          <p:cNvPr id="78" name="타원 77"/>
           <p:cNvSpPr/>
           <p:nvPr/>
         </p:nvSpPr>
         <p:spPr>
           <a:xfrm>
-            <a:off x="9784" y="4026685"/>
+            <a:off x="9784" y="4058778"/>
             <a:ext cx="944640" cy="432843"/>
           </a:xfrm>
           <a:prstGeom prst="ellipse">
@@ -4381,7 +4382,7 @@
             <a:pPr algn="ctr"/>
             <a:r>
               <a:rPr lang="ko-KR" altLang="en-US" sz="1400"/>
-              <a:t>출발시각</a:t>
+              <a:t>도착역</a:t>
             </a:r>
             <a:endParaRPr lang="ko-KR" altLang="en-US" sz="1400" dirty="0"/>
           </a:p>
@@ -4389,13 +4390,13 @@
       </p:sp>
       <p:sp>
         <p:nvSpPr>
-          <p:cNvPr id="78" name="타원 77"/>
+          <p:cNvPr id="80" name="타원 79"/>
           <p:cNvSpPr/>
           <p:nvPr/>
         </p:nvSpPr>
         <p:spPr>
           <a:xfrm>
-            <a:off x="9784" y="4457360"/>
+            <a:off x="935218" y="1442177"/>
             <a:ext cx="944640" cy="432843"/>
           </a:xfrm>
           <a:prstGeom prst="ellipse">
@@ -4430,22 +4431,21 @@
           <a:p>
             <a:pPr algn="ctr"/>
             <a:r>
-              <a:rPr lang="ko-KR" altLang="en-US" sz="1400"/>
-              <a:t>도착역</a:t>
-            </a:r>
-            <a:endParaRPr lang="ko-KR" altLang="en-US" sz="1400" dirty="0"/>
-          </a:p>
-        </p:txBody>
-      </p:sp>
-      <p:sp>
-        <p:nvSpPr>
-          <p:cNvPr id="80" name="타원 79"/>
+              <a:rPr lang="ko-KR" altLang="en-US" sz="1400" dirty="0"/>
+              <a:t>도착시각</a:t>
+            </a:r>
+          </a:p>
+        </p:txBody>
+      </p:sp>
+      <p:sp>
+        <p:nvSpPr>
+          <p:cNvPr id="81" name="타원 80"/>
           <p:cNvSpPr/>
           <p:nvPr/>
         </p:nvSpPr>
         <p:spPr>
           <a:xfrm>
-            <a:off x="935218" y="1442177"/>
+            <a:off x="935218" y="1875020"/>
             <a:ext cx="944640" cy="432843"/>
           </a:xfrm>
           <a:prstGeom prst="ellipse">
@@ -4481,20 +4481,20 @@
             <a:pPr algn="ctr"/>
             <a:r>
               <a:rPr lang="ko-KR" altLang="en-US" sz="1400" dirty="0"/>
-              <a:t>도착시각</a:t>
-            </a:r>
-          </a:p>
-        </p:txBody>
-      </p:sp>
-      <p:sp>
-        <p:nvSpPr>
-          <p:cNvPr id="81" name="타원 80"/>
+              <a:t>예약매수</a:t>
+            </a:r>
+          </a:p>
+        </p:txBody>
+      </p:sp>
+      <p:sp>
+        <p:nvSpPr>
+          <p:cNvPr id="82" name="타원 81"/>
           <p:cNvSpPr/>
           <p:nvPr/>
         </p:nvSpPr>
         <p:spPr>
           <a:xfrm>
-            <a:off x="935218" y="1875020"/>
+            <a:off x="935218" y="2307863"/>
             <a:ext cx="944640" cy="432843"/>
           </a:xfrm>
           <a:prstGeom prst="ellipse">
@@ -4529,21 +4529,22 @@
           <a:p>
             <a:pPr algn="ctr"/>
             <a:r>
-              <a:rPr lang="ko-KR" altLang="en-US" sz="1400" dirty="0"/>
-              <a:t>예약매수</a:t>
-            </a:r>
-          </a:p>
-        </p:txBody>
-      </p:sp>
-      <p:sp>
-        <p:nvSpPr>
-          <p:cNvPr id="82" name="타원 81"/>
+              <a:rPr lang="ko-KR" altLang="en-US" sz="1400"/>
+              <a:t>금액</a:t>
+            </a:r>
+            <a:endParaRPr lang="ko-KR" altLang="en-US" sz="1400" dirty="0"/>
+          </a:p>
+        </p:txBody>
+      </p:sp>
+      <p:sp>
+        <p:nvSpPr>
+          <p:cNvPr id="83" name="타원 82"/>
           <p:cNvSpPr/>
           <p:nvPr/>
         </p:nvSpPr>
         <p:spPr>
           <a:xfrm>
-            <a:off x="935218" y="2307863"/>
+            <a:off x="935218" y="2740706"/>
             <a:ext cx="944640" cy="432843"/>
           </a:xfrm>
           <a:prstGeom prst="ellipse">
@@ -4578,22 +4579,21 @@
           <a:p>
             <a:pPr algn="ctr"/>
             <a:r>
-              <a:rPr lang="ko-KR" altLang="en-US" sz="1400"/>
-              <a:t>금액</a:t>
-            </a:r>
-            <a:endParaRPr lang="ko-KR" altLang="en-US" sz="1400" dirty="0"/>
-          </a:p>
-        </p:txBody>
-      </p:sp>
-      <p:sp>
-        <p:nvSpPr>
-          <p:cNvPr id="83" name="타원 82"/>
+              <a:rPr lang="ko-KR" altLang="en-US" sz="1400" dirty="0"/>
+              <a:t>객실등급</a:t>
+            </a:r>
+          </a:p>
+        </p:txBody>
+      </p:sp>
+      <p:sp>
+        <p:nvSpPr>
+          <p:cNvPr id="84" name="타원 83"/>
           <p:cNvSpPr/>
           <p:nvPr/>
         </p:nvSpPr>
         <p:spPr>
           <a:xfrm>
-            <a:off x="935218" y="2740706"/>
+            <a:off x="935218" y="3173549"/>
             <a:ext cx="944640" cy="432843"/>
           </a:xfrm>
           <a:prstGeom prst="ellipse">
@@ -4628,22 +4628,21 @@
           <a:p>
             <a:pPr algn="ctr"/>
             <a:r>
-              <a:rPr lang="ko-KR" altLang="en-US" sz="1400"/>
-              <a:t>객실등급</a:t>
-            </a:r>
-            <a:endParaRPr lang="ko-KR" altLang="en-US" sz="1400" dirty="0"/>
-          </a:p>
-        </p:txBody>
-      </p:sp>
-      <p:sp>
-        <p:nvSpPr>
-          <p:cNvPr id="84" name="타원 83"/>
+              <a:rPr lang="ko-KR" altLang="en-US" sz="1400" dirty="0"/>
+              <a:t>좌석정보</a:t>
+            </a:r>
+          </a:p>
+        </p:txBody>
+      </p:sp>
+      <p:sp>
+        <p:nvSpPr>
+          <p:cNvPr id="88" name="타원 87"/>
           <p:cNvSpPr/>
           <p:nvPr/>
         </p:nvSpPr>
         <p:spPr>
           <a:xfrm>
-            <a:off x="935218" y="3173549"/>
+            <a:off x="944640" y="4036720"/>
             <a:ext cx="944640" cy="432843"/>
           </a:xfrm>
           <a:prstGeom prst="ellipse">
@@ -4678,28 +4677,29 @@
           <a:p>
             <a:pPr algn="ctr"/>
             <a:r>
-              <a:rPr lang="ko-KR" altLang="en-US" sz="1400" dirty="0"/>
-              <a:t>좌석정보</a:t>
-            </a:r>
-          </a:p>
-        </p:txBody>
-      </p:sp>
-      <p:sp>
-        <p:nvSpPr>
-          <p:cNvPr id="85" name="타원 84"/>
+              <a:rPr lang="ko-KR" altLang="en-US" sz="1400"/>
+              <a:t>승객유형</a:t>
+            </a:r>
+            <a:endParaRPr lang="ko-KR" altLang="en-US" sz="1400" dirty="0"/>
+          </a:p>
+        </p:txBody>
+      </p:sp>
+      <p:sp>
+        <p:nvSpPr>
+          <p:cNvPr id="94" name="타원 93"/>
           <p:cNvSpPr/>
           <p:nvPr/>
         </p:nvSpPr>
         <p:spPr>
           <a:xfrm>
-            <a:off x="944640" y="3592309"/>
+            <a:off x="6577692" y="4882834"/>
             <a:ext cx="944640" cy="432843"/>
           </a:xfrm>
           <a:prstGeom prst="ellipse">
             <a:avLst/>
           </a:prstGeom>
           <a:solidFill>
-            <a:srgbClr val="00B050"/>
+            <a:srgbClr val="00B0F0"/>
           </a:solidFill>
           <a:ln>
             <a:noFill/>
@@ -4728,27 +4728,27 @@
             <a:pPr algn="ctr"/>
             <a:r>
               <a:rPr lang="ko-KR" altLang="en-US" sz="1400" dirty="0"/>
-              <a:t>좌석정보</a:t>
-            </a:r>
-          </a:p>
-        </p:txBody>
-      </p:sp>
-      <p:sp>
-        <p:nvSpPr>
-          <p:cNvPr id="88" name="타원 87"/>
+              <a:t>일련번호</a:t>
+            </a:r>
+          </a:p>
+        </p:txBody>
+      </p:sp>
+      <p:sp>
+        <p:nvSpPr>
+          <p:cNvPr id="95" name="타원 94"/>
           <p:cNvSpPr/>
           <p:nvPr/>
         </p:nvSpPr>
         <p:spPr>
           <a:xfrm>
-            <a:off x="944640" y="4036720"/>
+            <a:off x="6577692" y="5310550"/>
             <a:ext cx="944640" cy="432843"/>
           </a:xfrm>
           <a:prstGeom prst="ellipse">
             <a:avLst/>
           </a:prstGeom>
           <a:solidFill>
-            <a:srgbClr val="00B050"/>
+            <a:srgbClr val="00B0F0"/>
           </a:solidFill>
           <a:ln>
             <a:noFill/>
@@ -4777,7 +4777,7 @@
             <a:pPr algn="ctr"/>
             <a:r>
               <a:rPr lang="ko-KR" altLang="en-US" sz="1400"/>
-              <a:t>승객유형</a:t>
+              <a:t>이름</a:t>
             </a:r>
             <a:endParaRPr lang="ko-KR" altLang="en-US" sz="1400" dirty="0"/>
           </a:p>
@@ -4785,13 +4785,13 @@
       </p:sp>
       <p:sp>
         <p:nvSpPr>
-          <p:cNvPr id="94" name="타원 93"/>
+          <p:cNvPr id="96" name="타원 95"/>
           <p:cNvSpPr/>
           <p:nvPr/>
         </p:nvSpPr>
         <p:spPr>
           <a:xfrm>
-            <a:off x="6577692" y="4882834"/>
+            <a:off x="6577692" y="5738266"/>
             <a:ext cx="944640" cy="432843"/>
           </a:xfrm>
           <a:prstGeom prst="ellipse">
@@ -4826,21 +4826,22 @@
           <a:p>
             <a:pPr algn="ctr"/>
             <a:r>
-              <a:rPr lang="ko-KR" altLang="en-US" sz="1400" dirty="0"/>
-              <a:t>일련번호</a:t>
-            </a:r>
-          </a:p>
-        </p:txBody>
-      </p:sp>
-      <p:sp>
-        <p:nvSpPr>
-          <p:cNvPr id="95" name="타원 94"/>
+              <a:rPr lang="ko-KR" altLang="en-US" sz="1400"/>
+              <a:t>비밀번호</a:t>
+            </a:r>
+            <a:endParaRPr lang="ko-KR" altLang="en-US" sz="1400" dirty="0"/>
+          </a:p>
+        </p:txBody>
+      </p:sp>
+      <p:sp>
+        <p:nvSpPr>
+          <p:cNvPr id="97" name="타원 96"/>
           <p:cNvSpPr/>
           <p:nvPr/>
         </p:nvSpPr>
         <p:spPr>
           <a:xfrm>
-            <a:off x="6577692" y="5310550"/>
+            <a:off x="7522332" y="4882360"/>
             <a:ext cx="944640" cy="432843"/>
           </a:xfrm>
           <a:prstGeom prst="ellipse">
@@ -4876,7 +4877,7 @@
             <a:pPr algn="ctr"/>
             <a:r>
               <a:rPr lang="ko-KR" altLang="en-US" sz="1400"/>
-              <a:t>이름</a:t>
+              <a:t>사원등급</a:t>
             </a:r>
             <a:endParaRPr lang="ko-KR" altLang="en-US" sz="1400" dirty="0"/>
           </a:p>
@@ -4884,13 +4885,13 @@
       </p:sp>
       <p:sp>
         <p:nvSpPr>
-          <p:cNvPr id="96" name="타원 95"/>
+          <p:cNvPr id="102" name="타원 101"/>
           <p:cNvSpPr/>
           <p:nvPr/>
         </p:nvSpPr>
         <p:spPr>
           <a:xfrm>
-            <a:off x="6577692" y="5738266"/>
+            <a:off x="7528368" y="5319262"/>
             <a:ext cx="944640" cy="432843"/>
           </a:xfrm>
           <a:prstGeom prst="ellipse">
@@ -4925,29 +4926,28 @@
           <a:p>
             <a:pPr algn="ctr"/>
             <a:r>
-              <a:rPr lang="ko-KR" altLang="en-US" sz="1400"/>
-              <a:t>비밀번호</a:t>
-            </a:r>
-            <a:endParaRPr lang="ko-KR" altLang="en-US" sz="1400" dirty="0"/>
-          </a:p>
-        </p:txBody>
-      </p:sp>
-      <p:sp>
-        <p:nvSpPr>
-          <p:cNvPr id="97" name="타원 96"/>
+              <a:rPr lang="ko-KR" altLang="en-US" sz="1400" dirty="0"/>
+              <a:t>사원번호</a:t>
+            </a:r>
+          </a:p>
+        </p:txBody>
+      </p:sp>
+      <p:sp>
+        <p:nvSpPr>
+          <p:cNvPr id="111" name="타원 110"/>
           <p:cNvSpPr/>
           <p:nvPr/>
         </p:nvSpPr>
         <p:spPr>
           <a:xfrm>
-            <a:off x="7522332" y="4882360"/>
+            <a:off x="1989867" y="4890203"/>
             <a:ext cx="944640" cy="432843"/>
           </a:xfrm>
           <a:prstGeom prst="ellipse">
             <a:avLst/>
           </a:prstGeom>
           <a:solidFill>
-            <a:srgbClr val="00B0F0"/>
+            <a:srgbClr val="7030A0"/>
           </a:solidFill>
           <a:ln>
             <a:noFill/>
@@ -4976,7 +4976,7 @@
             <a:pPr algn="ctr"/>
             <a:r>
               <a:rPr lang="ko-KR" altLang="en-US" sz="1400"/>
-              <a:t>사원등급</a:t>
+              <a:t>열차호수</a:t>
             </a:r>
             <a:endParaRPr lang="ko-KR" altLang="en-US" sz="1400" dirty="0"/>
           </a:p>
@@ -4984,20 +4984,20 @@
       </p:sp>
       <p:sp>
         <p:nvSpPr>
-          <p:cNvPr id="102" name="타원 101"/>
+          <p:cNvPr id="112" name="타원 111"/>
           <p:cNvSpPr/>
           <p:nvPr/>
         </p:nvSpPr>
         <p:spPr>
           <a:xfrm>
-            <a:off x="7528368" y="5319262"/>
+            <a:off x="1989867" y="5331985"/>
             <a:ext cx="944640" cy="432843"/>
           </a:xfrm>
           <a:prstGeom prst="ellipse">
             <a:avLst/>
           </a:prstGeom>
           <a:solidFill>
-            <a:srgbClr val="00B0F0"/>
+            <a:srgbClr val="7030A0"/>
           </a:solidFill>
           <a:ln>
             <a:noFill/>
@@ -5025,21 +5025,22 @@
           <a:p>
             <a:pPr algn="ctr"/>
             <a:r>
-              <a:rPr lang="ko-KR" altLang="en-US" sz="1400" dirty="0"/>
-              <a:t>사원번호</a:t>
-            </a:r>
-          </a:p>
-        </p:txBody>
-      </p:sp>
-      <p:sp>
-        <p:nvSpPr>
-          <p:cNvPr id="111" name="타원 110"/>
+              <a:rPr lang="ko-KR" altLang="en-US" sz="1400"/>
+              <a:t>좌석번호</a:t>
+            </a:r>
+            <a:endParaRPr lang="ko-KR" altLang="en-US" sz="1400" dirty="0"/>
+          </a:p>
+        </p:txBody>
+      </p:sp>
+      <p:sp>
+        <p:nvSpPr>
+          <p:cNvPr id="114" name="타원 113"/>
           <p:cNvSpPr/>
           <p:nvPr/>
         </p:nvSpPr>
         <p:spPr>
           <a:xfrm>
-            <a:off x="1989867" y="4890203"/>
+            <a:off x="2934507" y="4890203"/>
             <a:ext cx="944640" cy="432843"/>
           </a:xfrm>
           <a:prstGeom prst="ellipse">
@@ -5074,22 +5075,21 @@
           <a:p>
             <a:pPr algn="ctr"/>
             <a:r>
-              <a:rPr lang="ko-KR" altLang="en-US" sz="1400"/>
-              <a:t>열차호수</a:t>
-            </a:r>
-            <a:endParaRPr lang="ko-KR" altLang="en-US" sz="1400" dirty="0"/>
-          </a:p>
-        </p:txBody>
-      </p:sp>
-      <p:sp>
-        <p:nvSpPr>
-          <p:cNvPr id="112" name="타원 111"/>
+              <a:rPr lang="ko-KR" altLang="en-US" sz="1400" dirty="0"/>
+              <a:t>어른요금</a:t>
+            </a:r>
+          </a:p>
+        </p:txBody>
+      </p:sp>
+      <p:sp>
+        <p:nvSpPr>
+          <p:cNvPr id="115" name="타원 114"/>
           <p:cNvSpPr/>
           <p:nvPr/>
         </p:nvSpPr>
         <p:spPr>
           <a:xfrm>
-            <a:off x="1989867" y="5331985"/>
+            <a:off x="2934507" y="5331984"/>
             <a:ext cx="944640" cy="432843"/>
           </a:xfrm>
           <a:prstGeom prst="ellipse">
@@ -5124,22 +5124,21 @@
           <a:p>
             <a:pPr algn="ctr"/>
             <a:r>
-              <a:rPr lang="ko-KR" altLang="en-US" sz="1400"/>
-              <a:t>좌석번호</a:t>
-            </a:r>
-            <a:endParaRPr lang="ko-KR" altLang="en-US" sz="1400" dirty="0"/>
-          </a:p>
-        </p:txBody>
-      </p:sp>
-      <p:sp>
-        <p:nvSpPr>
-          <p:cNvPr id="114" name="타원 113"/>
+              <a:rPr lang="ko-KR" altLang="en-US" sz="1400" dirty="0"/>
+              <a:t>어린이</a:t>
+            </a:r>
+          </a:p>
+        </p:txBody>
+      </p:sp>
+      <p:sp>
+        <p:nvSpPr>
+          <p:cNvPr id="116" name="타원 115"/>
           <p:cNvSpPr/>
           <p:nvPr/>
         </p:nvSpPr>
         <p:spPr>
           <a:xfrm>
-            <a:off x="2934507" y="4890203"/>
+            <a:off x="2476661" y="5743587"/>
             <a:ext cx="944640" cy="432843"/>
           </a:xfrm>
           <a:prstGeom prst="ellipse">
@@ -5174,104 +5173,6 @@
           <a:p>
             <a:pPr algn="ctr"/>
             <a:r>
-              <a:rPr lang="ko-KR" altLang="en-US" sz="1400" dirty="0"/>
-              <a:t>어른요금</a:t>
-            </a:r>
-          </a:p>
-        </p:txBody>
-      </p:sp>
-      <p:sp>
-        <p:nvSpPr>
-          <p:cNvPr id="115" name="타원 114"/>
-          <p:cNvSpPr/>
-          <p:nvPr/>
-        </p:nvSpPr>
-        <p:spPr>
-          <a:xfrm>
-            <a:off x="2934507" y="5331984"/>
-            <a:ext cx="944640" cy="432843"/>
-          </a:xfrm>
-          <a:prstGeom prst="ellipse">
-            <a:avLst/>
-          </a:prstGeom>
-          <a:solidFill>
-            <a:srgbClr val="7030A0"/>
-          </a:solidFill>
-          <a:ln>
-            <a:noFill/>
-          </a:ln>
-        </p:spPr>
-        <p:style>
-          <a:lnRef idx="2">
-            <a:schemeClr val="accent1">
-              <a:shade val="50000"/>
-            </a:schemeClr>
-          </a:lnRef>
-          <a:fillRef idx="1">
-            <a:schemeClr val="accent1"/>
-          </a:fillRef>
-          <a:effectRef idx="0">
-            <a:schemeClr val="accent1"/>
-          </a:effectRef>
-          <a:fontRef idx="minor">
-            <a:schemeClr val="lt1"/>
-          </a:fontRef>
-        </p:style>
-        <p:txBody>
-          <a:bodyPr rtlCol="0" anchor="ctr"/>
-          <a:lstStyle/>
-          <a:p>
-            <a:pPr algn="ctr"/>
-            <a:r>
-              <a:rPr lang="ko-KR" altLang="en-US" sz="1400" dirty="0"/>
-              <a:t>어린이</a:t>
-            </a:r>
-          </a:p>
-        </p:txBody>
-      </p:sp>
-      <p:sp>
-        <p:nvSpPr>
-          <p:cNvPr id="116" name="타원 115"/>
-          <p:cNvSpPr/>
-          <p:nvPr/>
-        </p:nvSpPr>
-        <p:spPr>
-          <a:xfrm>
-            <a:off x="2476661" y="5743587"/>
-            <a:ext cx="944640" cy="432843"/>
-          </a:xfrm>
-          <a:prstGeom prst="ellipse">
-            <a:avLst/>
-          </a:prstGeom>
-          <a:solidFill>
-            <a:srgbClr val="7030A0"/>
-          </a:solidFill>
-          <a:ln>
-            <a:noFill/>
-          </a:ln>
-        </p:spPr>
-        <p:style>
-          <a:lnRef idx="2">
-            <a:schemeClr val="accent1">
-              <a:shade val="50000"/>
-            </a:schemeClr>
-          </a:lnRef>
-          <a:fillRef idx="1">
-            <a:schemeClr val="accent1"/>
-          </a:fillRef>
-          <a:effectRef idx="0">
-            <a:schemeClr val="accent1"/>
-          </a:effectRef>
-          <a:fontRef idx="minor">
-            <a:schemeClr val="lt1"/>
-          </a:fontRef>
-        </p:style>
-        <p:txBody>
-          <a:bodyPr rtlCol="0" anchor="ctr"/>
-          <a:lstStyle/>
-          <a:p>
-            <a:pPr algn="ctr"/>
-            <a:r>
               <a:rPr lang="ko-KR" altLang="en-US" sz="1400" dirty="0" err="1"/>
               <a:t>경로자</a:t>
             </a:r>
@@ -5287,7 +5188,7 @@
         </p:nvSpPr>
         <p:spPr>
           <a:xfrm>
-            <a:off x="11186398" y="1123409"/>
+            <a:off x="11151229" y="1533714"/>
             <a:ext cx="944640" cy="432843"/>
           </a:xfrm>
           <a:prstGeom prst="ellipse">
@@ -5556,59 +5457,6 @@
       </p:sp>
       <p:sp>
         <p:nvSpPr>
-          <p:cNvPr id="122" name="타원 121"/>
-          <p:cNvSpPr/>
-          <p:nvPr/>
-        </p:nvSpPr>
-        <p:spPr>
-          <a:xfrm>
-            <a:off x="11158330" y="2036106"/>
-            <a:ext cx="944640" cy="432843"/>
-          </a:xfrm>
-          <a:prstGeom prst="ellipse">
-            <a:avLst/>
-          </a:prstGeom>
-          <a:solidFill>
-            <a:srgbClr val="FFC000"/>
-          </a:solidFill>
-          <a:ln>
-            <a:noFill/>
-          </a:ln>
-        </p:spPr>
-        <p:style>
-          <a:lnRef idx="2">
-            <a:schemeClr val="accent1">
-              <a:shade val="50000"/>
-            </a:schemeClr>
-          </a:lnRef>
-          <a:fillRef idx="1">
-            <a:schemeClr val="accent1"/>
-          </a:fillRef>
-          <a:effectRef idx="0">
-            <a:schemeClr val="accent1"/>
-          </a:effectRef>
-          <a:fontRef idx="minor">
-            <a:schemeClr val="lt1"/>
-          </a:fontRef>
-        </p:style>
-        <p:txBody>
-          <a:bodyPr rtlCol="0" anchor="ctr"/>
-          <a:lstStyle/>
-          <a:p>
-            <a:pPr algn="ctr"/>
-            <a:r>
-              <a:rPr lang="ko-KR" altLang="en-US" sz="1400" dirty="0">
-                <a:solidFill>
-                  <a:schemeClr val="tx1"/>
-                </a:solidFill>
-              </a:rPr>
-              <a:t>회원번호</a:t>
-            </a:r>
-          </a:p>
-        </p:txBody>
-      </p:sp>
-      <p:sp>
-        <p:nvSpPr>
           <p:cNvPr id="123" name="타원 122"/>
           <p:cNvSpPr/>
           <p:nvPr/>
@@ -5721,7 +5569,7 @@
         </p:nvSpPr>
         <p:spPr>
           <a:xfrm>
-            <a:off x="11164274" y="1555589"/>
+            <a:off x="11129105" y="1965894"/>
             <a:ext cx="944640" cy="432843"/>
           </a:xfrm>
           <a:prstGeom prst="ellipse">
@@ -5889,71 +5737,13 @@
       </p:sp>
       <p:sp>
         <p:nvSpPr>
-          <p:cNvPr id="130" name="타원 129"/>
-          <p:cNvSpPr/>
-          <p:nvPr/>
-        </p:nvSpPr>
-        <p:spPr>
-          <a:xfrm>
-            <a:off x="9977360" y="5165"/>
-            <a:ext cx="944640" cy="432843"/>
-          </a:xfrm>
-          <a:prstGeom prst="ellipse">
-            <a:avLst/>
-          </a:prstGeom>
-          <a:solidFill>
-            <a:srgbClr val="008000"/>
-          </a:solidFill>
-          <a:ln>
-            <a:noFill/>
-          </a:ln>
-        </p:spPr>
-        <p:style>
-          <a:lnRef idx="2">
-            <a:schemeClr val="accent1">
-              <a:shade val="50000"/>
-            </a:schemeClr>
-          </a:lnRef>
-          <a:fillRef idx="1">
-            <a:schemeClr val="accent1"/>
-          </a:fillRef>
-          <a:effectRef idx="0">
-            <a:schemeClr val="accent1"/>
-          </a:effectRef>
-          <a:fontRef idx="minor">
-            <a:schemeClr val="lt1"/>
-          </a:fontRef>
-        </p:style>
-        <p:txBody>
-          <a:bodyPr rtlCol="0" anchor="ctr"/>
-          <a:lstStyle/>
-          <a:p>
-            <a:pPr algn="ctr"/>
-            <a:r>
-              <a:rPr lang="ko-KR" altLang="en-US" sz="1400">
-                <a:solidFill>
-                  <a:schemeClr val="bg1"/>
-                </a:solidFill>
-              </a:rPr>
-              <a:t>등록일</a:t>
-            </a:r>
-            <a:endParaRPr lang="ko-KR" altLang="en-US" sz="1400" dirty="0">
-              <a:solidFill>
-                <a:schemeClr val="bg1"/>
-              </a:solidFill>
-            </a:endParaRPr>
-          </a:p>
-        </p:txBody>
-      </p:sp>
-      <p:sp>
-        <p:nvSpPr>
           <p:cNvPr id="131" name="타원 130"/>
           <p:cNvSpPr/>
           <p:nvPr/>
         </p:nvSpPr>
         <p:spPr>
           <a:xfrm>
-            <a:off x="10922000" y="16029"/>
+            <a:off x="10007606" y="16029"/>
             <a:ext cx="944640" cy="432843"/>
           </a:xfrm>
           <a:prstGeom prst="ellipse">
@@ -6763,6 +6553,56 @@
               <a:rPr lang="ko-KR" altLang="en-US" sz="1400" dirty="0"/>
               <a:t>자제공동의</a:t>
             </a:r>
+          </a:p>
+        </p:txBody>
+      </p:sp>
+      <p:sp>
+        <p:nvSpPr>
+          <p:cNvPr id="91" name="타원 90"/>
+          <p:cNvSpPr/>
+          <p:nvPr/>
+        </p:nvSpPr>
+        <p:spPr>
+          <a:xfrm>
+            <a:off x="944640" y="3606392"/>
+            <a:ext cx="944640" cy="432843"/>
+          </a:xfrm>
+          <a:prstGeom prst="ellipse">
+            <a:avLst/>
+          </a:prstGeom>
+          <a:solidFill>
+            <a:srgbClr val="00B050"/>
+          </a:solidFill>
+          <a:ln>
+            <a:noFill/>
+          </a:ln>
+        </p:spPr>
+        <p:style>
+          <a:lnRef idx="2">
+            <a:schemeClr val="accent1">
+              <a:shade val="50000"/>
+            </a:schemeClr>
+          </a:lnRef>
+          <a:fillRef idx="1">
+            <a:schemeClr val="accent1"/>
+          </a:fillRef>
+          <a:effectRef idx="0">
+            <a:schemeClr val="accent1"/>
+          </a:effectRef>
+          <a:fontRef idx="minor">
+            <a:schemeClr val="lt1"/>
+          </a:fontRef>
+        </p:style>
+        <p:txBody>
+          <a:bodyPr rtlCol="0" anchor="ctr"/>
+          <a:lstStyle/>
+          <a:p>
+            <a:pPr algn="ctr"/>
+            <a:r>
+              <a:rPr lang="ko-KR" altLang="en-US" sz="1400" dirty="0" smtClean="0"/>
+              <a:t>결제유무</a:t>
+            </a:r>
+            <a:endParaRPr lang="ko-KR" altLang="en-US" sz="1400" dirty="0"/>
           </a:p>
         </p:txBody>
       </p:sp>
@@ -6822,7 +6662,7 @@
     </a:clrScheme>
     <a:fontScheme name="Office">
       <a:majorFont>
-        <a:latin typeface="맑은 고딕" panose="020F0302020204030204"/>
+        <a:latin typeface="맑은 고딕"/>
         <a:ea typeface=""/>
         <a:cs typeface=""/>
         <a:font script="Jpan" typeface="游ゴシック Light"/>
@@ -6874,7 +6714,7 @@
         <a:font script="Tfng" typeface="Ebrima"/>
       </a:majorFont>
       <a:minorFont>
-        <a:latin typeface="맑은 고딕" panose="020F0502020204030204"/>
+        <a:latin typeface="맑은 고딕"/>
         <a:ea typeface=""/>
         <a:cs typeface=""/>
         <a:font script="Jpan" typeface="游ゴシック"/>
@@ -7068,7 +6908,7 @@
   <a:extraClrSchemeLst/>
   <a:extLst>
     <a:ext uri="{05A4C25C-085E-4340-85A3-A5531E510DB2}">
-      <thm15:themeFamily xmlns:thm15="http://schemas.microsoft.com/office/thememl/2012/main" name="Office Theme" id="{62F939B6-93AF-4DB8-9C6B-D6C7DFDC589F}" vid="{4A3C46E8-61CC-4603-A589-7422A47A8E4A}"/>
+      <thm15:themeFamily xmlns:thm15="http://schemas.microsoft.com/office/thememl/2012/main" xmlns="" name="Office Theme" id="{62F939B6-93AF-4DB8-9C6B-D6C7DFDC589F}" vid="{4A3C46E8-61CC-4603-A589-7422A47A8E4A}"/>
     </a:ext>
   </a:extLst>
 </a:theme>

--- a/ProjectDoc/개체관계도.pptx
+++ b/ProjectDoc/개체관계도.pptx
@@ -7,7 +7,7 @@
   <p:sldIdLst>
     <p:sldId id="256" r:id="rId2"/>
   </p:sldIdLst>
-  <p:sldSz cx="12192000" cy="6858000"/>
+  <p:sldSz cx="9144000" cy="6858000" type="screen4x3"/>
   <p:notesSz cx="6858000" cy="9144000"/>
   <p:defaultTextStyle>
     <a:defPPr>
@@ -104,16 +104,7 @@
       </a:defRPr>
     </a:lvl9pPr>
   </p:defaultTextStyle>
-  <p:extLst>
-    <p:ext uri="{EFAFB233-063F-42B5-8137-9DF3F51BA10A}">
-      <p15:sldGuideLst xmlns:p15="http://schemas.microsoft.com/office/powerpoint/2012/main" xmlns=""/>
-    </p:ext>
-  </p:extLst>
 </p:presentation>
-</file>
-
-<file path=ppt/revisionInfo.xml><?xml version="1.0" encoding="utf-8"?>
-<p1510:revInfo xmlns:a="http://schemas.openxmlformats.org/drawingml/2006/main" xmlns:r="http://schemas.openxmlformats.org/officeDocument/2006/relationships" xmlns:p1510="http://schemas.microsoft.com/office/powerpoint/2015/10/main"/>
 </file>
 
 <file path=ppt/slideLayouts/slideLayout1.xml><?xml version="1.0" encoding="utf-8"?>
@@ -145,22 +136,19 @@
         </p:nvSpPr>
         <p:spPr>
           <a:xfrm>
-            <a:off x="1524000" y="1122363"/>
-            <a:ext cx="9144000" cy="2387600"/>
-          </a:xfrm>
-        </p:spPr>
-        <p:txBody>
-          <a:bodyPr anchor="b"/>
-          <a:lstStyle>
-            <a:lvl1pPr algn="ctr">
-              <a:defRPr sz="6000"/>
-            </a:lvl1pPr>
-          </a:lstStyle>
-          <a:p>
-            <a:r>
-              <a:rPr lang="ko-KR" altLang="en-US"/>
+            <a:off x="685800" y="2130425"/>
+            <a:ext cx="7772400" cy="1470025"/>
+          </a:xfrm>
+        </p:spPr>
+        <p:txBody>
+          <a:bodyPr/>
+          <a:lstStyle/>
+          <a:p>
+            <a:r>
+              <a:rPr lang="ko-KR" altLang="en-US" smtClean="0"/>
               <a:t>마스터 제목 스타일 편집</a:t>
             </a:r>
+            <a:endParaRPr lang="ko-KR" altLang="en-US"/>
           </a:p>
         </p:txBody>
       </p:sp>
@@ -176,8 +164,8 @@
         </p:nvSpPr>
         <p:spPr>
           <a:xfrm>
-            <a:off x="1524000" y="3602038"/>
-            <a:ext cx="9144000" cy="1655762"/>
+            <a:off x="1371600" y="3886200"/>
+            <a:ext cx="6400800" cy="1752600"/>
           </a:xfrm>
         </p:spPr>
         <p:txBody>
@@ -185,46 +173,101 @@
           <a:lstStyle>
             <a:lvl1pPr marL="0" indent="0" algn="ctr">
               <a:buNone/>
-              <a:defRPr sz="2400"/>
+              <a:defRPr>
+                <a:solidFill>
+                  <a:schemeClr val="tx1">
+                    <a:tint val="75000"/>
+                  </a:schemeClr>
+                </a:solidFill>
+              </a:defRPr>
             </a:lvl1pPr>
             <a:lvl2pPr marL="457200" indent="0" algn="ctr">
               <a:buNone/>
-              <a:defRPr sz="2000"/>
+              <a:defRPr>
+                <a:solidFill>
+                  <a:schemeClr val="tx1">
+                    <a:tint val="75000"/>
+                  </a:schemeClr>
+                </a:solidFill>
+              </a:defRPr>
             </a:lvl2pPr>
             <a:lvl3pPr marL="914400" indent="0" algn="ctr">
               <a:buNone/>
-              <a:defRPr sz="1800"/>
+              <a:defRPr>
+                <a:solidFill>
+                  <a:schemeClr val="tx1">
+                    <a:tint val="75000"/>
+                  </a:schemeClr>
+                </a:solidFill>
+              </a:defRPr>
             </a:lvl3pPr>
             <a:lvl4pPr marL="1371600" indent="0" algn="ctr">
               <a:buNone/>
-              <a:defRPr sz="1600"/>
+              <a:defRPr>
+                <a:solidFill>
+                  <a:schemeClr val="tx1">
+                    <a:tint val="75000"/>
+                  </a:schemeClr>
+                </a:solidFill>
+              </a:defRPr>
             </a:lvl4pPr>
             <a:lvl5pPr marL="1828800" indent="0" algn="ctr">
               <a:buNone/>
-              <a:defRPr sz="1600"/>
+              <a:defRPr>
+                <a:solidFill>
+                  <a:schemeClr val="tx1">
+                    <a:tint val="75000"/>
+                  </a:schemeClr>
+                </a:solidFill>
+              </a:defRPr>
             </a:lvl5pPr>
             <a:lvl6pPr marL="2286000" indent="0" algn="ctr">
               <a:buNone/>
-              <a:defRPr sz="1600"/>
+              <a:defRPr>
+                <a:solidFill>
+                  <a:schemeClr val="tx1">
+                    <a:tint val="75000"/>
+                  </a:schemeClr>
+                </a:solidFill>
+              </a:defRPr>
             </a:lvl6pPr>
             <a:lvl7pPr marL="2743200" indent="0" algn="ctr">
               <a:buNone/>
-              <a:defRPr sz="1600"/>
+              <a:defRPr>
+                <a:solidFill>
+                  <a:schemeClr val="tx1">
+                    <a:tint val="75000"/>
+                  </a:schemeClr>
+                </a:solidFill>
+              </a:defRPr>
             </a:lvl7pPr>
             <a:lvl8pPr marL="3200400" indent="0" algn="ctr">
               <a:buNone/>
-              <a:defRPr sz="1600"/>
+              <a:defRPr>
+                <a:solidFill>
+                  <a:schemeClr val="tx1">
+                    <a:tint val="75000"/>
+                  </a:schemeClr>
+                </a:solidFill>
+              </a:defRPr>
             </a:lvl8pPr>
             <a:lvl9pPr marL="3657600" indent="0" algn="ctr">
               <a:buNone/>
-              <a:defRPr sz="1600"/>
+              <a:defRPr>
+                <a:solidFill>
+                  <a:schemeClr val="tx1">
+                    <a:tint val="75000"/>
+                  </a:schemeClr>
+                </a:solidFill>
+              </a:defRPr>
             </a:lvl9pPr>
           </a:lstStyle>
           <a:p>
             <a:r>
-              <a:rPr lang="ko-KR" altLang="en-US"/>
-              <a:t>클릭하여 마스터 부제목 스타일 편집</a:t>
-            </a:r>
+              <a:rPr lang="ko-KR" altLang="en-US" smtClean="0"/>
+              <a:t>마스터 부제목 스타일 편집</a:t>
+            </a:r>
+            <a:endParaRPr lang="ko-KR" altLang="en-US"/>
           </a:p>
         </p:txBody>
       </p:sp>
@@ -243,7 +286,7 @@
           <a:bodyPr/>
           <a:lstStyle/>
           <a:p>
-            <a:fld id="{D958C1CF-1FA3-4D4D-B2CC-4474C048A990}" type="datetimeFigureOut">
+            <a:fld id="{CD65F8BD-D116-4B2D-AD21-D381B057F1ED}" type="datetimeFigureOut">
               <a:rPr lang="ko-KR" altLang="en-US" smtClean="0"/>
               <a:t>2017-05-26</a:t>
             </a:fld>
@@ -285,7 +328,7 @@
           <a:bodyPr/>
           <a:lstStyle/>
           <a:p>
-            <a:fld id="{0C0E9AFC-8BFC-4EC5-8806-A09D2D148F3E}" type="slidenum">
+            <a:fld id="{27568920-49F2-4680-9EBD-B17DAEB3E52B}" type="slidenum">
               <a:rPr lang="ko-KR" altLang="en-US" smtClean="0"/>
               <a:t>‹#›</a:t>
             </a:fld>
@@ -296,7 +339,7 @@
     </p:spTree>
     <p:extLst>
       <p:ext uri="{BB962C8B-B14F-4D97-AF65-F5344CB8AC3E}">
-        <p14:creationId xmlns:p14="http://schemas.microsoft.com/office/powerpoint/2010/main" val="4257135082"/>
+        <p14:creationId xmlns:p14="http://schemas.microsoft.com/office/powerpoint/2010/main" val="1652000796"/>
       </p:ext>
     </p:extLst>
   </p:cSld>
@@ -339,9 +382,10 @@
           <a:lstStyle/>
           <a:p>
             <a:r>
-              <a:rPr lang="ko-KR" altLang="en-US"/>
+              <a:rPr lang="ko-KR" altLang="en-US" smtClean="0"/>
               <a:t>마스터 제목 스타일 편집</a:t>
             </a:r>
+            <a:endParaRPr lang="ko-KR" altLang="en-US"/>
           </a:p>
         </p:txBody>
       </p:sp>
@@ -362,37 +406,38 @@
           <a:p>
             <a:pPr lvl="0"/>
             <a:r>
-              <a:rPr lang="ko-KR" altLang="en-US"/>
-              <a:t>마스터 텍스트 스타일 편집</a:t>
+              <a:rPr lang="ko-KR" altLang="en-US" smtClean="0"/>
+              <a:t>마스터 텍스트 스타일을 편집합니다</a:t>
             </a:r>
           </a:p>
           <a:p>
             <a:pPr lvl="1"/>
             <a:r>
-              <a:rPr lang="ko-KR" altLang="en-US"/>
+              <a:rPr lang="ko-KR" altLang="en-US" smtClean="0"/>
               <a:t>둘째 수준</a:t>
             </a:r>
           </a:p>
           <a:p>
             <a:pPr lvl="2"/>
             <a:r>
-              <a:rPr lang="ko-KR" altLang="en-US"/>
+              <a:rPr lang="ko-KR" altLang="en-US" smtClean="0"/>
               <a:t>셋째 수준</a:t>
             </a:r>
           </a:p>
           <a:p>
             <a:pPr lvl="3"/>
             <a:r>
-              <a:rPr lang="ko-KR" altLang="en-US"/>
+              <a:rPr lang="ko-KR" altLang="en-US" smtClean="0"/>
               <a:t>넷째 수준</a:t>
             </a:r>
           </a:p>
           <a:p>
             <a:pPr lvl="4"/>
             <a:r>
-              <a:rPr lang="ko-KR" altLang="en-US"/>
+              <a:rPr lang="ko-KR" altLang="en-US" smtClean="0"/>
               <a:t>다섯째 수준</a:t>
             </a:r>
+            <a:endParaRPr lang="ko-KR" altLang="en-US"/>
           </a:p>
         </p:txBody>
       </p:sp>
@@ -411,7 +456,7 @@
           <a:bodyPr/>
           <a:lstStyle/>
           <a:p>
-            <a:fld id="{D958C1CF-1FA3-4D4D-B2CC-4474C048A990}" type="datetimeFigureOut">
+            <a:fld id="{CD65F8BD-D116-4B2D-AD21-D381B057F1ED}" type="datetimeFigureOut">
               <a:rPr lang="ko-KR" altLang="en-US" smtClean="0"/>
               <a:t>2017-05-26</a:t>
             </a:fld>
@@ -453,7 +498,7 @@
           <a:bodyPr/>
           <a:lstStyle/>
           <a:p>
-            <a:fld id="{0C0E9AFC-8BFC-4EC5-8806-A09D2D148F3E}" type="slidenum">
+            <a:fld id="{27568920-49F2-4680-9EBD-B17DAEB3E52B}" type="slidenum">
               <a:rPr lang="ko-KR" altLang="en-US" smtClean="0"/>
               <a:t>‹#›</a:t>
             </a:fld>
@@ -464,7 +509,7 @@
     </p:spTree>
     <p:extLst>
       <p:ext uri="{BB962C8B-B14F-4D97-AF65-F5344CB8AC3E}">
-        <p14:creationId xmlns:p14="http://schemas.microsoft.com/office/powerpoint/2010/main" val="632947546"/>
+        <p14:creationId xmlns:p14="http://schemas.microsoft.com/office/powerpoint/2010/main" val="1890577371"/>
       </p:ext>
     </p:extLst>
   </p:cSld>
@@ -503,8 +548,8 @@
         </p:nvSpPr>
         <p:spPr>
           <a:xfrm>
-            <a:off x="8724900" y="365125"/>
-            <a:ext cx="2628900" cy="5811838"/>
+            <a:off x="6629400" y="274638"/>
+            <a:ext cx="2057400" cy="5851525"/>
           </a:xfrm>
         </p:spPr>
         <p:txBody>
@@ -512,9 +557,10 @@
           <a:lstStyle/>
           <a:p>
             <a:r>
-              <a:rPr lang="ko-KR" altLang="en-US"/>
+              <a:rPr lang="ko-KR" altLang="en-US" smtClean="0"/>
               <a:t>마스터 제목 스타일 편집</a:t>
             </a:r>
+            <a:endParaRPr lang="ko-KR" altLang="en-US"/>
           </a:p>
         </p:txBody>
       </p:sp>
@@ -530,8 +576,8 @@
         </p:nvSpPr>
         <p:spPr>
           <a:xfrm>
-            <a:off x="838200" y="365125"/>
-            <a:ext cx="7734300" cy="5811838"/>
+            <a:off x="457200" y="274638"/>
+            <a:ext cx="6019800" cy="5851525"/>
           </a:xfrm>
         </p:spPr>
         <p:txBody>
@@ -540,37 +586,38 @@
           <a:p>
             <a:pPr lvl="0"/>
             <a:r>
-              <a:rPr lang="ko-KR" altLang="en-US"/>
-              <a:t>마스터 텍스트 스타일 편집</a:t>
+              <a:rPr lang="ko-KR" altLang="en-US" smtClean="0"/>
+              <a:t>마스터 텍스트 스타일을 편집합니다</a:t>
             </a:r>
           </a:p>
           <a:p>
             <a:pPr lvl="1"/>
             <a:r>
-              <a:rPr lang="ko-KR" altLang="en-US"/>
+              <a:rPr lang="ko-KR" altLang="en-US" smtClean="0"/>
               <a:t>둘째 수준</a:t>
             </a:r>
           </a:p>
           <a:p>
             <a:pPr lvl="2"/>
             <a:r>
-              <a:rPr lang="ko-KR" altLang="en-US"/>
+              <a:rPr lang="ko-KR" altLang="en-US" smtClean="0"/>
               <a:t>셋째 수준</a:t>
             </a:r>
           </a:p>
           <a:p>
             <a:pPr lvl="3"/>
             <a:r>
-              <a:rPr lang="ko-KR" altLang="en-US"/>
+              <a:rPr lang="ko-KR" altLang="en-US" smtClean="0"/>
               <a:t>넷째 수준</a:t>
             </a:r>
           </a:p>
           <a:p>
             <a:pPr lvl="4"/>
             <a:r>
-              <a:rPr lang="ko-KR" altLang="en-US"/>
+              <a:rPr lang="ko-KR" altLang="en-US" smtClean="0"/>
               <a:t>다섯째 수준</a:t>
             </a:r>
+            <a:endParaRPr lang="ko-KR" altLang="en-US"/>
           </a:p>
         </p:txBody>
       </p:sp>
@@ -589,7 +636,7 @@
           <a:bodyPr/>
           <a:lstStyle/>
           <a:p>
-            <a:fld id="{D958C1CF-1FA3-4D4D-B2CC-4474C048A990}" type="datetimeFigureOut">
+            <a:fld id="{CD65F8BD-D116-4B2D-AD21-D381B057F1ED}" type="datetimeFigureOut">
               <a:rPr lang="ko-KR" altLang="en-US" smtClean="0"/>
               <a:t>2017-05-26</a:t>
             </a:fld>
@@ -631,7 +678,7 @@
           <a:bodyPr/>
           <a:lstStyle/>
           <a:p>
-            <a:fld id="{0C0E9AFC-8BFC-4EC5-8806-A09D2D148F3E}" type="slidenum">
+            <a:fld id="{27568920-49F2-4680-9EBD-B17DAEB3E52B}" type="slidenum">
               <a:rPr lang="ko-KR" altLang="en-US" smtClean="0"/>
               <a:t>‹#›</a:t>
             </a:fld>
@@ -642,7 +689,7 @@
     </p:spTree>
     <p:extLst>
       <p:ext uri="{BB962C8B-B14F-4D97-AF65-F5344CB8AC3E}">
-        <p14:creationId xmlns:p14="http://schemas.microsoft.com/office/powerpoint/2010/main" val="1862313748"/>
+        <p14:creationId xmlns:p14="http://schemas.microsoft.com/office/powerpoint/2010/main" val="1143570531"/>
       </p:ext>
     </p:extLst>
   </p:cSld>
@@ -685,9 +732,10 @@
           <a:lstStyle/>
           <a:p>
             <a:r>
-              <a:rPr lang="ko-KR" altLang="en-US"/>
+              <a:rPr lang="ko-KR" altLang="en-US" smtClean="0"/>
               <a:t>마스터 제목 스타일 편집</a:t>
             </a:r>
+            <a:endParaRPr lang="ko-KR" altLang="en-US"/>
           </a:p>
         </p:txBody>
       </p:sp>
@@ -708,37 +756,38 @@
           <a:p>
             <a:pPr lvl="0"/>
             <a:r>
-              <a:rPr lang="ko-KR" altLang="en-US"/>
-              <a:t>마스터 텍스트 스타일 편집</a:t>
+              <a:rPr lang="ko-KR" altLang="en-US" smtClean="0"/>
+              <a:t>마스터 텍스트 스타일을 편집합니다</a:t>
             </a:r>
           </a:p>
           <a:p>
             <a:pPr lvl="1"/>
             <a:r>
-              <a:rPr lang="ko-KR" altLang="en-US"/>
+              <a:rPr lang="ko-KR" altLang="en-US" smtClean="0"/>
               <a:t>둘째 수준</a:t>
             </a:r>
           </a:p>
           <a:p>
             <a:pPr lvl="2"/>
             <a:r>
-              <a:rPr lang="ko-KR" altLang="en-US"/>
+              <a:rPr lang="ko-KR" altLang="en-US" smtClean="0"/>
               <a:t>셋째 수준</a:t>
             </a:r>
           </a:p>
           <a:p>
             <a:pPr lvl="3"/>
             <a:r>
-              <a:rPr lang="ko-KR" altLang="en-US"/>
+              <a:rPr lang="ko-KR" altLang="en-US" smtClean="0"/>
               <a:t>넷째 수준</a:t>
             </a:r>
           </a:p>
           <a:p>
             <a:pPr lvl="4"/>
             <a:r>
-              <a:rPr lang="ko-KR" altLang="en-US"/>
+              <a:rPr lang="ko-KR" altLang="en-US" smtClean="0"/>
               <a:t>다섯째 수준</a:t>
             </a:r>
+            <a:endParaRPr lang="ko-KR" altLang="en-US"/>
           </a:p>
         </p:txBody>
       </p:sp>
@@ -757,7 +806,7 @@
           <a:bodyPr/>
           <a:lstStyle/>
           <a:p>
-            <a:fld id="{D958C1CF-1FA3-4D4D-B2CC-4474C048A990}" type="datetimeFigureOut">
+            <a:fld id="{CD65F8BD-D116-4B2D-AD21-D381B057F1ED}" type="datetimeFigureOut">
               <a:rPr lang="ko-KR" altLang="en-US" smtClean="0"/>
               <a:t>2017-05-26</a:t>
             </a:fld>
@@ -799,7 +848,7 @@
           <a:bodyPr/>
           <a:lstStyle/>
           <a:p>
-            <a:fld id="{0C0E9AFC-8BFC-4EC5-8806-A09D2D148F3E}" type="slidenum">
+            <a:fld id="{27568920-49F2-4680-9EBD-B17DAEB3E52B}" type="slidenum">
               <a:rPr lang="ko-KR" altLang="en-US" smtClean="0"/>
               <a:t>‹#›</a:t>
             </a:fld>
@@ -810,7 +859,7 @@
     </p:spTree>
     <p:extLst>
       <p:ext uri="{BB962C8B-B14F-4D97-AF65-F5344CB8AC3E}">
-        <p14:creationId xmlns:p14="http://schemas.microsoft.com/office/powerpoint/2010/main" val="2516358600"/>
+        <p14:creationId xmlns:p14="http://schemas.microsoft.com/office/powerpoint/2010/main" val="2000702853"/>
       </p:ext>
     </p:extLst>
   </p:cSld>
@@ -849,22 +898,23 @@
         </p:nvSpPr>
         <p:spPr>
           <a:xfrm>
-            <a:off x="831850" y="1709738"/>
-            <a:ext cx="10515600" cy="2852737"/>
-          </a:xfrm>
-        </p:spPr>
-        <p:txBody>
-          <a:bodyPr anchor="b"/>
+            <a:off x="722313" y="4406900"/>
+            <a:ext cx="7772400" cy="1362075"/>
+          </a:xfrm>
+        </p:spPr>
+        <p:txBody>
+          <a:bodyPr anchor="t"/>
           <a:lstStyle>
-            <a:lvl1pPr>
-              <a:defRPr sz="6000"/>
+            <a:lvl1pPr algn="l">
+              <a:defRPr sz="4000" b="1" cap="all"/>
             </a:lvl1pPr>
           </a:lstStyle>
           <a:p>
             <a:r>
-              <a:rPr lang="ko-KR" altLang="en-US"/>
+              <a:rPr lang="ko-KR" altLang="en-US" smtClean="0"/>
               <a:t>마스터 제목 스타일 편집</a:t>
             </a:r>
+            <a:endParaRPr lang="ko-KR" altLang="en-US"/>
           </a:p>
         </p:txBody>
       </p:sp>
@@ -880,16 +930,16 @@
         </p:nvSpPr>
         <p:spPr>
           <a:xfrm>
-            <a:off x="831850" y="4589463"/>
-            <a:ext cx="10515600" cy="1500187"/>
-          </a:xfrm>
-        </p:spPr>
-        <p:txBody>
-          <a:bodyPr/>
+            <a:off x="722313" y="2906713"/>
+            <a:ext cx="7772400" cy="1500187"/>
+          </a:xfrm>
+        </p:spPr>
+        <p:txBody>
+          <a:bodyPr anchor="b"/>
           <a:lstStyle>
             <a:lvl1pPr marL="0" indent="0">
               <a:buNone/>
-              <a:defRPr sz="2400">
+              <a:defRPr sz="2000">
                 <a:solidFill>
                   <a:schemeClr val="tx1">
                     <a:tint val="75000"/>
@@ -899,7 +949,7 @@
             </a:lvl1pPr>
             <a:lvl2pPr marL="457200" indent="0">
               <a:buNone/>
-              <a:defRPr sz="2000">
+              <a:defRPr sz="1800">
                 <a:solidFill>
                   <a:schemeClr val="tx1">
                     <a:tint val="75000"/>
@@ -909,7 +959,7 @@
             </a:lvl2pPr>
             <a:lvl3pPr marL="914400" indent="0">
               <a:buNone/>
-              <a:defRPr sz="1800">
+              <a:defRPr sz="1600">
                 <a:solidFill>
                   <a:schemeClr val="tx1">
                     <a:tint val="75000"/>
@@ -919,7 +969,7 @@
             </a:lvl3pPr>
             <a:lvl4pPr marL="1371600" indent="0">
               <a:buNone/>
-              <a:defRPr sz="1600">
+              <a:defRPr sz="1400">
                 <a:solidFill>
                   <a:schemeClr val="tx1">
                     <a:tint val="75000"/>
@@ -929,7 +979,7 @@
             </a:lvl4pPr>
             <a:lvl5pPr marL="1828800" indent="0">
               <a:buNone/>
-              <a:defRPr sz="1600">
+              <a:defRPr sz="1400">
                 <a:solidFill>
                   <a:schemeClr val="tx1">
                     <a:tint val="75000"/>
@@ -939,7 +989,7 @@
             </a:lvl5pPr>
             <a:lvl6pPr marL="2286000" indent="0">
               <a:buNone/>
-              <a:defRPr sz="1600">
+              <a:defRPr sz="1400">
                 <a:solidFill>
                   <a:schemeClr val="tx1">
                     <a:tint val="75000"/>
@@ -949,7 +999,7 @@
             </a:lvl6pPr>
             <a:lvl7pPr marL="2743200" indent="0">
               <a:buNone/>
-              <a:defRPr sz="1600">
+              <a:defRPr sz="1400">
                 <a:solidFill>
                   <a:schemeClr val="tx1">
                     <a:tint val="75000"/>
@@ -959,7 +1009,7 @@
             </a:lvl7pPr>
             <a:lvl8pPr marL="3200400" indent="0">
               <a:buNone/>
-              <a:defRPr sz="1600">
+              <a:defRPr sz="1400">
                 <a:solidFill>
                   <a:schemeClr val="tx1">
                     <a:tint val="75000"/>
@@ -969,7 +1019,7 @@
             </a:lvl8pPr>
             <a:lvl9pPr marL="3657600" indent="0">
               <a:buNone/>
-              <a:defRPr sz="1600">
+              <a:defRPr sz="1400">
                 <a:solidFill>
                   <a:schemeClr val="tx1">
                     <a:tint val="75000"/>
@@ -981,8 +1031,8 @@
           <a:p>
             <a:pPr lvl="0"/>
             <a:r>
-              <a:rPr lang="ko-KR" altLang="en-US"/>
-              <a:t>마스터 텍스트 스타일 편집</a:t>
+              <a:rPr lang="ko-KR" altLang="en-US" smtClean="0"/>
+              <a:t>마스터 텍스트 스타일을 편집합니다</a:t>
             </a:r>
           </a:p>
         </p:txBody>
@@ -1002,7 +1052,7 @@
           <a:bodyPr/>
           <a:lstStyle/>
           <a:p>
-            <a:fld id="{D958C1CF-1FA3-4D4D-B2CC-4474C048A990}" type="datetimeFigureOut">
+            <a:fld id="{CD65F8BD-D116-4B2D-AD21-D381B057F1ED}" type="datetimeFigureOut">
               <a:rPr lang="ko-KR" altLang="en-US" smtClean="0"/>
               <a:t>2017-05-26</a:t>
             </a:fld>
@@ -1044,7 +1094,7 @@
           <a:bodyPr/>
           <a:lstStyle/>
           <a:p>
-            <a:fld id="{0C0E9AFC-8BFC-4EC5-8806-A09D2D148F3E}" type="slidenum">
+            <a:fld id="{27568920-49F2-4680-9EBD-B17DAEB3E52B}" type="slidenum">
               <a:rPr lang="ko-KR" altLang="en-US" smtClean="0"/>
               <a:t>‹#›</a:t>
             </a:fld>
@@ -1055,7 +1105,7 @@
     </p:spTree>
     <p:extLst>
       <p:ext uri="{BB962C8B-B14F-4D97-AF65-F5344CB8AC3E}">
-        <p14:creationId xmlns:p14="http://schemas.microsoft.com/office/powerpoint/2010/main" val="3755570275"/>
+        <p14:creationId xmlns:p14="http://schemas.microsoft.com/office/powerpoint/2010/main" val="3881414781"/>
       </p:ext>
     </p:extLst>
   </p:cSld>
@@ -1098,9 +1148,10 @@
           <a:lstStyle/>
           <a:p>
             <a:r>
-              <a:rPr lang="ko-KR" altLang="en-US"/>
+              <a:rPr lang="ko-KR" altLang="en-US" smtClean="0"/>
               <a:t>마스터 제목 스타일 편집</a:t>
             </a:r>
+            <a:endParaRPr lang="ko-KR" altLang="en-US"/>
           </a:p>
         </p:txBody>
       </p:sp>
@@ -1116,47 +1167,76 @@
         </p:nvSpPr>
         <p:spPr>
           <a:xfrm>
-            <a:off x="838200" y="1825625"/>
-            <a:ext cx="5181600" cy="4351338"/>
+            <a:off x="457200" y="1600200"/>
+            <a:ext cx="4038600" cy="4525963"/>
           </a:xfrm>
         </p:spPr>
         <p:txBody>
           <a:bodyPr/>
-          <a:lstStyle/>
+          <a:lstStyle>
+            <a:lvl1pPr>
+              <a:defRPr sz="2800"/>
+            </a:lvl1pPr>
+            <a:lvl2pPr>
+              <a:defRPr sz="2400"/>
+            </a:lvl2pPr>
+            <a:lvl3pPr>
+              <a:defRPr sz="2000"/>
+            </a:lvl3pPr>
+            <a:lvl4pPr>
+              <a:defRPr sz="1800"/>
+            </a:lvl4pPr>
+            <a:lvl5pPr>
+              <a:defRPr sz="1800"/>
+            </a:lvl5pPr>
+            <a:lvl6pPr>
+              <a:defRPr sz="1800"/>
+            </a:lvl6pPr>
+            <a:lvl7pPr>
+              <a:defRPr sz="1800"/>
+            </a:lvl7pPr>
+            <a:lvl8pPr>
+              <a:defRPr sz="1800"/>
+            </a:lvl8pPr>
+            <a:lvl9pPr>
+              <a:defRPr sz="1800"/>
+            </a:lvl9pPr>
+          </a:lstStyle>
           <a:p>
             <a:pPr lvl="0"/>
             <a:r>
-              <a:rPr lang="ko-KR" altLang="en-US"/>
-              <a:t>마스터 텍스트 스타일 편집</a:t>
+              <a:rPr lang="ko-KR" altLang="en-US" smtClean="0"/>
+              <a:t>마스터 텍스트 스타일을 편집합니다</a:t>
             </a:r>
           </a:p>
           <a:p>
             <a:pPr lvl="1"/>
             <a:r>
-              <a:rPr lang="ko-KR" altLang="en-US"/>
+              <a:rPr lang="ko-KR" altLang="en-US" smtClean="0"/>
               <a:t>둘째 수준</a:t>
             </a:r>
           </a:p>
           <a:p>
             <a:pPr lvl="2"/>
             <a:r>
-              <a:rPr lang="ko-KR" altLang="en-US"/>
+              <a:rPr lang="ko-KR" altLang="en-US" smtClean="0"/>
               <a:t>셋째 수준</a:t>
             </a:r>
           </a:p>
           <a:p>
             <a:pPr lvl="3"/>
             <a:r>
-              <a:rPr lang="ko-KR" altLang="en-US"/>
+              <a:rPr lang="ko-KR" altLang="en-US" smtClean="0"/>
               <a:t>넷째 수준</a:t>
             </a:r>
           </a:p>
           <a:p>
             <a:pPr lvl="4"/>
             <a:r>
-              <a:rPr lang="ko-KR" altLang="en-US"/>
+              <a:rPr lang="ko-KR" altLang="en-US" smtClean="0"/>
               <a:t>다섯째 수준</a:t>
             </a:r>
+            <a:endParaRPr lang="ko-KR" altLang="en-US"/>
           </a:p>
         </p:txBody>
       </p:sp>
@@ -1172,47 +1252,76 @@
         </p:nvSpPr>
         <p:spPr>
           <a:xfrm>
-            <a:off x="6172200" y="1825625"/>
-            <a:ext cx="5181600" cy="4351338"/>
+            <a:off x="4648200" y="1600200"/>
+            <a:ext cx="4038600" cy="4525963"/>
           </a:xfrm>
         </p:spPr>
         <p:txBody>
           <a:bodyPr/>
-          <a:lstStyle/>
+          <a:lstStyle>
+            <a:lvl1pPr>
+              <a:defRPr sz="2800"/>
+            </a:lvl1pPr>
+            <a:lvl2pPr>
+              <a:defRPr sz="2400"/>
+            </a:lvl2pPr>
+            <a:lvl3pPr>
+              <a:defRPr sz="2000"/>
+            </a:lvl3pPr>
+            <a:lvl4pPr>
+              <a:defRPr sz="1800"/>
+            </a:lvl4pPr>
+            <a:lvl5pPr>
+              <a:defRPr sz="1800"/>
+            </a:lvl5pPr>
+            <a:lvl6pPr>
+              <a:defRPr sz="1800"/>
+            </a:lvl6pPr>
+            <a:lvl7pPr>
+              <a:defRPr sz="1800"/>
+            </a:lvl7pPr>
+            <a:lvl8pPr>
+              <a:defRPr sz="1800"/>
+            </a:lvl8pPr>
+            <a:lvl9pPr>
+              <a:defRPr sz="1800"/>
+            </a:lvl9pPr>
+          </a:lstStyle>
           <a:p>
             <a:pPr lvl="0"/>
             <a:r>
-              <a:rPr lang="ko-KR" altLang="en-US"/>
-              <a:t>마스터 텍스트 스타일 편집</a:t>
+              <a:rPr lang="ko-KR" altLang="en-US" smtClean="0"/>
+              <a:t>마스터 텍스트 스타일을 편집합니다</a:t>
             </a:r>
           </a:p>
           <a:p>
             <a:pPr lvl="1"/>
             <a:r>
-              <a:rPr lang="ko-KR" altLang="en-US"/>
+              <a:rPr lang="ko-KR" altLang="en-US" smtClean="0"/>
               <a:t>둘째 수준</a:t>
             </a:r>
           </a:p>
           <a:p>
             <a:pPr lvl="2"/>
             <a:r>
-              <a:rPr lang="ko-KR" altLang="en-US"/>
+              <a:rPr lang="ko-KR" altLang="en-US" smtClean="0"/>
               <a:t>셋째 수준</a:t>
             </a:r>
           </a:p>
           <a:p>
             <a:pPr lvl="3"/>
             <a:r>
-              <a:rPr lang="ko-KR" altLang="en-US"/>
+              <a:rPr lang="ko-KR" altLang="en-US" smtClean="0"/>
               <a:t>넷째 수준</a:t>
             </a:r>
           </a:p>
           <a:p>
             <a:pPr lvl="4"/>
             <a:r>
-              <a:rPr lang="ko-KR" altLang="en-US"/>
+              <a:rPr lang="ko-KR" altLang="en-US" smtClean="0"/>
               <a:t>다섯째 수준</a:t>
             </a:r>
+            <a:endParaRPr lang="ko-KR" altLang="en-US"/>
           </a:p>
         </p:txBody>
       </p:sp>
@@ -1231,7 +1340,7 @@
           <a:bodyPr/>
           <a:lstStyle/>
           <a:p>
-            <a:fld id="{D958C1CF-1FA3-4D4D-B2CC-4474C048A990}" type="datetimeFigureOut">
+            <a:fld id="{CD65F8BD-D116-4B2D-AD21-D381B057F1ED}" type="datetimeFigureOut">
               <a:rPr lang="ko-KR" altLang="en-US" smtClean="0"/>
               <a:t>2017-05-26</a:t>
             </a:fld>
@@ -1273,7 +1382,7 @@
           <a:bodyPr/>
           <a:lstStyle/>
           <a:p>
-            <a:fld id="{0C0E9AFC-8BFC-4EC5-8806-A09D2D148F3E}" type="slidenum">
+            <a:fld id="{27568920-49F2-4680-9EBD-B17DAEB3E52B}" type="slidenum">
               <a:rPr lang="ko-KR" altLang="en-US" smtClean="0"/>
               <a:t>‹#›</a:t>
             </a:fld>
@@ -1284,7 +1393,7 @@
     </p:spTree>
     <p:extLst>
       <p:ext uri="{BB962C8B-B14F-4D97-AF65-F5344CB8AC3E}">
-        <p14:creationId xmlns:p14="http://schemas.microsoft.com/office/powerpoint/2010/main" val="3528927109"/>
+        <p14:creationId xmlns:p14="http://schemas.microsoft.com/office/powerpoint/2010/main" val="101446147"/>
       </p:ext>
     </p:extLst>
   </p:cSld>
@@ -1321,20 +1430,20 @@
             <p:ph type="title"/>
           </p:nvPr>
         </p:nvSpPr>
-        <p:spPr>
-          <a:xfrm>
-            <a:off x="839788" y="365125"/>
-            <a:ext cx="10515600" cy="1325563"/>
-          </a:xfrm>
-        </p:spPr>
+        <p:spPr/>
         <p:txBody>
           <a:bodyPr/>
-          <a:lstStyle/>
-          <a:p>
-            <a:r>
-              <a:rPr lang="ko-KR" altLang="en-US"/>
+          <a:lstStyle>
+            <a:lvl1pPr>
+              <a:defRPr/>
+            </a:lvl1pPr>
+          </a:lstStyle>
+          <a:p>
+            <a:r>
+              <a:rPr lang="ko-KR" altLang="en-US" smtClean="0"/>
               <a:t>마스터 제목 스타일 편집</a:t>
             </a:r>
+            <a:endParaRPr lang="ko-KR" altLang="en-US"/>
           </a:p>
         </p:txBody>
       </p:sp>
@@ -1350,8 +1459,8 @@
         </p:nvSpPr>
         <p:spPr>
           <a:xfrm>
-            <a:off x="839788" y="1681163"/>
-            <a:ext cx="5157787" cy="823912"/>
+            <a:off x="457200" y="1535113"/>
+            <a:ext cx="4040188" cy="639762"/>
           </a:xfrm>
         </p:spPr>
         <p:txBody>
@@ -1397,8 +1506,8 @@
           <a:p>
             <a:pPr lvl="0"/>
             <a:r>
-              <a:rPr lang="ko-KR" altLang="en-US"/>
-              <a:t>마스터 텍스트 스타일 편집</a:t>
+              <a:rPr lang="ko-KR" altLang="en-US" smtClean="0"/>
+              <a:t>마스터 텍스트 스타일을 편집합니다</a:t>
             </a:r>
           </a:p>
         </p:txBody>
@@ -1415,47 +1524,76 @@
         </p:nvSpPr>
         <p:spPr>
           <a:xfrm>
-            <a:off x="839788" y="2505075"/>
-            <a:ext cx="5157787" cy="3684588"/>
+            <a:off x="457200" y="2174875"/>
+            <a:ext cx="4040188" cy="3951288"/>
           </a:xfrm>
         </p:spPr>
         <p:txBody>
           <a:bodyPr/>
-          <a:lstStyle/>
+          <a:lstStyle>
+            <a:lvl1pPr>
+              <a:defRPr sz="2400"/>
+            </a:lvl1pPr>
+            <a:lvl2pPr>
+              <a:defRPr sz="2000"/>
+            </a:lvl2pPr>
+            <a:lvl3pPr>
+              <a:defRPr sz="1800"/>
+            </a:lvl3pPr>
+            <a:lvl4pPr>
+              <a:defRPr sz="1600"/>
+            </a:lvl4pPr>
+            <a:lvl5pPr>
+              <a:defRPr sz="1600"/>
+            </a:lvl5pPr>
+            <a:lvl6pPr>
+              <a:defRPr sz="1600"/>
+            </a:lvl6pPr>
+            <a:lvl7pPr>
+              <a:defRPr sz="1600"/>
+            </a:lvl7pPr>
+            <a:lvl8pPr>
+              <a:defRPr sz="1600"/>
+            </a:lvl8pPr>
+            <a:lvl9pPr>
+              <a:defRPr sz="1600"/>
+            </a:lvl9pPr>
+          </a:lstStyle>
           <a:p>
             <a:pPr lvl="0"/>
             <a:r>
-              <a:rPr lang="ko-KR" altLang="en-US"/>
-              <a:t>마스터 텍스트 스타일 편집</a:t>
+              <a:rPr lang="ko-KR" altLang="en-US" smtClean="0"/>
+              <a:t>마스터 텍스트 스타일을 편집합니다</a:t>
             </a:r>
           </a:p>
           <a:p>
             <a:pPr lvl="1"/>
             <a:r>
-              <a:rPr lang="ko-KR" altLang="en-US"/>
+              <a:rPr lang="ko-KR" altLang="en-US" smtClean="0"/>
               <a:t>둘째 수준</a:t>
             </a:r>
           </a:p>
           <a:p>
             <a:pPr lvl="2"/>
             <a:r>
-              <a:rPr lang="ko-KR" altLang="en-US"/>
+              <a:rPr lang="ko-KR" altLang="en-US" smtClean="0"/>
               <a:t>셋째 수준</a:t>
             </a:r>
           </a:p>
           <a:p>
             <a:pPr lvl="3"/>
             <a:r>
-              <a:rPr lang="ko-KR" altLang="en-US"/>
+              <a:rPr lang="ko-KR" altLang="en-US" smtClean="0"/>
               <a:t>넷째 수준</a:t>
             </a:r>
           </a:p>
           <a:p>
             <a:pPr lvl="4"/>
             <a:r>
-              <a:rPr lang="ko-KR" altLang="en-US"/>
+              <a:rPr lang="ko-KR" altLang="en-US" smtClean="0"/>
               <a:t>다섯째 수준</a:t>
             </a:r>
+            <a:endParaRPr lang="ko-KR" altLang="en-US"/>
           </a:p>
         </p:txBody>
       </p:sp>
@@ -1471,8 +1609,8 @@
         </p:nvSpPr>
         <p:spPr>
           <a:xfrm>
-            <a:off x="6172200" y="1681163"/>
-            <a:ext cx="5183188" cy="823912"/>
+            <a:off x="4645025" y="1535113"/>
+            <a:ext cx="4041775" cy="639762"/>
           </a:xfrm>
         </p:spPr>
         <p:txBody>
@@ -1518,8 +1656,8 @@
           <a:p>
             <a:pPr lvl="0"/>
             <a:r>
-              <a:rPr lang="ko-KR" altLang="en-US"/>
-              <a:t>마스터 텍스트 스타일 편집</a:t>
+              <a:rPr lang="ko-KR" altLang="en-US" smtClean="0"/>
+              <a:t>마스터 텍스트 스타일을 편집합니다</a:t>
             </a:r>
           </a:p>
         </p:txBody>
@@ -1536,47 +1674,76 @@
         </p:nvSpPr>
         <p:spPr>
           <a:xfrm>
-            <a:off x="6172200" y="2505075"/>
-            <a:ext cx="5183188" cy="3684588"/>
+            <a:off x="4645025" y="2174875"/>
+            <a:ext cx="4041775" cy="3951288"/>
           </a:xfrm>
         </p:spPr>
         <p:txBody>
           <a:bodyPr/>
-          <a:lstStyle/>
+          <a:lstStyle>
+            <a:lvl1pPr>
+              <a:defRPr sz="2400"/>
+            </a:lvl1pPr>
+            <a:lvl2pPr>
+              <a:defRPr sz="2000"/>
+            </a:lvl2pPr>
+            <a:lvl3pPr>
+              <a:defRPr sz="1800"/>
+            </a:lvl3pPr>
+            <a:lvl4pPr>
+              <a:defRPr sz="1600"/>
+            </a:lvl4pPr>
+            <a:lvl5pPr>
+              <a:defRPr sz="1600"/>
+            </a:lvl5pPr>
+            <a:lvl6pPr>
+              <a:defRPr sz="1600"/>
+            </a:lvl6pPr>
+            <a:lvl7pPr>
+              <a:defRPr sz="1600"/>
+            </a:lvl7pPr>
+            <a:lvl8pPr>
+              <a:defRPr sz="1600"/>
+            </a:lvl8pPr>
+            <a:lvl9pPr>
+              <a:defRPr sz="1600"/>
+            </a:lvl9pPr>
+          </a:lstStyle>
           <a:p>
             <a:pPr lvl="0"/>
             <a:r>
-              <a:rPr lang="ko-KR" altLang="en-US"/>
-              <a:t>마스터 텍스트 스타일 편집</a:t>
+              <a:rPr lang="ko-KR" altLang="en-US" smtClean="0"/>
+              <a:t>마스터 텍스트 스타일을 편집합니다</a:t>
             </a:r>
           </a:p>
           <a:p>
             <a:pPr lvl="1"/>
             <a:r>
-              <a:rPr lang="ko-KR" altLang="en-US"/>
+              <a:rPr lang="ko-KR" altLang="en-US" smtClean="0"/>
               <a:t>둘째 수준</a:t>
             </a:r>
           </a:p>
           <a:p>
             <a:pPr lvl="2"/>
             <a:r>
-              <a:rPr lang="ko-KR" altLang="en-US"/>
+              <a:rPr lang="ko-KR" altLang="en-US" smtClean="0"/>
               <a:t>셋째 수준</a:t>
             </a:r>
           </a:p>
           <a:p>
             <a:pPr lvl="3"/>
             <a:r>
-              <a:rPr lang="ko-KR" altLang="en-US"/>
+              <a:rPr lang="ko-KR" altLang="en-US" smtClean="0"/>
               <a:t>넷째 수준</a:t>
             </a:r>
           </a:p>
           <a:p>
             <a:pPr lvl="4"/>
             <a:r>
-              <a:rPr lang="ko-KR" altLang="en-US"/>
+              <a:rPr lang="ko-KR" altLang="en-US" smtClean="0"/>
               <a:t>다섯째 수준</a:t>
             </a:r>
+            <a:endParaRPr lang="ko-KR" altLang="en-US"/>
           </a:p>
         </p:txBody>
       </p:sp>
@@ -1595,7 +1762,7 @@
           <a:bodyPr/>
           <a:lstStyle/>
           <a:p>
-            <a:fld id="{D958C1CF-1FA3-4D4D-B2CC-4474C048A990}" type="datetimeFigureOut">
+            <a:fld id="{CD65F8BD-D116-4B2D-AD21-D381B057F1ED}" type="datetimeFigureOut">
               <a:rPr lang="ko-KR" altLang="en-US" smtClean="0"/>
               <a:t>2017-05-26</a:t>
             </a:fld>
@@ -1637,7 +1804,7 @@
           <a:bodyPr/>
           <a:lstStyle/>
           <a:p>
-            <a:fld id="{0C0E9AFC-8BFC-4EC5-8806-A09D2D148F3E}" type="slidenum">
+            <a:fld id="{27568920-49F2-4680-9EBD-B17DAEB3E52B}" type="slidenum">
               <a:rPr lang="ko-KR" altLang="en-US" smtClean="0"/>
               <a:t>‹#›</a:t>
             </a:fld>
@@ -1648,7 +1815,7 @@
     </p:spTree>
     <p:extLst>
       <p:ext uri="{BB962C8B-B14F-4D97-AF65-F5344CB8AC3E}">
-        <p14:creationId xmlns:p14="http://schemas.microsoft.com/office/powerpoint/2010/main" val="2943384812"/>
+        <p14:creationId xmlns:p14="http://schemas.microsoft.com/office/powerpoint/2010/main" val="683122459"/>
       </p:ext>
     </p:extLst>
   </p:cSld>
@@ -1691,9 +1858,10 @@
           <a:lstStyle/>
           <a:p>
             <a:r>
-              <a:rPr lang="ko-KR" altLang="en-US"/>
+              <a:rPr lang="ko-KR" altLang="en-US" smtClean="0"/>
               <a:t>마스터 제목 스타일 편집</a:t>
             </a:r>
+            <a:endParaRPr lang="ko-KR" altLang="en-US"/>
           </a:p>
         </p:txBody>
       </p:sp>
@@ -1712,7 +1880,7 @@
           <a:bodyPr/>
           <a:lstStyle/>
           <a:p>
-            <a:fld id="{D958C1CF-1FA3-4D4D-B2CC-4474C048A990}" type="datetimeFigureOut">
+            <a:fld id="{CD65F8BD-D116-4B2D-AD21-D381B057F1ED}" type="datetimeFigureOut">
               <a:rPr lang="ko-KR" altLang="en-US" smtClean="0"/>
               <a:t>2017-05-26</a:t>
             </a:fld>
@@ -1754,7 +1922,7 @@
           <a:bodyPr/>
           <a:lstStyle/>
           <a:p>
-            <a:fld id="{0C0E9AFC-8BFC-4EC5-8806-A09D2D148F3E}" type="slidenum">
+            <a:fld id="{27568920-49F2-4680-9EBD-B17DAEB3E52B}" type="slidenum">
               <a:rPr lang="ko-KR" altLang="en-US" smtClean="0"/>
               <a:t>‹#›</a:t>
             </a:fld>
@@ -1765,7 +1933,7 @@
     </p:spTree>
     <p:extLst>
       <p:ext uri="{BB962C8B-B14F-4D97-AF65-F5344CB8AC3E}">
-        <p14:creationId xmlns:p14="http://schemas.microsoft.com/office/powerpoint/2010/main" val="1367499668"/>
+        <p14:creationId xmlns:p14="http://schemas.microsoft.com/office/powerpoint/2010/main" val="2346804654"/>
       </p:ext>
     </p:extLst>
   </p:cSld>
@@ -1807,7 +1975,7 @@
           <a:bodyPr/>
           <a:lstStyle/>
           <a:p>
-            <a:fld id="{D958C1CF-1FA3-4D4D-B2CC-4474C048A990}" type="datetimeFigureOut">
+            <a:fld id="{CD65F8BD-D116-4B2D-AD21-D381B057F1ED}" type="datetimeFigureOut">
               <a:rPr lang="ko-KR" altLang="en-US" smtClean="0"/>
               <a:t>2017-05-26</a:t>
             </a:fld>
@@ -1849,7 +2017,7 @@
           <a:bodyPr/>
           <a:lstStyle/>
           <a:p>
-            <a:fld id="{0C0E9AFC-8BFC-4EC5-8806-A09D2D148F3E}" type="slidenum">
+            <a:fld id="{27568920-49F2-4680-9EBD-B17DAEB3E52B}" type="slidenum">
               <a:rPr lang="ko-KR" altLang="en-US" smtClean="0"/>
               <a:t>‹#›</a:t>
             </a:fld>
@@ -1860,7 +2028,7 @@
     </p:spTree>
     <p:extLst>
       <p:ext uri="{BB962C8B-B14F-4D97-AF65-F5344CB8AC3E}">
-        <p14:creationId xmlns:p14="http://schemas.microsoft.com/office/powerpoint/2010/main" val="1179357804"/>
+        <p14:creationId xmlns:p14="http://schemas.microsoft.com/office/powerpoint/2010/main" val="963826224"/>
       </p:ext>
     </p:extLst>
   </p:cSld>
@@ -1899,22 +2067,23 @@
         </p:nvSpPr>
         <p:spPr>
           <a:xfrm>
-            <a:off x="839788" y="457200"/>
-            <a:ext cx="3932237" cy="1600200"/>
+            <a:off x="457200" y="273050"/>
+            <a:ext cx="3008313" cy="1162050"/>
           </a:xfrm>
         </p:spPr>
         <p:txBody>
           <a:bodyPr anchor="b"/>
           <a:lstStyle>
-            <a:lvl1pPr>
-              <a:defRPr sz="3200"/>
+            <a:lvl1pPr algn="l">
+              <a:defRPr sz="2000" b="1"/>
             </a:lvl1pPr>
           </a:lstStyle>
           <a:p>
             <a:r>
-              <a:rPr lang="ko-KR" altLang="en-US"/>
+              <a:rPr lang="ko-KR" altLang="en-US" smtClean="0"/>
               <a:t>마스터 제목 스타일 편집</a:t>
             </a:r>
+            <a:endParaRPr lang="ko-KR" altLang="en-US"/>
           </a:p>
         </p:txBody>
       </p:sp>
@@ -1930,8 +2099,8 @@
         </p:nvSpPr>
         <p:spPr>
           <a:xfrm>
-            <a:off x="5183188" y="987425"/>
-            <a:ext cx="6172200" cy="4873625"/>
+            <a:off x="3575050" y="273050"/>
+            <a:ext cx="5111750" cy="5853113"/>
           </a:xfrm>
         </p:spPr>
         <p:txBody>
@@ -1968,37 +2137,38 @@
           <a:p>
             <a:pPr lvl="0"/>
             <a:r>
-              <a:rPr lang="ko-KR" altLang="en-US"/>
-              <a:t>마스터 텍스트 스타일 편집</a:t>
+              <a:rPr lang="ko-KR" altLang="en-US" smtClean="0"/>
+              <a:t>마스터 텍스트 스타일을 편집합니다</a:t>
             </a:r>
           </a:p>
           <a:p>
             <a:pPr lvl="1"/>
             <a:r>
-              <a:rPr lang="ko-KR" altLang="en-US"/>
+              <a:rPr lang="ko-KR" altLang="en-US" smtClean="0"/>
               <a:t>둘째 수준</a:t>
             </a:r>
           </a:p>
           <a:p>
             <a:pPr lvl="2"/>
             <a:r>
-              <a:rPr lang="ko-KR" altLang="en-US"/>
+              <a:rPr lang="ko-KR" altLang="en-US" smtClean="0"/>
               <a:t>셋째 수준</a:t>
             </a:r>
           </a:p>
           <a:p>
             <a:pPr lvl="3"/>
             <a:r>
-              <a:rPr lang="ko-KR" altLang="en-US"/>
+              <a:rPr lang="ko-KR" altLang="en-US" smtClean="0"/>
               <a:t>넷째 수준</a:t>
             </a:r>
           </a:p>
           <a:p>
             <a:pPr lvl="4"/>
             <a:r>
-              <a:rPr lang="ko-KR" altLang="en-US"/>
+              <a:rPr lang="ko-KR" altLang="en-US" smtClean="0"/>
               <a:t>다섯째 수준</a:t>
             </a:r>
+            <a:endParaRPr lang="ko-KR" altLang="en-US"/>
           </a:p>
         </p:txBody>
       </p:sp>
@@ -2014,8 +2184,8 @@
         </p:nvSpPr>
         <p:spPr>
           <a:xfrm>
-            <a:off x="839788" y="2057400"/>
-            <a:ext cx="3932237" cy="3811588"/>
+            <a:off x="457200" y="1435100"/>
+            <a:ext cx="3008313" cy="4691063"/>
           </a:xfrm>
         </p:spPr>
         <p:txBody>
@@ -2023,46 +2193,46 @@
           <a:lstStyle>
             <a:lvl1pPr marL="0" indent="0">
               <a:buNone/>
-              <a:defRPr sz="1600"/>
+              <a:defRPr sz="1400"/>
             </a:lvl1pPr>
             <a:lvl2pPr marL="457200" indent="0">
               <a:buNone/>
-              <a:defRPr sz="1400"/>
+              <a:defRPr sz="1200"/>
             </a:lvl2pPr>
             <a:lvl3pPr marL="914400" indent="0">
               <a:buNone/>
-              <a:defRPr sz="1200"/>
+              <a:defRPr sz="1000"/>
             </a:lvl3pPr>
             <a:lvl4pPr marL="1371600" indent="0">
               <a:buNone/>
-              <a:defRPr sz="1000"/>
+              <a:defRPr sz="900"/>
             </a:lvl4pPr>
             <a:lvl5pPr marL="1828800" indent="0">
               <a:buNone/>
-              <a:defRPr sz="1000"/>
+              <a:defRPr sz="900"/>
             </a:lvl5pPr>
             <a:lvl6pPr marL="2286000" indent="0">
               <a:buNone/>
-              <a:defRPr sz="1000"/>
+              <a:defRPr sz="900"/>
             </a:lvl6pPr>
             <a:lvl7pPr marL="2743200" indent="0">
               <a:buNone/>
-              <a:defRPr sz="1000"/>
+              <a:defRPr sz="900"/>
             </a:lvl7pPr>
             <a:lvl8pPr marL="3200400" indent="0">
               <a:buNone/>
-              <a:defRPr sz="1000"/>
+              <a:defRPr sz="900"/>
             </a:lvl8pPr>
             <a:lvl9pPr marL="3657600" indent="0">
               <a:buNone/>
-              <a:defRPr sz="1000"/>
+              <a:defRPr sz="900"/>
             </a:lvl9pPr>
           </a:lstStyle>
           <a:p>
             <a:pPr lvl="0"/>
             <a:r>
-              <a:rPr lang="ko-KR" altLang="en-US"/>
-              <a:t>마스터 텍스트 스타일 편집</a:t>
+              <a:rPr lang="ko-KR" altLang="en-US" smtClean="0"/>
+              <a:t>마스터 텍스트 스타일을 편집합니다</a:t>
             </a:r>
           </a:p>
         </p:txBody>
@@ -2082,7 +2252,7 @@
           <a:bodyPr/>
           <a:lstStyle/>
           <a:p>
-            <a:fld id="{D958C1CF-1FA3-4D4D-B2CC-4474C048A990}" type="datetimeFigureOut">
+            <a:fld id="{CD65F8BD-D116-4B2D-AD21-D381B057F1ED}" type="datetimeFigureOut">
               <a:rPr lang="ko-KR" altLang="en-US" smtClean="0"/>
               <a:t>2017-05-26</a:t>
             </a:fld>
@@ -2124,7 +2294,7 @@
           <a:bodyPr/>
           <a:lstStyle/>
           <a:p>
-            <a:fld id="{0C0E9AFC-8BFC-4EC5-8806-A09D2D148F3E}" type="slidenum">
+            <a:fld id="{27568920-49F2-4680-9EBD-B17DAEB3E52B}" type="slidenum">
               <a:rPr lang="ko-KR" altLang="en-US" smtClean="0"/>
               <a:t>‹#›</a:t>
             </a:fld>
@@ -2135,7 +2305,7 @@
     </p:spTree>
     <p:extLst>
       <p:ext uri="{BB962C8B-B14F-4D97-AF65-F5344CB8AC3E}">
-        <p14:creationId xmlns:p14="http://schemas.microsoft.com/office/powerpoint/2010/main" val="1689082946"/>
+        <p14:creationId xmlns:p14="http://schemas.microsoft.com/office/powerpoint/2010/main" val="2834801490"/>
       </p:ext>
     </p:extLst>
   </p:cSld>
@@ -2174,22 +2344,23 @@
         </p:nvSpPr>
         <p:spPr>
           <a:xfrm>
-            <a:off x="839788" y="457200"/>
-            <a:ext cx="3932237" cy="1600200"/>
+            <a:off x="1792288" y="4800600"/>
+            <a:ext cx="5486400" cy="566738"/>
           </a:xfrm>
         </p:spPr>
         <p:txBody>
           <a:bodyPr anchor="b"/>
           <a:lstStyle>
-            <a:lvl1pPr>
-              <a:defRPr sz="3200"/>
+            <a:lvl1pPr algn="l">
+              <a:defRPr sz="2000" b="1"/>
             </a:lvl1pPr>
           </a:lstStyle>
           <a:p>
             <a:r>
-              <a:rPr lang="ko-KR" altLang="en-US"/>
+              <a:rPr lang="ko-KR" altLang="en-US" smtClean="0"/>
               <a:t>마스터 제목 스타일 편집</a:t>
             </a:r>
+            <a:endParaRPr lang="ko-KR" altLang="en-US"/>
           </a:p>
         </p:txBody>
       </p:sp>
@@ -2205,8 +2376,8 @@
         </p:nvSpPr>
         <p:spPr>
           <a:xfrm>
-            <a:off x="5183188" y="987425"/>
-            <a:ext cx="6172200" cy="4873625"/>
+            <a:off x="1792288" y="612775"/>
+            <a:ext cx="5486400" cy="4114800"/>
           </a:xfrm>
         </p:spPr>
         <p:txBody>
@@ -2266,8 +2437,8 @@
         </p:nvSpPr>
         <p:spPr>
           <a:xfrm>
-            <a:off x="839788" y="2057400"/>
-            <a:ext cx="3932237" cy="3811588"/>
+            <a:off x="1792288" y="5367338"/>
+            <a:ext cx="5486400" cy="804862"/>
           </a:xfrm>
         </p:spPr>
         <p:txBody>
@@ -2275,46 +2446,46 @@
           <a:lstStyle>
             <a:lvl1pPr marL="0" indent="0">
               <a:buNone/>
-              <a:defRPr sz="1600"/>
+              <a:defRPr sz="1400"/>
             </a:lvl1pPr>
             <a:lvl2pPr marL="457200" indent="0">
               <a:buNone/>
-              <a:defRPr sz="1400"/>
+              <a:defRPr sz="1200"/>
             </a:lvl2pPr>
             <a:lvl3pPr marL="914400" indent="0">
               <a:buNone/>
-              <a:defRPr sz="1200"/>
+              <a:defRPr sz="1000"/>
             </a:lvl3pPr>
             <a:lvl4pPr marL="1371600" indent="0">
               <a:buNone/>
-              <a:defRPr sz="1000"/>
+              <a:defRPr sz="900"/>
             </a:lvl4pPr>
             <a:lvl5pPr marL="1828800" indent="0">
               <a:buNone/>
-              <a:defRPr sz="1000"/>
+              <a:defRPr sz="900"/>
             </a:lvl5pPr>
             <a:lvl6pPr marL="2286000" indent="0">
               <a:buNone/>
-              <a:defRPr sz="1000"/>
+              <a:defRPr sz="900"/>
             </a:lvl6pPr>
             <a:lvl7pPr marL="2743200" indent="0">
               <a:buNone/>
-              <a:defRPr sz="1000"/>
+              <a:defRPr sz="900"/>
             </a:lvl7pPr>
             <a:lvl8pPr marL="3200400" indent="0">
               <a:buNone/>
-              <a:defRPr sz="1000"/>
+              <a:defRPr sz="900"/>
             </a:lvl8pPr>
             <a:lvl9pPr marL="3657600" indent="0">
               <a:buNone/>
-              <a:defRPr sz="1000"/>
+              <a:defRPr sz="900"/>
             </a:lvl9pPr>
           </a:lstStyle>
           <a:p>
             <a:pPr lvl="0"/>
             <a:r>
-              <a:rPr lang="ko-KR" altLang="en-US"/>
-              <a:t>마스터 텍스트 스타일 편집</a:t>
+              <a:rPr lang="ko-KR" altLang="en-US" smtClean="0"/>
+              <a:t>마스터 텍스트 스타일을 편집합니다</a:t>
             </a:r>
           </a:p>
         </p:txBody>
@@ -2334,7 +2505,7 @@
           <a:bodyPr/>
           <a:lstStyle/>
           <a:p>
-            <a:fld id="{D958C1CF-1FA3-4D4D-B2CC-4474C048A990}" type="datetimeFigureOut">
+            <a:fld id="{CD65F8BD-D116-4B2D-AD21-D381B057F1ED}" type="datetimeFigureOut">
               <a:rPr lang="ko-KR" altLang="en-US" smtClean="0"/>
               <a:t>2017-05-26</a:t>
             </a:fld>
@@ -2376,7 +2547,7 @@
           <a:bodyPr/>
           <a:lstStyle/>
           <a:p>
-            <a:fld id="{0C0E9AFC-8BFC-4EC5-8806-A09D2D148F3E}" type="slidenum">
+            <a:fld id="{27568920-49F2-4680-9EBD-B17DAEB3E52B}" type="slidenum">
               <a:rPr lang="ko-KR" altLang="en-US" smtClean="0"/>
               <a:t>‹#›</a:t>
             </a:fld>
@@ -2387,7 +2558,7 @@
     </p:spTree>
     <p:extLst>
       <p:ext uri="{BB962C8B-B14F-4D97-AF65-F5344CB8AC3E}">
-        <p14:creationId xmlns:p14="http://schemas.microsoft.com/office/powerpoint/2010/main" val="389157123"/>
+        <p14:creationId xmlns:p14="http://schemas.microsoft.com/office/powerpoint/2010/main" val="642877640"/>
       </p:ext>
     </p:extLst>
   </p:cSld>
@@ -2431,8 +2602,8 @@
         </p:nvSpPr>
         <p:spPr>
           <a:xfrm>
-            <a:off x="838200" y="365125"/>
-            <a:ext cx="10515600" cy="1325563"/>
+            <a:off x="457200" y="274638"/>
+            <a:ext cx="8229600" cy="1143000"/>
           </a:xfrm>
           <a:prstGeom prst="rect">
             <a:avLst/>
@@ -2445,9 +2616,10 @@
           <a:lstStyle/>
           <a:p>
             <a:r>
-              <a:rPr lang="ko-KR" altLang="en-US"/>
+              <a:rPr lang="ko-KR" altLang="en-US" smtClean="0"/>
               <a:t>마스터 제목 스타일 편집</a:t>
             </a:r>
+            <a:endParaRPr lang="ko-KR" altLang="en-US"/>
           </a:p>
         </p:txBody>
       </p:sp>
@@ -2463,8 +2635,8 @@
         </p:nvSpPr>
         <p:spPr>
           <a:xfrm>
-            <a:off x="838200" y="1825625"/>
-            <a:ext cx="10515600" cy="4351338"/>
+            <a:off x="457200" y="1600200"/>
+            <a:ext cx="8229600" cy="4525963"/>
           </a:xfrm>
           <a:prstGeom prst="rect">
             <a:avLst/>
@@ -2478,37 +2650,38 @@
           <a:p>
             <a:pPr lvl="0"/>
             <a:r>
-              <a:rPr lang="ko-KR" altLang="en-US"/>
-              <a:t>마스터 텍스트 스타일 편집</a:t>
+              <a:rPr lang="ko-KR" altLang="en-US" smtClean="0"/>
+              <a:t>마스터 텍스트 스타일을 편집합니다</a:t>
             </a:r>
           </a:p>
           <a:p>
             <a:pPr lvl="1"/>
             <a:r>
-              <a:rPr lang="ko-KR" altLang="en-US"/>
+              <a:rPr lang="ko-KR" altLang="en-US" smtClean="0"/>
               <a:t>둘째 수준</a:t>
             </a:r>
           </a:p>
           <a:p>
             <a:pPr lvl="2"/>
             <a:r>
-              <a:rPr lang="ko-KR" altLang="en-US"/>
+              <a:rPr lang="ko-KR" altLang="en-US" smtClean="0"/>
               <a:t>셋째 수준</a:t>
             </a:r>
           </a:p>
           <a:p>
             <a:pPr lvl="3"/>
             <a:r>
-              <a:rPr lang="ko-KR" altLang="en-US"/>
+              <a:rPr lang="ko-KR" altLang="en-US" smtClean="0"/>
               <a:t>넷째 수준</a:t>
             </a:r>
           </a:p>
           <a:p>
             <a:pPr lvl="4"/>
             <a:r>
-              <a:rPr lang="ko-KR" altLang="en-US"/>
+              <a:rPr lang="ko-KR" altLang="en-US" smtClean="0"/>
               <a:t>다섯째 수준</a:t>
             </a:r>
+            <a:endParaRPr lang="ko-KR" altLang="en-US"/>
           </a:p>
         </p:txBody>
       </p:sp>
@@ -2524,8 +2697,8 @@
         </p:nvSpPr>
         <p:spPr>
           <a:xfrm>
-            <a:off x="838200" y="6356350"/>
-            <a:ext cx="2743200" cy="365125"/>
+            <a:off x="457200" y="6356350"/>
+            <a:ext cx="2133600" cy="365125"/>
           </a:xfrm>
           <a:prstGeom prst="rect">
             <a:avLst/>
@@ -2545,7 +2718,7 @@
             </a:lvl1pPr>
           </a:lstStyle>
           <a:p>
-            <a:fld id="{D958C1CF-1FA3-4D4D-B2CC-4474C048A990}" type="datetimeFigureOut">
+            <a:fld id="{CD65F8BD-D116-4B2D-AD21-D381B057F1ED}" type="datetimeFigureOut">
               <a:rPr lang="ko-KR" altLang="en-US" smtClean="0"/>
               <a:t>2017-05-26</a:t>
             </a:fld>
@@ -2565,8 +2738,8 @@
         </p:nvSpPr>
         <p:spPr>
           <a:xfrm>
-            <a:off x="4038600" y="6356350"/>
-            <a:ext cx="4114800" cy="365125"/>
+            <a:off x="3124200" y="6356350"/>
+            <a:ext cx="2895600" cy="365125"/>
           </a:xfrm>
           <a:prstGeom prst="rect">
             <a:avLst/>
@@ -2602,8 +2775,8 @@
         </p:nvSpPr>
         <p:spPr>
           <a:xfrm>
-            <a:off x="8610600" y="6356350"/>
-            <a:ext cx="2743200" cy="365125"/>
+            <a:off x="6553200" y="6356350"/>
+            <a:ext cx="2133600" cy="365125"/>
           </a:xfrm>
           <a:prstGeom prst="rect">
             <a:avLst/>
@@ -2623,7 +2796,7 @@
             </a:lvl1pPr>
           </a:lstStyle>
           <a:p>
-            <a:fld id="{0C0E9AFC-8BFC-4EC5-8806-A09D2D148F3E}" type="slidenum">
+            <a:fld id="{27568920-49F2-4680-9EBD-B17DAEB3E52B}" type="slidenum">
               <a:rPr lang="ko-KR" altLang="en-US" smtClean="0"/>
               <a:t>‹#›</a:t>
             </a:fld>
@@ -2634,7 +2807,7 @@
     </p:spTree>
     <p:extLst>
       <p:ext uri="{BB962C8B-B14F-4D97-AF65-F5344CB8AC3E}">
-        <p14:creationId xmlns:p14="http://schemas.microsoft.com/office/powerpoint/2010/main" val="2523419933"/>
+        <p14:creationId xmlns:p14="http://schemas.microsoft.com/office/powerpoint/2010/main" val="823990975"/>
       </p:ext>
     </p:extLst>
   </p:cSld>
@@ -2654,10 +2827,7 @@
   </p:sldLayoutIdLst>
   <p:txStyles>
     <p:titleStyle>
-      <a:lvl1pPr algn="l" defTabSz="914400" rtl="0" eaLnBrk="1" latinLnBrk="1" hangingPunct="1">
-        <a:lnSpc>
-          <a:spcPct val="90000"/>
-        </a:lnSpc>
+      <a:lvl1pPr algn="ctr" defTabSz="914400" rtl="0" eaLnBrk="1" latinLnBrk="1" hangingPunct="1">
         <a:spcBef>
           <a:spcPct val="0"/>
         </a:spcBef>
@@ -2673,16 +2843,13 @@
       </a:lvl1pPr>
     </p:titleStyle>
     <p:bodyStyle>
-      <a:lvl1pPr marL="228600" indent="-228600" algn="l" defTabSz="914400" rtl="0" eaLnBrk="1" latinLnBrk="1" hangingPunct="1">
-        <a:lnSpc>
-          <a:spcPct val="90000"/>
-        </a:lnSpc>
+      <a:lvl1pPr marL="342900" indent="-342900" algn="l" defTabSz="914400" rtl="0" eaLnBrk="1" latinLnBrk="1" hangingPunct="1">
         <a:spcBef>
-          <a:spcPts val="1000"/>
+          <a:spcPct val="20000"/>
         </a:spcBef>
-        <a:buFont typeface="Arial" panose="020B0604020202020204" pitchFamily="34" charset="0"/>
+        <a:buFont typeface="Arial" pitchFamily="34" charset="0"/>
         <a:buChar char="•"/>
-        <a:defRPr sz="2800" kern="1200">
+        <a:defRPr sz="3200" kern="1200">
           <a:solidFill>
             <a:schemeClr val="tx1"/>
           </a:solidFill>
@@ -2691,16 +2858,13 @@
           <a:cs typeface="+mn-cs"/>
         </a:defRPr>
       </a:lvl1pPr>
-      <a:lvl2pPr marL="685800" indent="-228600" algn="l" defTabSz="914400" rtl="0" eaLnBrk="1" latinLnBrk="1" hangingPunct="1">
-        <a:lnSpc>
-          <a:spcPct val="90000"/>
-        </a:lnSpc>
+      <a:lvl2pPr marL="742950" indent="-285750" algn="l" defTabSz="914400" rtl="0" eaLnBrk="1" latinLnBrk="1" hangingPunct="1">
         <a:spcBef>
-          <a:spcPts val="500"/>
+          <a:spcPct val="20000"/>
         </a:spcBef>
-        <a:buFont typeface="Arial" panose="020B0604020202020204" pitchFamily="34" charset="0"/>
-        <a:buChar char="•"/>
-        <a:defRPr sz="2400" kern="1200">
+        <a:buFont typeface="Arial" pitchFamily="34" charset="0"/>
+        <a:buChar char="–"/>
+        <a:defRPr sz="2800" kern="1200">
           <a:solidFill>
             <a:schemeClr val="tx1"/>
           </a:solidFill>
@@ -2710,15 +2874,12 @@
         </a:defRPr>
       </a:lvl2pPr>
       <a:lvl3pPr marL="1143000" indent="-228600" algn="l" defTabSz="914400" rtl="0" eaLnBrk="1" latinLnBrk="1" hangingPunct="1">
-        <a:lnSpc>
-          <a:spcPct val="90000"/>
-        </a:lnSpc>
         <a:spcBef>
-          <a:spcPts val="500"/>
+          <a:spcPct val="20000"/>
         </a:spcBef>
-        <a:buFont typeface="Arial" panose="020B0604020202020204" pitchFamily="34" charset="0"/>
+        <a:buFont typeface="Arial" pitchFamily="34" charset="0"/>
         <a:buChar char="•"/>
-        <a:defRPr sz="2000" kern="1200">
+        <a:defRPr sz="2400" kern="1200">
           <a:solidFill>
             <a:schemeClr val="tx1"/>
           </a:solidFill>
@@ -2728,15 +2889,12 @@
         </a:defRPr>
       </a:lvl3pPr>
       <a:lvl4pPr marL="1600200" indent="-228600" algn="l" defTabSz="914400" rtl="0" eaLnBrk="1" latinLnBrk="1" hangingPunct="1">
-        <a:lnSpc>
-          <a:spcPct val="90000"/>
-        </a:lnSpc>
         <a:spcBef>
-          <a:spcPts val="500"/>
+          <a:spcPct val="20000"/>
         </a:spcBef>
-        <a:buFont typeface="Arial" panose="020B0604020202020204" pitchFamily="34" charset="0"/>
-        <a:buChar char="•"/>
-        <a:defRPr sz="1800" kern="1200">
+        <a:buFont typeface="Arial" pitchFamily="34" charset="0"/>
+        <a:buChar char="–"/>
+        <a:defRPr sz="2000" kern="1200">
           <a:solidFill>
             <a:schemeClr val="tx1"/>
           </a:solidFill>
@@ -2746,15 +2904,12 @@
         </a:defRPr>
       </a:lvl4pPr>
       <a:lvl5pPr marL="2057400" indent="-228600" algn="l" defTabSz="914400" rtl="0" eaLnBrk="1" latinLnBrk="1" hangingPunct="1">
-        <a:lnSpc>
-          <a:spcPct val="90000"/>
-        </a:lnSpc>
         <a:spcBef>
-          <a:spcPts val="500"/>
+          <a:spcPct val="20000"/>
         </a:spcBef>
-        <a:buFont typeface="Arial" panose="020B0604020202020204" pitchFamily="34" charset="0"/>
-        <a:buChar char="•"/>
-        <a:defRPr sz="1800" kern="1200">
+        <a:buFont typeface="Arial" pitchFamily="34" charset="0"/>
+        <a:buChar char="»"/>
+        <a:defRPr sz="2000" kern="1200">
           <a:solidFill>
             <a:schemeClr val="tx1"/>
           </a:solidFill>
@@ -2764,15 +2919,12 @@
         </a:defRPr>
       </a:lvl5pPr>
       <a:lvl6pPr marL="2514600" indent="-228600" algn="l" defTabSz="914400" rtl="0" eaLnBrk="1" latinLnBrk="1" hangingPunct="1">
-        <a:lnSpc>
-          <a:spcPct val="90000"/>
-        </a:lnSpc>
         <a:spcBef>
-          <a:spcPts val="500"/>
+          <a:spcPct val="20000"/>
         </a:spcBef>
-        <a:buFont typeface="Arial" panose="020B0604020202020204" pitchFamily="34" charset="0"/>
+        <a:buFont typeface="Arial" pitchFamily="34" charset="0"/>
         <a:buChar char="•"/>
-        <a:defRPr sz="1800" kern="1200">
+        <a:defRPr sz="2000" kern="1200">
           <a:solidFill>
             <a:schemeClr val="tx1"/>
           </a:solidFill>
@@ -2782,15 +2934,12 @@
         </a:defRPr>
       </a:lvl6pPr>
       <a:lvl7pPr marL="2971800" indent="-228600" algn="l" defTabSz="914400" rtl="0" eaLnBrk="1" latinLnBrk="1" hangingPunct="1">
-        <a:lnSpc>
-          <a:spcPct val="90000"/>
-        </a:lnSpc>
         <a:spcBef>
-          <a:spcPts val="500"/>
+          <a:spcPct val="20000"/>
         </a:spcBef>
-        <a:buFont typeface="Arial" panose="020B0604020202020204" pitchFamily="34" charset="0"/>
+        <a:buFont typeface="Arial" pitchFamily="34" charset="0"/>
         <a:buChar char="•"/>
-        <a:defRPr sz="1800" kern="1200">
+        <a:defRPr sz="2000" kern="1200">
           <a:solidFill>
             <a:schemeClr val="tx1"/>
           </a:solidFill>
@@ -2800,15 +2949,12 @@
         </a:defRPr>
       </a:lvl7pPr>
       <a:lvl8pPr marL="3429000" indent="-228600" algn="l" defTabSz="914400" rtl="0" eaLnBrk="1" latinLnBrk="1" hangingPunct="1">
-        <a:lnSpc>
-          <a:spcPct val="90000"/>
-        </a:lnSpc>
         <a:spcBef>
-          <a:spcPts val="500"/>
+          <a:spcPct val="20000"/>
         </a:spcBef>
-        <a:buFont typeface="Arial" panose="020B0604020202020204" pitchFamily="34" charset="0"/>
+        <a:buFont typeface="Arial" pitchFamily="34" charset="0"/>
         <a:buChar char="•"/>
-        <a:defRPr sz="1800" kern="1200">
+        <a:defRPr sz="2000" kern="1200">
           <a:solidFill>
             <a:schemeClr val="tx1"/>
           </a:solidFill>
@@ -2818,15 +2964,12 @@
         </a:defRPr>
       </a:lvl8pPr>
       <a:lvl9pPr marL="3886200" indent="-228600" algn="l" defTabSz="914400" rtl="0" eaLnBrk="1" latinLnBrk="1" hangingPunct="1">
-        <a:lnSpc>
-          <a:spcPct val="90000"/>
-        </a:lnSpc>
         <a:spcBef>
-          <a:spcPts val="500"/>
+          <a:spcPct val="20000"/>
         </a:spcBef>
-        <a:buFont typeface="Arial" panose="020B0604020202020204" pitchFamily="34" charset="0"/>
+        <a:buFont typeface="Arial" pitchFamily="34" charset="0"/>
         <a:buChar char="•"/>
-        <a:defRPr sz="1800" kern="1200">
+        <a:defRPr sz="2000" kern="1200">
           <a:solidFill>
             <a:schemeClr val="tx1"/>
           </a:solidFill>
@@ -2954,26 +3097,25 @@
       </p:grpSpPr>
       <p:sp>
         <p:nvSpPr>
-          <p:cNvPr id="4" name="사각형: 둥근 모서리 3"/>
+          <p:cNvPr id="33" name="직사각형 32"/>
           <p:cNvSpPr/>
           <p:nvPr/>
         </p:nvSpPr>
         <p:spPr>
           <a:xfrm>
-            <a:off x="2070099" y="1443846"/>
-            <a:ext cx="1757136" cy="358334"/>
-          </a:xfrm>
-          <a:prstGeom prst="roundRect">
-            <a:avLst/>
-          </a:prstGeom>
-          <a:solidFill>
-            <a:schemeClr val="accent2">
-              <a:lumMod val="60000"/>
-              <a:lumOff val="40000"/>
-            </a:schemeClr>
+            <a:off x="1965445" y="1703949"/>
+            <a:ext cx="951140" cy="367466"/>
+          </a:xfrm>
+          <a:prstGeom prst="rect">
+            <a:avLst/>
+          </a:prstGeom>
+          <a:solidFill>
+            <a:srgbClr val="6699FF"/>
           </a:solidFill>
           <a:ln>
-            <a:noFill/>
+            <a:solidFill>
+              <a:srgbClr val="6699FF"/>
+            </a:solidFill>
           </a:ln>
         </p:spPr>
         <p:style>
@@ -2998,29 +3140,43 @@
           <a:p>
             <a:pPr algn="ctr"/>
             <a:r>
-              <a:rPr lang="ko-KR" altLang="en-US" sz="1600"/>
+              <a:rPr lang="ko-KR" altLang="en-US" sz="1000" dirty="0" smtClean="0">
+                <a:solidFill>
+                  <a:schemeClr val="tx1"/>
+                </a:solidFill>
+              </a:rPr>
               <a:t>회원</a:t>
             </a:r>
-          </a:p>
-        </p:txBody>
-      </p:sp>
-      <p:sp>
-        <p:nvSpPr>
-          <p:cNvPr id="5" name="사각형: 둥근 모서리 4"/>
+            <a:endParaRPr lang="ko-KR" altLang="en-US" sz="1000" dirty="0">
+              <a:solidFill>
+                <a:schemeClr val="tx1"/>
+              </a:solidFill>
+            </a:endParaRPr>
+          </a:p>
+        </p:txBody>
+      </p:sp>
+      <p:sp>
+        <p:nvSpPr>
+          <p:cNvPr id="34" name="타원 33"/>
           <p:cNvSpPr/>
           <p:nvPr/>
         </p:nvSpPr>
         <p:spPr>
           <a:xfrm>
-            <a:off x="6577692" y="2886820"/>
-            <a:ext cx="1757136" cy="358334"/>
-          </a:xfrm>
-          <a:prstGeom prst="roundRect">
-            <a:avLst/>
-          </a:prstGeom>
-          <a:solidFill>
-            <a:srgbClr val="00B0F0"/>
-          </a:solidFill>
+            <a:off x="262149" y="947256"/>
+            <a:ext cx="726191" cy="524947"/>
+          </a:xfrm>
+          <a:prstGeom prst="ellipse">
+            <a:avLst/>
+          </a:prstGeom>
+          <a:solidFill>
+            <a:srgbClr val="6699FF"/>
+          </a:solidFill>
+          <a:ln>
+            <a:solidFill>
+              <a:srgbClr val="6699FF"/>
+            </a:solidFill>
+          </a:ln>
         </p:spPr>
         <p:style>
           <a:lnRef idx="2">
@@ -3044,31 +3200,48 @@
           <a:p>
             <a:pPr algn="ctr"/>
             <a:r>
-              <a:rPr lang="ko-KR" altLang="en-US" sz="1600" dirty="0"/>
-              <a:t>관리자</a:t>
-            </a:r>
-          </a:p>
-        </p:txBody>
-      </p:sp>
-      <p:sp>
-        <p:nvSpPr>
-          <p:cNvPr id="6" name="사각형: 둥근 모서리 5"/>
+              <a:rPr lang="ko-KR" altLang="en-US" sz="1000" b="1" u="sng" dirty="0" smtClean="0">
+                <a:solidFill>
+                  <a:schemeClr val="tx1"/>
+                </a:solidFill>
+              </a:rPr>
+              <a:t>회원번호</a:t>
+            </a:r>
+            <a:endParaRPr lang="ko-KR" altLang="en-US" sz="1000" b="1" u="sng" dirty="0">
+              <a:solidFill>
+                <a:schemeClr val="tx1"/>
+              </a:solidFill>
+            </a:endParaRPr>
+          </a:p>
+        </p:txBody>
+      </p:sp>
+      <p:sp>
+        <p:nvSpPr>
+          <p:cNvPr id="35" name="직사각형 34"/>
           <p:cNvSpPr/>
           <p:nvPr/>
         </p:nvSpPr>
         <p:spPr>
           <a:xfrm>
-            <a:off x="2055939" y="4380595"/>
-            <a:ext cx="1757136" cy="358334"/>
-          </a:xfrm>
-          <a:prstGeom prst="roundRect">
-            <a:avLst/>
-          </a:prstGeom>
-          <a:solidFill>
-            <a:srgbClr val="7030A0"/>
+            <a:off x="1961312" y="3535192"/>
+            <a:ext cx="951140" cy="367466"/>
+          </a:xfrm>
+          <a:prstGeom prst="rect">
+            <a:avLst/>
+          </a:prstGeom>
+          <a:solidFill>
+            <a:schemeClr val="accent6">
+              <a:lumMod val="60000"/>
+              <a:lumOff val="40000"/>
+            </a:schemeClr>
           </a:solidFill>
           <a:ln>
-            <a:noFill/>
+            <a:solidFill>
+              <a:schemeClr val="accent6">
+                <a:lumMod val="60000"/>
+                <a:lumOff val="40000"/>
+              </a:schemeClr>
+            </a:solidFill>
           </a:ln>
         </p:spPr>
         <p:style>
@@ -3093,35 +3266,42 @@
           <a:p>
             <a:pPr algn="ctr"/>
             <a:r>
-              <a:rPr lang="en-US" altLang="ko-KR" sz="1600" dirty="0"/>
-              <a:t>KTX</a:t>
-            </a:r>
-            <a:r>
-              <a:rPr lang="ko-KR" altLang="en-US" sz="1600" dirty="0"/>
-              <a:t>정보</a:t>
-            </a:r>
-          </a:p>
-        </p:txBody>
-      </p:sp>
-      <p:sp>
-        <p:nvSpPr>
-          <p:cNvPr id="7" name="순서도: 판단 6"/>
+              <a:rPr lang="en-US" altLang="ko-KR" sz="1000" dirty="0" err="1" smtClean="0">
+                <a:solidFill>
+                  <a:schemeClr val="tx1"/>
+                </a:solidFill>
+              </a:rPr>
+              <a:t>QnA</a:t>
+            </a:r>
+            <a:endParaRPr lang="ko-KR" altLang="en-US" sz="1000" dirty="0">
+              <a:solidFill>
+                <a:schemeClr val="tx1"/>
+              </a:solidFill>
+            </a:endParaRPr>
+          </a:p>
+        </p:txBody>
+      </p:sp>
+      <p:sp>
+        <p:nvSpPr>
+          <p:cNvPr id="36" name="직사각형 35"/>
           <p:cNvSpPr/>
           <p:nvPr/>
         </p:nvSpPr>
         <p:spPr>
           <a:xfrm>
-            <a:off x="1808842" y="2838124"/>
-            <a:ext cx="2251331" cy="472665"/>
-          </a:xfrm>
-          <a:prstGeom prst="flowChartDecision">
-            <a:avLst/>
-          </a:prstGeom>
-          <a:solidFill>
-            <a:srgbClr val="00B050"/>
+            <a:off x="4284737" y="1704218"/>
+            <a:ext cx="951140" cy="367466"/>
+          </a:xfrm>
+          <a:prstGeom prst="rect">
+            <a:avLst/>
+          </a:prstGeom>
+          <a:solidFill>
+            <a:srgbClr val="CC66FF"/>
           </a:solidFill>
           <a:ln>
-            <a:noFill/>
+            <a:solidFill>
+              <a:srgbClr val="CC66FF"/>
+            </a:solidFill>
           </a:ln>
         </p:spPr>
         <p:style>
@@ -3146,31 +3326,50 @@
           <a:p>
             <a:pPr algn="ctr"/>
             <a:r>
-              <a:rPr lang="ko-KR" altLang="en-US" sz="1600"/>
-              <a:t>예매</a:t>
-            </a:r>
-          </a:p>
-        </p:txBody>
-      </p:sp>
-      <p:sp>
-        <p:nvSpPr>
-          <p:cNvPr id="25" name="사각형: 둥근 모서리 24"/>
+              <a:rPr lang="en-US" altLang="ko-KR" sz="1000" dirty="0" smtClean="0">
+                <a:solidFill>
+                  <a:schemeClr val="tx1"/>
+                </a:solidFill>
+              </a:rPr>
+              <a:t>KTX</a:t>
+            </a:r>
+            <a:r>
+              <a:rPr lang="ko-KR" altLang="en-US" sz="1000" dirty="0" smtClean="0">
+                <a:solidFill>
+                  <a:schemeClr val="tx1"/>
+                </a:solidFill>
+              </a:rPr>
+              <a:t>정보</a:t>
+            </a:r>
+            <a:endParaRPr lang="ko-KR" altLang="en-US" sz="1000" dirty="0">
+              <a:solidFill>
+                <a:schemeClr val="tx1"/>
+              </a:solidFill>
+            </a:endParaRPr>
+          </a:p>
+        </p:txBody>
+      </p:sp>
+      <p:sp>
+        <p:nvSpPr>
+          <p:cNvPr id="39" name="순서도: 판단 38"/>
           <p:cNvSpPr/>
           <p:nvPr/>
         </p:nvSpPr>
         <p:spPr>
           <a:xfrm>
-            <a:off x="9501808" y="2895289"/>
-            <a:ext cx="1333509" cy="358334"/>
-          </a:xfrm>
-          <a:prstGeom prst="roundRect">
-            <a:avLst/>
-          </a:prstGeom>
-          <a:solidFill>
-            <a:srgbClr val="008000"/>
+            <a:off x="3117573" y="1592345"/>
+            <a:ext cx="951140" cy="591212"/>
+          </a:xfrm>
+          <a:prstGeom prst="flowChartDecision">
+            <a:avLst/>
+          </a:prstGeom>
+          <a:solidFill>
+            <a:srgbClr val="FFCC00"/>
           </a:solidFill>
           <a:ln>
-            <a:noFill/>
+            <a:solidFill>
+              <a:srgbClr val="FFCC00"/>
+            </a:solidFill>
           </a:ln>
         </p:spPr>
         <p:style>
@@ -3195,30 +3394,38 @@
           <a:p>
             <a:pPr algn="ctr"/>
             <a:r>
-              <a:rPr lang="ko-KR" altLang="en-US" sz="1600" dirty="0">
-                <a:solidFill>
-                  <a:schemeClr val="bg1"/>
+              <a:rPr lang="ko-KR" altLang="en-US" sz="1000" dirty="0" smtClean="0">
+                <a:solidFill>
+                  <a:schemeClr val="tx1"/>
                 </a:solidFill>
               </a:rPr>
-              <a:t>공지사항</a:t>
-            </a:r>
-          </a:p>
-        </p:txBody>
-      </p:sp>
-      <p:sp>
-        <p:nvSpPr>
-          <p:cNvPr id="27" name="순서도: 판단 26"/>
+              <a:t>예매</a:t>
+            </a:r>
+            <a:endParaRPr lang="ko-KR" altLang="en-US" sz="1000" dirty="0">
+              <a:solidFill>
+                <a:schemeClr val="tx1"/>
+              </a:solidFill>
+            </a:endParaRPr>
+          </a:p>
+        </p:txBody>
+      </p:sp>
+      <p:sp>
+        <p:nvSpPr>
+          <p:cNvPr id="40" name="순서도: 판단 39"/>
           <p:cNvSpPr/>
           <p:nvPr/>
         </p:nvSpPr>
         <p:spPr>
           <a:xfrm>
-            <a:off x="4155167" y="2838124"/>
-            <a:ext cx="2251331" cy="472665"/>
+            <a:off x="3148589" y="3352836"/>
+            <a:ext cx="951140" cy="591212"/>
           </a:xfrm>
           <a:prstGeom prst="flowChartDecision">
             <a:avLst/>
           </a:prstGeom>
+          <a:ln>
+            <a:noFill/>
+          </a:ln>
         </p:spPr>
         <p:style>
           <a:lnRef idx="2">
@@ -3242,31 +3449,50 @@
           <a:p>
             <a:pPr algn="ctr"/>
             <a:r>
-              <a:rPr lang="ko-KR" altLang="en-US" sz="1600" dirty="0"/>
-              <a:t>통계</a:t>
-            </a:r>
-          </a:p>
-        </p:txBody>
-      </p:sp>
-      <p:sp>
-        <p:nvSpPr>
-          <p:cNvPr id="28" name="사각형: 둥근 모서리 27"/>
+              <a:rPr lang="ko-KR" altLang="en-US" sz="1000" dirty="0">
+                <a:solidFill>
+                  <a:schemeClr val="tx1"/>
+                </a:solidFill>
+              </a:rPr>
+              <a:t>통</a:t>
+            </a:r>
+            <a:r>
+              <a:rPr lang="ko-KR" altLang="en-US" sz="1000" dirty="0" smtClean="0">
+                <a:solidFill>
+                  <a:schemeClr val="tx1"/>
+                </a:solidFill>
+              </a:rPr>
+              <a:t>계</a:t>
+            </a:r>
+            <a:endParaRPr lang="ko-KR" altLang="en-US" sz="1000" dirty="0">
+              <a:solidFill>
+                <a:schemeClr val="tx1"/>
+              </a:solidFill>
+            </a:endParaRPr>
+          </a:p>
+        </p:txBody>
+      </p:sp>
+      <p:sp>
+        <p:nvSpPr>
+          <p:cNvPr id="43" name="직사각형 42"/>
           <p:cNvSpPr/>
           <p:nvPr/>
         </p:nvSpPr>
         <p:spPr>
           <a:xfrm>
-            <a:off x="9501808" y="4099026"/>
-            <a:ext cx="1354120" cy="358334"/>
-          </a:xfrm>
-          <a:prstGeom prst="roundRect">
-            <a:avLst/>
-          </a:prstGeom>
-          <a:solidFill>
-            <a:srgbClr val="008000"/>
+            <a:off x="4286374" y="3464709"/>
+            <a:ext cx="951140" cy="367466"/>
+          </a:xfrm>
+          <a:prstGeom prst="rect">
+            <a:avLst/>
+          </a:prstGeom>
+          <a:solidFill>
+            <a:srgbClr val="FF7C80"/>
           </a:solidFill>
           <a:ln>
-            <a:noFill/>
+            <a:solidFill>
+              <a:srgbClr val="FF7C80"/>
+            </a:solidFill>
           </a:ln>
         </p:spPr>
         <p:style>
@@ -3291,40 +3517,45 @@
           <a:p>
             <a:pPr algn="ctr"/>
             <a:r>
-              <a:rPr lang="en-US" altLang="ko-KR" sz="1600" dirty="0">
-                <a:solidFill>
-                  <a:schemeClr val="bg1"/>
+              <a:rPr lang="ko-KR" altLang="en-US" sz="1000" dirty="0" smtClean="0">
+                <a:solidFill>
+                  <a:schemeClr val="tx1"/>
                 </a:solidFill>
               </a:rPr>
-              <a:t>FAQ</a:t>
-            </a:r>
-            <a:endParaRPr lang="ko-KR" altLang="en-US" sz="1600" dirty="0">
-              <a:solidFill>
-                <a:schemeClr val="bg1"/>
-              </a:solidFill>
-            </a:endParaRPr>
-          </a:p>
-        </p:txBody>
-      </p:sp>
-      <p:sp>
-        <p:nvSpPr>
-          <p:cNvPr id="29" name="사각형: 둥근 모서리 28"/>
+              <a:t>관리</a:t>
+            </a:r>
+            <a:r>
+              <a:rPr lang="ko-KR" altLang="en-US" sz="1000" dirty="0">
+                <a:solidFill>
+                  <a:schemeClr val="tx1"/>
+                </a:solidFill>
+              </a:rPr>
+              <a:t>자</a:t>
+            </a:r>
+          </a:p>
+        </p:txBody>
+      </p:sp>
+      <p:sp>
+        <p:nvSpPr>
+          <p:cNvPr id="44" name="직사각형 43"/>
           <p:cNvSpPr/>
           <p:nvPr/>
         </p:nvSpPr>
         <p:spPr>
           <a:xfrm>
-            <a:off x="5455155" y="1448494"/>
-            <a:ext cx="1201526" cy="358334"/>
-          </a:xfrm>
-          <a:prstGeom prst="roundRect">
-            <a:avLst/>
-          </a:prstGeom>
-          <a:solidFill>
-            <a:srgbClr val="FFC000"/>
+            <a:off x="6911896" y="3452634"/>
+            <a:ext cx="951140" cy="367466"/>
+          </a:xfrm>
+          <a:prstGeom prst="rect">
+            <a:avLst/>
+          </a:prstGeom>
+          <a:solidFill>
+            <a:srgbClr val="92D050"/>
           </a:solidFill>
           <a:ln>
-            <a:noFill/>
+            <a:solidFill>
+              <a:srgbClr val="92D050"/>
+            </a:solidFill>
           </a:ln>
         </p:spPr>
         <p:style>
@@ -3349,14 +3580,77 @@
           <a:p>
             <a:pPr algn="ctr"/>
             <a:r>
-              <a:rPr lang="en-US" altLang="ko-KR" sz="1600" dirty="0" err="1">
+              <a:rPr lang="ko-KR" altLang="en-US" sz="1000" dirty="0" smtClean="0">
                 <a:solidFill>
                   <a:schemeClr val="tx1"/>
                 </a:solidFill>
               </a:rPr>
-              <a:t>QnA</a:t>
-            </a:r>
-            <a:endParaRPr lang="ko-KR" altLang="en-US" sz="1600" dirty="0">
+              <a:t>공지사</a:t>
+            </a:r>
+            <a:r>
+              <a:rPr lang="ko-KR" altLang="en-US" sz="1000" dirty="0">
+                <a:solidFill>
+                  <a:schemeClr val="tx1"/>
+                </a:solidFill>
+              </a:rPr>
+              <a:t>항</a:t>
+            </a:r>
+          </a:p>
+        </p:txBody>
+      </p:sp>
+      <p:sp>
+        <p:nvSpPr>
+          <p:cNvPr id="45" name="직사각형 44"/>
+          <p:cNvSpPr/>
+          <p:nvPr/>
+        </p:nvSpPr>
+        <p:spPr>
+          <a:xfrm>
+            <a:off x="6924972" y="4301214"/>
+            <a:ext cx="951140" cy="367466"/>
+          </a:xfrm>
+          <a:prstGeom prst="rect">
+            <a:avLst/>
+          </a:prstGeom>
+          <a:solidFill>
+            <a:srgbClr val="92D050"/>
+          </a:solidFill>
+          <a:ln>
+            <a:solidFill>
+              <a:srgbClr val="92D050"/>
+            </a:solidFill>
+          </a:ln>
+        </p:spPr>
+        <p:style>
+          <a:lnRef idx="2">
+            <a:schemeClr val="accent1">
+              <a:shade val="50000"/>
+            </a:schemeClr>
+          </a:lnRef>
+          <a:fillRef idx="1">
+            <a:schemeClr val="accent1"/>
+          </a:fillRef>
+          <a:effectRef idx="0">
+            <a:schemeClr val="accent1"/>
+          </a:effectRef>
+          <a:fontRef idx="minor">
+            <a:schemeClr val="lt1"/>
+          </a:fontRef>
+        </p:style>
+        <p:txBody>
+          <a:bodyPr rtlCol="0" anchor="ctr"/>
+          <a:lstStyle/>
+          <a:p>
+            <a:pPr algn="ctr"/>
+            <a:r>
+              <a:rPr lang="en-US" altLang="ko-KR" sz="1000" dirty="0" smtClean="0">
+                <a:solidFill>
+                  <a:schemeClr val="tx1"/>
+                </a:solidFill>
+              </a:rPr>
+              <a:t>FAQ</a:t>
+            </a:r>
+            <a:endParaRPr lang="ko-KR" altLang="en-US" sz="1000" dirty="0">
               <a:solidFill>
                 <a:schemeClr val="tx1"/>
               </a:solidFill>
@@ -3364,26 +3658,579 @@
           </a:p>
         </p:txBody>
       </p:sp>
+      <p:sp>
+        <p:nvSpPr>
+          <p:cNvPr id="47" name="타원 46"/>
+          <p:cNvSpPr/>
+          <p:nvPr/>
+        </p:nvSpPr>
+        <p:spPr>
+          <a:xfrm>
+            <a:off x="996996" y="947256"/>
+            <a:ext cx="726191" cy="524947"/>
+          </a:xfrm>
+          <a:prstGeom prst="ellipse">
+            <a:avLst/>
+          </a:prstGeom>
+          <a:solidFill>
+            <a:srgbClr val="6699FF"/>
+          </a:solidFill>
+          <a:ln>
+            <a:solidFill>
+              <a:srgbClr val="6699FF"/>
+            </a:solidFill>
+          </a:ln>
+        </p:spPr>
+        <p:style>
+          <a:lnRef idx="2">
+            <a:schemeClr val="accent1">
+              <a:shade val="50000"/>
+            </a:schemeClr>
+          </a:lnRef>
+          <a:fillRef idx="1">
+            <a:schemeClr val="accent1"/>
+          </a:fillRef>
+          <a:effectRef idx="0">
+            <a:schemeClr val="accent1"/>
+          </a:effectRef>
+          <a:fontRef idx="minor">
+            <a:schemeClr val="lt1"/>
+          </a:fontRef>
+        </p:style>
+        <p:txBody>
+          <a:bodyPr rtlCol="0" anchor="ctr"/>
+          <a:lstStyle/>
+          <a:p>
+            <a:pPr algn="ctr"/>
+            <a:r>
+              <a:rPr lang="ko-KR" altLang="en-US" sz="1000" dirty="0" smtClean="0">
+                <a:solidFill>
+                  <a:schemeClr val="tx1"/>
+                </a:solidFill>
+              </a:rPr>
+              <a:t>이</a:t>
+            </a:r>
+            <a:r>
+              <a:rPr lang="ko-KR" altLang="en-US" sz="1000" dirty="0">
+                <a:solidFill>
+                  <a:schemeClr val="tx1"/>
+                </a:solidFill>
+              </a:rPr>
+              <a:t>름</a:t>
+            </a:r>
+          </a:p>
+        </p:txBody>
+      </p:sp>
+      <p:sp>
+        <p:nvSpPr>
+          <p:cNvPr id="48" name="타원 47"/>
+          <p:cNvSpPr/>
+          <p:nvPr/>
+        </p:nvSpPr>
+        <p:spPr>
+          <a:xfrm>
+            <a:off x="265609" y="1508419"/>
+            <a:ext cx="726191" cy="524947"/>
+          </a:xfrm>
+          <a:prstGeom prst="ellipse">
+            <a:avLst/>
+          </a:prstGeom>
+          <a:solidFill>
+            <a:srgbClr val="6699FF"/>
+          </a:solidFill>
+          <a:ln>
+            <a:solidFill>
+              <a:srgbClr val="6699FF"/>
+            </a:solidFill>
+          </a:ln>
+        </p:spPr>
+        <p:style>
+          <a:lnRef idx="2">
+            <a:schemeClr val="accent1">
+              <a:shade val="50000"/>
+            </a:schemeClr>
+          </a:lnRef>
+          <a:fillRef idx="1">
+            <a:schemeClr val="accent1"/>
+          </a:fillRef>
+          <a:effectRef idx="0">
+            <a:schemeClr val="accent1"/>
+          </a:effectRef>
+          <a:fontRef idx="minor">
+            <a:schemeClr val="lt1"/>
+          </a:fontRef>
+        </p:style>
+        <p:txBody>
+          <a:bodyPr rtlCol="0" anchor="ctr"/>
+          <a:lstStyle/>
+          <a:p>
+            <a:pPr algn="ctr"/>
+            <a:r>
+              <a:rPr lang="ko-KR" altLang="en-US" sz="1000" dirty="0" smtClean="0">
+                <a:solidFill>
+                  <a:schemeClr val="tx1"/>
+                </a:solidFill>
+              </a:rPr>
+              <a:t>아이디</a:t>
+            </a:r>
+            <a:endParaRPr lang="ko-KR" altLang="en-US" sz="1000" dirty="0">
+              <a:solidFill>
+                <a:schemeClr val="tx1"/>
+              </a:solidFill>
+            </a:endParaRPr>
+          </a:p>
+        </p:txBody>
+      </p:sp>
+      <p:sp>
+        <p:nvSpPr>
+          <p:cNvPr id="49" name="타원 48"/>
+          <p:cNvSpPr/>
+          <p:nvPr/>
+        </p:nvSpPr>
+        <p:spPr>
+          <a:xfrm>
+            <a:off x="1001129" y="1508418"/>
+            <a:ext cx="726191" cy="524947"/>
+          </a:xfrm>
+          <a:prstGeom prst="ellipse">
+            <a:avLst/>
+          </a:prstGeom>
+          <a:solidFill>
+            <a:srgbClr val="6699FF"/>
+          </a:solidFill>
+          <a:ln>
+            <a:solidFill>
+              <a:srgbClr val="6699FF"/>
+            </a:solidFill>
+          </a:ln>
+        </p:spPr>
+        <p:style>
+          <a:lnRef idx="2">
+            <a:schemeClr val="accent1">
+              <a:shade val="50000"/>
+            </a:schemeClr>
+          </a:lnRef>
+          <a:fillRef idx="1">
+            <a:schemeClr val="accent1"/>
+          </a:fillRef>
+          <a:effectRef idx="0">
+            <a:schemeClr val="accent1"/>
+          </a:effectRef>
+          <a:fontRef idx="minor">
+            <a:schemeClr val="lt1"/>
+          </a:fontRef>
+        </p:style>
+        <p:txBody>
+          <a:bodyPr rtlCol="0" anchor="ctr"/>
+          <a:lstStyle/>
+          <a:p>
+            <a:pPr algn="ctr"/>
+            <a:r>
+              <a:rPr lang="ko-KR" altLang="en-US" sz="1000" dirty="0" smtClean="0">
+                <a:solidFill>
+                  <a:schemeClr val="tx1"/>
+                </a:solidFill>
+              </a:rPr>
+              <a:t>주소</a:t>
+            </a:r>
+            <a:endParaRPr lang="ko-KR" altLang="en-US" sz="1000" dirty="0">
+              <a:solidFill>
+                <a:schemeClr val="tx1"/>
+              </a:solidFill>
+            </a:endParaRPr>
+          </a:p>
+        </p:txBody>
+      </p:sp>
+      <p:sp>
+        <p:nvSpPr>
+          <p:cNvPr id="50" name="타원 49"/>
+          <p:cNvSpPr/>
+          <p:nvPr/>
+        </p:nvSpPr>
+        <p:spPr>
+          <a:xfrm>
+            <a:off x="221983" y="2074027"/>
+            <a:ext cx="726191" cy="524947"/>
+          </a:xfrm>
+          <a:prstGeom prst="ellipse">
+            <a:avLst/>
+          </a:prstGeom>
+          <a:solidFill>
+            <a:srgbClr val="6699FF"/>
+          </a:solidFill>
+          <a:ln>
+            <a:solidFill>
+              <a:srgbClr val="6699FF"/>
+            </a:solidFill>
+          </a:ln>
+        </p:spPr>
+        <p:style>
+          <a:lnRef idx="2">
+            <a:schemeClr val="accent1">
+              <a:shade val="50000"/>
+            </a:schemeClr>
+          </a:lnRef>
+          <a:fillRef idx="1">
+            <a:schemeClr val="accent1"/>
+          </a:fillRef>
+          <a:effectRef idx="0">
+            <a:schemeClr val="accent1"/>
+          </a:effectRef>
+          <a:fontRef idx="minor">
+            <a:schemeClr val="lt1"/>
+          </a:fontRef>
+        </p:style>
+        <p:txBody>
+          <a:bodyPr rtlCol="0" anchor="ctr"/>
+          <a:lstStyle/>
+          <a:p>
+            <a:pPr algn="ctr"/>
+            <a:r>
+              <a:rPr lang="ko-KR" altLang="en-US" sz="1000" dirty="0" smtClean="0">
+                <a:solidFill>
+                  <a:schemeClr val="tx1"/>
+                </a:solidFill>
+              </a:rPr>
+              <a:t>비밀번호</a:t>
+            </a:r>
+            <a:endParaRPr lang="ko-KR" altLang="en-US" sz="1000" dirty="0">
+              <a:solidFill>
+                <a:schemeClr val="tx1"/>
+              </a:solidFill>
+            </a:endParaRPr>
+          </a:p>
+        </p:txBody>
+      </p:sp>
+      <p:sp>
+        <p:nvSpPr>
+          <p:cNvPr id="52" name="타원 51"/>
+          <p:cNvSpPr/>
+          <p:nvPr/>
+        </p:nvSpPr>
+        <p:spPr>
+          <a:xfrm>
+            <a:off x="979172" y="2083657"/>
+            <a:ext cx="726191" cy="524947"/>
+          </a:xfrm>
+          <a:prstGeom prst="ellipse">
+            <a:avLst/>
+          </a:prstGeom>
+          <a:solidFill>
+            <a:srgbClr val="6699FF"/>
+          </a:solidFill>
+          <a:ln>
+            <a:solidFill>
+              <a:srgbClr val="6699FF"/>
+            </a:solidFill>
+          </a:ln>
+        </p:spPr>
+        <p:style>
+          <a:lnRef idx="2">
+            <a:schemeClr val="accent1">
+              <a:shade val="50000"/>
+            </a:schemeClr>
+          </a:lnRef>
+          <a:fillRef idx="1">
+            <a:schemeClr val="accent1"/>
+          </a:fillRef>
+          <a:effectRef idx="0">
+            <a:schemeClr val="accent1"/>
+          </a:effectRef>
+          <a:fontRef idx="minor">
+            <a:schemeClr val="lt1"/>
+          </a:fontRef>
+        </p:style>
+        <p:txBody>
+          <a:bodyPr rtlCol="0" anchor="ctr"/>
+          <a:lstStyle/>
+          <a:p>
+            <a:pPr algn="ctr"/>
+            <a:r>
+              <a:rPr lang="ko-KR" altLang="en-US" sz="1000" smtClean="0">
+                <a:solidFill>
+                  <a:schemeClr val="tx1"/>
+                </a:solidFill>
+              </a:rPr>
+              <a:t>핸드폰번호</a:t>
+            </a:r>
+            <a:endParaRPr lang="ko-KR" altLang="en-US" sz="1000" dirty="0">
+              <a:solidFill>
+                <a:schemeClr val="tx1"/>
+              </a:solidFill>
+            </a:endParaRPr>
+          </a:p>
+        </p:txBody>
+      </p:sp>
+      <p:sp>
+        <p:nvSpPr>
+          <p:cNvPr id="53" name="타원 52"/>
+          <p:cNvSpPr/>
+          <p:nvPr/>
+        </p:nvSpPr>
+        <p:spPr>
+          <a:xfrm>
+            <a:off x="967330" y="2626175"/>
+            <a:ext cx="726191" cy="524947"/>
+          </a:xfrm>
+          <a:prstGeom prst="ellipse">
+            <a:avLst/>
+          </a:prstGeom>
+          <a:solidFill>
+            <a:srgbClr val="6699FF"/>
+          </a:solidFill>
+          <a:ln>
+            <a:solidFill>
+              <a:srgbClr val="6699FF"/>
+            </a:solidFill>
+          </a:ln>
+        </p:spPr>
+        <p:style>
+          <a:lnRef idx="2">
+            <a:schemeClr val="accent1">
+              <a:shade val="50000"/>
+            </a:schemeClr>
+          </a:lnRef>
+          <a:fillRef idx="1">
+            <a:schemeClr val="accent1"/>
+          </a:fillRef>
+          <a:effectRef idx="0">
+            <a:schemeClr val="accent1"/>
+          </a:effectRef>
+          <a:fontRef idx="minor">
+            <a:schemeClr val="lt1"/>
+          </a:fontRef>
+        </p:style>
+        <p:txBody>
+          <a:bodyPr rtlCol="0" anchor="ctr"/>
+          <a:lstStyle/>
+          <a:p>
+            <a:pPr algn="ctr"/>
+            <a:r>
+              <a:rPr lang="ko-KR" altLang="en-US" sz="1000" dirty="0" smtClean="0">
+                <a:solidFill>
+                  <a:schemeClr val="tx1"/>
+                </a:solidFill>
+              </a:rPr>
+              <a:t>생년월일</a:t>
+            </a:r>
+            <a:endParaRPr lang="ko-KR" altLang="en-US" sz="1000" dirty="0">
+              <a:solidFill>
+                <a:schemeClr val="tx1"/>
+              </a:solidFill>
+            </a:endParaRPr>
+          </a:p>
+        </p:txBody>
+      </p:sp>
+      <p:sp>
+        <p:nvSpPr>
+          <p:cNvPr id="54" name="타원 53"/>
+          <p:cNvSpPr/>
+          <p:nvPr/>
+        </p:nvSpPr>
+        <p:spPr>
+          <a:xfrm>
+            <a:off x="230188" y="2687172"/>
+            <a:ext cx="726191" cy="524947"/>
+          </a:xfrm>
+          <a:prstGeom prst="ellipse">
+            <a:avLst/>
+          </a:prstGeom>
+          <a:solidFill>
+            <a:srgbClr val="6699FF"/>
+          </a:solidFill>
+          <a:ln>
+            <a:solidFill>
+              <a:srgbClr val="6699FF"/>
+            </a:solidFill>
+          </a:ln>
+        </p:spPr>
+        <p:style>
+          <a:lnRef idx="2">
+            <a:schemeClr val="accent1">
+              <a:shade val="50000"/>
+            </a:schemeClr>
+          </a:lnRef>
+          <a:fillRef idx="1">
+            <a:schemeClr val="accent1"/>
+          </a:fillRef>
+          <a:effectRef idx="0">
+            <a:schemeClr val="accent1"/>
+          </a:effectRef>
+          <a:fontRef idx="minor">
+            <a:schemeClr val="lt1"/>
+          </a:fontRef>
+        </p:style>
+        <p:txBody>
+          <a:bodyPr rtlCol="0" anchor="ctr"/>
+          <a:lstStyle/>
+          <a:p>
+            <a:pPr algn="ctr"/>
+            <a:r>
+              <a:rPr lang="ko-KR" altLang="en-US" sz="1000" dirty="0" smtClean="0">
+                <a:solidFill>
+                  <a:schemeClr val="tx1"/>
+                </a:solidFill>
+              </a:rPr>
+              <a:t>성별</a:t>
+            </a:r>
+            <a:endParaRPr lang="ko-KR" altLang="en-US" sz="1000" dirty="0">
+              <a:solidFill>
+                <a:schemeClr val="tx1"/>
+              </a:solidFill>
+            </a:endParaRPr>
+          </a:p>
+        </p:txBody>
+      </p:sp>
+      <p:sp>
+        <p:nvSpPr>
+          <p:cNvPr id="55" name="타원 54"/>
+          <p:cNvSpPr/>
+          <p:nvPr/>
+        </p:nvSpPr>
+        <p:spPr>
+          <a:xfrm>
+            <a:off x="1001129" y="3211050"/>
+            <a:ext cx="726191" cy="524947"/>
+          </a:xfrm>
+          <a:prstGeom prst="ellipse">
+            <a:avLst/>
+          </a:prstGeom>
+          <a:solidFill>
+            <a:srgbClr val="6699FF"/>
+          </a:solidFill>
+          <a:ln>
+            <a:solidFill>
+              <a:srgbClr val="6699FF"/>
+            </a:solidFill>
+          </a:ln>
+        </p:spPr>
+        <p:style>
+          <a:lnRef idx="2">
+            <a:schemeClr val="accent1">
+              <a:shade val="50000"/>
+            </a:schemeClr>
+          </a:lnRef>
+          <a:fillRef idx="1">
+            <a:schemeClr val="accent1"/>
+          </a:fillRef>
+          <a:effectRef idx="0">
+            <a:schemeClr val="accent1"/>
+          </a:effectRef>
+          <a:fontRef idx="minor">
+            <a:schemeClr val="lt1"/>
+          </a:fontRef>
+        </p:style>
+        <p:txBody>
+          <a:bodyPr rtlCol="0" anchor="ctr"/>
+          <a:lstStyle/>
+          <a:p>
+            <a:pPr algn="ctr"/>
+            <a:r>
+              <a:rPr lang="ko-KR" altLang="en-US" sz="1000" dirty="0" err="1" smtClean="0">
+                <a:solidFill>
+                  <a:schemeClr val="tx1"/>
+                </a:solidFill>
+              </a:rPr>
+              <a:t>이메</a:t>
+            </a:r>
+            <a:r>
+              <a:rPr lang="ko-KR" altLang="en-US" sz="1000" dirty="0" err="1">
+                <a:solidFill>
+                  <a:schemeClr val="tx1"/>
+                </a:solidFill>
+              </a:rPr>
+              <a:t>일</a:t>
+            </a:r>
+            <a:endParaRPr lang="ko-KR" altLang="en-US" sz="1000" dirty="0">
+              <a:solidFill>
+                <a:schemeClr val="tx1"/>
+              </a:solidFill>
+            </a:endParaRPr>
+          </a:p>
+        </p:txBody>
+      </p:sp>
+      <p:sp>
+        <p:nvSpPr>
+          <p:cNvPr id="56" name="타원 55"/>
+          <p:cNvSpPr/>
+          <p:nvPr/>
+        </p:nvSpPr>
+        <p:spPr>
+          <a:xfrm>
+            <a:off x="252145" y="3231952"/>
+            <a:ext cx="726191" cy="524947"/>
+          </a:xfrm>
+          <a:prstGeom prst="ellipse">
+            <a:avLst/>
+          </a:prstGeom>
+          <a:solidFill>
+            <a:srgbClr val="6699FF"/>
+          </a:solidFill>
+          <a:ln>
+            <a:solidFill>
+              <a:srgbClr val="6699FF"/>
+            </a:solidFill>
+          </a:ln>
+        </p:spPr>
+        <p:style>
+          <a:lnRef idx="2">
+            <a:schemeClr val="accent1">
+              <a:shade val="50000"/>
+            </a:schemeClr>
+          </a:lnRef>
+          <a:fillRef idx="1">
+            <a:schemeClr val="accent1"/>
+          </a:fillRef>
+          <a:effectRef idx="0">
+            <a:schemeClr val="accent1"/>
+          </a:effectRef>
+          <a:fontRef idx="minor">
+            <a:schemeClr val="lt1"/>
+          </a:fontRef>
+        </p:style>
+        <p:txBody>
+          <a:bodyPr rtlCol="0" anchor="ctr"/>
+          <a:lstStyle/>
+          <a:p>
+            <a:pPr algn="ctr"/>
+            <a:r>
+              <a:rPr lang="ko-KR" altLang="en-US" sz="1000" dirty="0" smtClean="0">
+                <a:solidFill>
+                  <a:schemeClr val="tx1"/>
+                </a:solidFill>
+              </a:rPr>
+              <a:t>비고</a:t>
+            </a:r>
+            <a:endParaRPr lang="ko-KR" altLang="en-US" sz="1000" dirty="0">
+              <a:solidFill>
+                <a:schemeClr val="tx1"/>
+              </a:solidFill>
+            </a:endParaRPr>
+          </a:p>
+        </p:txBody>
+      </p:sp>
       <p:cxnSp>
         <p:nvCxnSpPr>
-          <p:cNvPr id="32" name="직선 연결선 31"/>
+          <p:cNvPr id="58" name="직선 연결선 57"/>
           <p:cNvCxnSpPr>
-            <a:stCxn id="4" idx="2"/>
-            <a:endCxn id="7" idx="0"/>
+            <a:stCxn id="33" idx="3"/>
+            <a:endCxn id="39" idx="1"/>
           </p:cNvCxnSpPr>
           <p:nvPr/>
         </p:nvCxnSpPr>
         <p:spPr>
-          <a:xfrm flipH="1">
-            <a:off x="2934508" y="1802180"/>
-            <a:ext cx="14159" cy="1035944"/>
+          <a:xfrm>
+            <a:off x="2916585" y="1887682"/>
+            <a:ext cx="200988" cy="269"/>
           </a:xfrm>
           <a:prstGeom prst="line">
             <a:avLst/>
           </a:prstGeom>
-          <a:ln w="57150">
+          <a:ln>
             <a:solidFill>
-              <a:schemeClr val="accent2"/>
+              <a:schemeClr val="bg1">
+                <a:lumMod val="50000"/>
+              </a:schemeClr>
             </a:solidFill>
           </a:ln>
         </p:spPr>
@@ -3404,24 +4251,26 @@
       </p:cxnSp>
       <p:cxnSp>
         <p:nvCxnSpPr>
-          <p:cNvPr id="34" name="직선 연결선 33"/>
+          <p:cNvPr id="60" name="직선 연결선 59"/>
           <p:cNvCxnSpPr>
-            <a:stCxn id="7" idx="2"/>
-            <a:endCxn id="6" idx="0"/>
+            <a:stCxn id="39" idx="3"/>
+            <a:endCxn id="36" idx="1"/>
           </p:cNvCxnSpPr>
           <p:nvPr/>
         </p:nvCxnSpPr>
         <p:spPr>
-          <a:xfrm flipH="1">
-            <a:off x="2934507" y="3310789"/>
-            <a:ext cx="1" cy="1069806"/>
+          <a:xfrm>
+            <a:off x="4068713" y="1887951"/>
+            <a:ext cx="216024" cy="0"/>
           </a:xfrm>
           <a:prstGeom prst="line">
             <a:avLst/>
           </a:prstGeom>
-          <a:ln w="57150">
+          <a:ln>
             <a:solidFill>
-              <a:schemeClr val="accent2"/>
+              <a:schemeClr val="bg1">
+                <a:lumMod val="50000"/>
+              </a:schemeClr>
             </a:solidFill>
           </a:ln>
         </p:spPr>
@@ -3442,25 +4291,26 @@
       </p:cxnSp>
       <p:cxnSp>
         <p:nvCxnSpPr>
-          <p:cNvPr id="36" name="직선 연결선 35"/>
+          <p:cNvPr id="64" name="직선 연결선 63"/>
           <p:cNvCxnSpPr>
-            <a:cxnSpLocks/>
-            <a:stCxn id="7" idx="3"/>
-            <a:endCxn id="27" idx="1"/>
+            <a:stCxn id="39" idx="2"/>
+            <a:endCxn id="40" idx="0"/>
           </p:cNvCxnSpPr>
           <p:nvPr/>
         </p:nvCxnSpPr>
         <p:spPr>
           <a:xfrm>
-            <a:off x="4060173" y="3074457"/>
-            <a:ext cx="94994" cy="0"/>
+            <a:off x="3593143" y="2183557"/>
+            <a:ext cx="31016" cy="1169279"/>
           </a:xfrm>
           <a:prstGeom prst="line">
             <a:avLst/>
           </a:prstGeom>
-          <a:ln w="57150">
+          <a:ln>
             <a:solidFill>
-              <a:schemeClr val="accent2"/>
+              <a:schemeClr val="bg1">
+                <a:lumMod val="50000"/>
+              </a:schemeClr>
             </a:solidFill>
           </a:ln>
         </p:spPr>
@@ -3481,25 +4331,26 @@
       </p:cxnSp>
       <p:cxnSp>
         <p:nvCxnSpPr>
-          <p:cNvPr id="38" name="직선 연결선 37"/>
+          <p:cNvPr id="66" name="직선 연결선 65"/>
           <p:cNvCxnSpPr>
-            <a:cxnSpLocks/>
-            <a:stCxn id="27" idx="3"/>
-            <a:endCxn id="5" idx="1"/>
+            <a:stCxn id="40" idx="3"/>
+            <a:endCxn id="43" idx="1"/>
           </p:cNvCxnSpPr>
           <p:nvPr/>
         </p:nvCxnSpPr>
         <p:spPr>
-          <a:xfrm flipV="1">
-            <a:off x="6406498" y="3065987"/>
-            <a:ext cx="171194" cy="8470"/>
+          <a:xfrm>
+            <a:off x="4099729" y="3648442"/>
+            <a:ext cx="186645" cy="0"/>
           </a:xfrm>
           <a:prstGeom prst="line">
             <a:avLst/>
           </a:prstGeom>
-          <a:ln w="57150">
+          <a:ln>
             <a:solidFill>
-              <a:schemeClr val="accent2"/>
+              <a:schemeClr val="bg1">
+                <a:lumMod val="50000"/>
+              </a:schemeClr>
             </a:solidFill>
           </a:ln>
         </p:spPr>
@@ -3520,26 +4371,25 @@
       </p:cxnSp>
       <p:sp>
         <p:nvSpPr>
-          <p:cNvPr id="61" name="타원 60"/>
+          <p:cNvPr id="80" name="타원 79"/>
           <p:cNvSpPr/>
           <p:nvPr/>
         </p:nvSpPr>
         <p:spPr>
           <a:xfrm>
-            <a:off x="0" y="0"/>
-            <a:ext cx="944640" cy="432843"/>
+            <a:off x="3117190" y="80091"/>
+            <a:ext cx="726191" cy="524947"/>
           </a:xfrm>
           <a:prstGeom prst="ellipse">
             <a:avLst/>
           </a:prstGeom>
           <a:solidFill>
-            <a:schemeClr val="accent2">
-              <a:lumMod val="60000"/>
-              <a:lumOff val="40000"/>
-            </a:schemeClr>
+            <a:srgbClr val="FFCC00"/>
           </a:solidFill>
           <a:ln>
-            <a:noFill/>
+            <a:solidFill>
+              <a:srgbClr val="FFCC00"/>
+            </a:solidFill>
           </a:ln>
         </p:spPr>
         <p:style>
@@ -3564,34 +4414,42 @@
           <a:p>
             <a:pPr algn="ctr"/>
             <a:r>
-              <a:rPr lang="ko-KR" altLang="en-US" sz="1400" dirty="0"/>
-              <a:t>회원번호</a:t>
-            </a:r>
-          </a:p>
-        </p:txBody>
-      </p:sp>
-      <p:sp>
-        <p:nvSpPr>
-          <p:cNvPr id="62" name="타원 61"/>
+              <a:rPr lang="ko-KR" altLang="en-US" sz="1000" dirty="0" smtClean="0">
+                <a:solidFill>
+                  <a:schemeClr val="tx1"/>
+                </a:solidFill>
+              </a:rPr>
+              <a:t>승차일자</a:t>
+            </a:r>
+            <a:endParaRPr lang="ko-KR" altLang="en-US" sz="1000" dirty="0">
+              <a:solidFill>
+                <a:schemeClr val="tx1"/>
+              </a:solidFill>
+            </a:endParaRPr>
+          </a:p>
+        </p:txBody>
+      </p:sp>
+      <p:sp>
+        <p:nvSpPr>
+          <p:cNvPr id="81" name="타원 80"/>
           <p:cNvSpPr/>
           <p:nvPr/>
         </p:nvSpPr>
         <p:spPr>
           <a:xfrm>
-            <a:off x="954424" y="-17782"/>
-            <a:ext cx="944640" cy="432843"/>
+            <a:off x="3896485" y="80091"/>
+            <a:ext cx="726191" cy="524947"/>
           </a:xfrm>
           <a:prstGeom prst="ellipse">
             <a:avLst/>
           </a:prstGeom>
           <a:solidFill>
-            <a:schemeClr val="accent2">
-              <a:lumMod val="60000"/>
-              <a:lumOff val="40000"/>
-            </a:schemeClr>
+            <a:srgbClr val="FFCC00"/>
           </a:solidFill>
           <a:ln>
-            <a:noFill/>
+            <a:solidFill>
+              <a:srgbClr val="FFCC00"/>
+            </a:solidFill>
           </a:ln>
         </p:spPr>
         <p:style>
@@ -3616,34 +4474,42 @@
           <a:p>
             <a:pPr algn="ctr"/>
             <a:r>
-              <a:rPr lang="ko-KR" altLang="en-US" sz="1400" dirty="0"/>
-              <a:t>이름</a:t>
-            </a:r>
-          </a:p>
-        </p:txBody>
-      </p:sp>
-      <p:sp>
-        <p:nvSpPr>
-          <p:cNvPr id="63" name="타원 62"/>
+              <a:rPr lang="ko-KR" altLang="en-US" sz="1000" dirty="0" smtClean="0">
+                <a:solidFill>
+                  <a:schemeClr val="tx1"/>
+                </a:solidFill>
+              </a:rPr>
+              <a:t>열차번호</a:t>
+            </a:r>
+            <a:endParaRPr lang="ko-KR" altLang="en-US" sz="1000" dirty="0">
+              <a:solidFill>
+                <a:schemeClr val="tx1"/>
+              </a:solidFill>
+            </a:endParaRPr>
+          </a:p>
+        </p:txBody>
+      </p:sp>
+      <p:sp>
+        <p:nvSpPr>
+          <p:cNvPr id="83" name="타원 82"/>
           <p:cNvSpPr/>
           <p:nvPr/>
         </p:nvSpPr>
         <p:spPr>
           <a:xfrm>
-            <a:off x="1921548" y="0"/>
-            <a:ext cx="1110227" cy="432843"/>
+            <a:off x="4706441" y="80089"/>
+            <a:ext cx="726191" cy="524947"/>
           </a:xfrm>
           <a:prstGeom prst="ellipse">
             <a:avLst/>
           </a:prstGeom>
           <a:solidFill>
-            <a:schemeClr val="accent2">
-              <a:lumMod val="60000"/>
-              <a:lumOff val="40000"/>
-            </a:schemeClr>
+            <a:srgbClr val="FFCC00"/>
           </a:solidFill>
           <a:ln>
-            <a:noFill/>
+            <a:solidFill>
+              <a:srgbClr val="FFCC00"/>
+            </a:solidFill>
           </a:ln>
         </p:spPr>
         <p:style>
@@ -3668,35 +4534,42 @@
           <a:p>
             <a:pPr algn="ctr"/>
             <a:r>
-              <a:rPr lang="ko-KR" altLang="en-US" sz="1400"/>
-              <a:t>아이디</a:t>
-            </a:r>
-            <a:endParaRPr lang="ko-KR" altLang="en-US" sz="1400" dirty="0"/>
-          </a:p>
-        </p:txBody>
-      </p:sp>
-      <p:sp>
-        <p:nvSpPr>
-          <p:cNvPr id="64" name="타원 63"/>
+              <a:rPr lang="ko-KR" altLang="en-US" sz="1000" dirty="0" smtClean="0">
+                <a:solidFill>
+                  <a:schemeClr val="tx1"/>
+                </a:solidFill>
+              </a:rPr>
+              <a:t>출발시각</a:t>
+            </a:r>
+            <a:endParaRPr lang="ko-KR" altLang="en-US" sz="1000" dirty="0">
+              <a:solidFill>
+                <a:schemeClr val="tx1"/>
+              </a:solidFill>
+            </a:endParaRPr>
+          </a:p>
+        </p:txBody>
+      </p:sp>
+      <p:sp>
+        <p:nvSpPr>
+          <p:cNvPr id="84" name="타원 83"/>
           <p:cNvSpPr/>
           <p:nvPr/>
         </p:nvSpPr>
         <p:spPr>
           <a:xfrm>
-            <a:off x="0" y="434032"/>
-            <a:ext cx="944640" cy="432843"/>
+            <a:off x="2349010" y="670948"/>
+            <a:ext cx="726191" cy="524947"/>
           </a:xfrm>
           <a:prstGeom prst="ellipse">
             <a:avLst/>
           </a:prstGeom>
           <a:solidFill>
-            <a:schemeClr val="accent2">
-              <a:lumMod val="60000"/>
-              <a:lumOff val="40000"/>
-            </a:schemeClr>
+            <a:srgbClr val="FFCC00"/>
           </a:solidFill>
           <a:ln>
-            <a:noFill/>
+            <a:solidFill>
+              <a:srgbClr val="FFCC00"/>
+            </a:solidFill>
           </a:ln>
         </p:spPr>
         <p:style>
@@ -3721,35 +4594,42 @@
           <a:p>
             <a:pPr algn="ctr"/>
             <a:r>
-              <a:rPr lang="ko-KR" altLang="en-US" sz="1400"/>
-              <a:t>비밀번호</a:t>
-            </a:r>
-            <a:endParaRPr lang="ko-KR" altLang="en-US" sz="1400" dirty="0"/>
-          </a:p>
-        </p:txBody>
-      </p:sp>
-      <p:sp>
-        <p:nvSpPr>
-          <p:cNvPr id="65" name="타원 64"/>
+              <a:rPr lang="ko-KR" altLang="en-US" sz="1000" dirty="0" smtClean="0">
+                <a:solidFill>
+                  <a:schemeClr val="tx1"/>
+                </a:solidFill>
+              </a:rPr>
+              <a:t>열차종별</a:t>
+            </a:r>
+            <a:endParaRPr lang="ko-KR" altLang="en-US" sz="1000" dirty="0">
+              <a:solidFill>
+                <a:schemeClr val="tx1"/>
+              </a:solidFill>
+            </a:endParaRPr>
+          </a:p>
+        </p:txBody>
+      </p:sp>
+      <p:sp>
+        <p:nvSpPr>
+          <p:cNvPr id="85" name="타원 84"/>
           <p:cNvSpPr/>
           <p:nvPr/>
         </p:nvSpPr>
         <p:spPr>
           <a:xfrm>
-            <a:off x="4018170" y="0"/>
-            <a:ext cx="1060678" cy="432843"/>
+            <a:off x="3147686" y="670948"/>
+            <a:ext cx="726191" cy="524947"/>
           </a:xfrm>
           <a:prstGeom prst="ellipse">
             <a:avLst/>
           </a:prstGeom>
           <a:solidFill>
-            <a:schemeClr val="accent2">
-              <a:lumMod val="60000"/>
-              <a:lumOff val="40000"/>
-            </a:schemeClr>
+            <a:srgbClr val="FFCC00"/>
           </a:solidFill>
           <a:ln>
-            <a:noFill/>
+            <a:solidFill>
+              <a:srgbClr val="FFCC00"/>
+            </a:solidFill>
           </a:ln>
         </p:spPr>
         <p:style>
@@ -3774,35 +4654,42 @@
           <a:p>
             <a:pPr algn="ctr"/>
             <a:r>
-              <a:rPr lang="ko-KR" altLang="en-US" sz="1400"/>
-              <a:t>이메일</a:t>
-            </a:r>
-            <a:endParaRPr lang="ko-KR" altLang="en-US" sz="1400" dirty="0"/>
-          </a:p>
-        </p:txBody>
-      </p:sp>
-      <p:sp>
-        <p:nvSpPr>
-          <p:cNvPr id="66" name="타원 65"/>
+              <a:rPr lang="ko-KR" altLang="en-US" sz="1000" dirty="0" err="1" smtClean="0">
+                <a:solidFill>
+                  <a:schemeClr val="tx1"/>
+                </a:solidFill>
+              </a:rPr>
+              <a:t>출발역</a:t>
+            </a:r>
+            <a:endParaRPr lang="ko-KR" altLang="en-US" sz="1000" dirty="0">
+              <a:solidFill>
+                <a:schemeClr val="tx1"/>
+              </a:solidFill>
+            </a:endParaRPr>
+          </a:p>
+        </p:txBody>
+      </p:sp>
+      <p:sp>
+        <p:nvSpPr>
+          <p:cNvPr id="86" name="타원 85"/>
           <p:cNvSpPr/>
           <p:nvPr/>
         </p:nvSpPr>
         <p:spPr>
           <a:xfrm>
-            <a:off x="1921549" y="448872"/>
-            <a:ext cx="1110226" cy="432843"/>
+            <a:off x="3921640" y="632401"/>
+            <a:ext cx="726191" cy="524947"/>
           </a:xfrm>
           <a:prstGeom prst="ellipse">
             <a:avLst/>
           </a:prstGeom>
           <a:solidFill>
-            <a:schemeClr val="accent2">
-              <a:lumMod val="60000"/>
-              <a:lumOff val="40000"/>
-            </a:schemeClr>
+            <a:srgbClr val="FFCC00"/>
           </a:solidFill>
           <a:ln>
-            <a:noFill/>
+            <a:solidFill>
+              <a:srgbClr val="FFCC00"/>
+            </a:solidFill>
           </a:ln>
         </p:spPr>
         <p:style>
@@ -3827,34 +4714,42 @@
           <a:p>
             <a:pPr algn="ctr"/>
             <a:r>
-              <a:rPr lang="ko-KR" altLang="en-US" sz="1400" dirty="0"/>
-              <a:t>핸드폰번호</a:t>
-            </a:r>
-          </a:p>
-        </p:txBody>
-      </p:sp>
-      <p:sp>
-        <p:nvSpPr>
-          <p:cNvPr id="67" name="타원 66"/>
+              <a:rPr lang="ko-KR" altLang="en-US" sz="1000" dirty="0" err="1" smtClean="0">
+                <a:solidFill>
+                  <a:schemeClr val="tx1"/>
+                </a:solidFill>
+              </a:rPr>
+              <a:t>도착역</a:t>
+            </a:r>
+            <a:endParaRPr lang="ko-KR" altLang="en-US" sz="1000" dirty="0">
+              <a:solidFill>
+                <a:schemeClr val="tx1"/>
+              </a:solidFill>
+            </a:endParaRPr>
+          </a:p>
+        </p:txBody>
+      </p:sp>
+      <p:sp>
+        <p:nvSpPr>
+          <p:cNvPr id="87" name="타원 86"/>
           <p:cNvSpPr/>
           <p:nvPr/>
         </p:nvSpPr>
         <p:spPr>
           <a:xfrm>
-            <a:off x="3051047" y="0"/>
-            <a:ext cx="944640" cy="432843"/>
+            <a:off x="4733492" y="658959"/>
+            <a:ext cx="726191" cy="524947"/>
           </a:xfrm>
           <a:prstGeom prst="ellipse">
             <a:avLst/>
           </a:prstGeom>
           <a:solidFill>
-            <a:schemeClr val="accent2">
-              <a:lumMod val="60000"/>
-              <a:lumOff val="40000"/>
-            </a:schemeClr>
+            <a:srgbClr val="FFCC00"/>
           </a:solidFill>
           <a:ln>
-            <a:noFill/>
+            <a:solidFill>
+              <a:srgbClr val="FFCC00"/>
+            </a:solidFill>
           </a:ln>
         </p:spPr>
         <p:style>
@@ -3879,35 +4774,42 @@
           <a:p>
             <a:pPr algn="ctr"/>
             <a:r>
-              <a:rPr lang="ko-KR" altLang="en-US" sz="1400"/>
-              <a:t>생년월일</a:t>
-            </a:r>
-            <a:endParaRPr lang="ko-KR" altLang="en-US" sz="1400" dirty="0"/>
-          </a:p>
-        </p:txBody>
-      </p:sp>
-      <p:sp>
-        <p:nvSpPr>
-          <p:cNvPr id="68" name="타원 67"/>
+              <a:rPr lang="ko-KR" altLang="en-US" sz="1000" dirty="0" smtClean="0">
+                <a:solidFill>
+                  <a:schemeClr val="tx1"/>
+                </a:solidFill>
+              </a:rPr>
+              <a:t>도착시간</a:t>
+            </a:r>
+            <a:endParaRPr lang="ko-KR" altLang="en-US" sz="1000" dirty="0">
+              <a:solidFill>
+                <a:schemeClr val="tx1"/>
+              </a:solidFill>
+            </a:endParaRPr>
+          </a:p>
+        </p:txBody>
+      </p:sp>
+      <p:sp>
+        <p:nvSpPr>
+          <p:cNvPr id="89" name="타원 88"/>
           <p:cNvSpPr/>
           <p:nvPr/>
         </p:nvSpPr>
         <p:spPr>
           <a:xfrm>
-            <a:off x="3047621" y="448872"/>
-            <a:ext cx="944640" cy="432843"/>
+            <a:off x="4189793" y="5309686"/>
+            <a:ext cx="726191" cy="524947"/>
           </a:xfrm>
           <a:prstGeom prst="ellipse">
             <a:avLst/>
           </a:prstGeom>
           <a:solidFill>
-            <a:schemeClr val="accent2">
-              <a:lumMod val="60000"/>
-              <a:lumOff val="40000"/>
-            </a:schemeClr>
+            <a:srgbClr val="FF7C80"/>
           </a:solidFill>
           <a:ln>
-            <a:noFill/>
+            <a:solidFill>
+              <a:srgbClr val="FF7C80"/>
+            </a:solidFill>
           </a:ln>
         </p:spPr>
         <p:style>
@@ -3932,34 +4834,42 @@
           <a:p>
             <a:pPr algn="ctr"/>
             <a:r>
-              <a:rPr lang="ko-KR" altLang="en-US" sz="1400" dirty="0"/>
-              <a:t>성별</a:t>
-            </a:r>
-          </a:p>
-        </p:txBody>
-      </p:sp>
-      <p:sp>
-        <p:nvSpPr>
-          <p:cNvPr id="69" name="타원 68"/>
+              <a:rPr lang="ko-KR" altLang="en-US" sz="1000" dirty="0" smtClean="0">
+                <a:solidFill>
+                  <a:schemeClr val="tx1"/>
+                </a:solidFill>
+              </a:rPr>
+              <a:t>비밀번호</a:t>
+            </a:r>
+            <a:endParaRPr lang="ko-KR" altLang="en-US" sz="1000" dirty="0">
+              <a:solidFill>
+                <a:schemeClr val="tx1"/>
+              </a:solidFill>
+            </a:endParaRPr>
+          </a:p>
+        </p:txBody>
+      </p:sp>
+      <p:sp>
+        <p:nvSpPr>
+          <p:cNvPr id="90" name="타원 89"/>
           <p:cNvSpPr/>
           <p:nvPr/>
         </p:nvSpPr>
         <p:spPr>
           <a:xfrm>
-            <a:off x="954424" y="431090"/>
-            <a:ext cx="944640" cy="432843"/>
+            <a:off x="7084281" y="651737"/>
+            <a:ext cx="726191" cy="524947"/>
           </a:xfrm>
           <a:prstGeom prst="ellipse">
             <a:avLst/>
           </a:prstGeom>
           <a:solidFill>
-            <a:schemeClr val="accent2">
-              <a:lumMod val="60000"/>
-              <a:lumOff val="40000"/>
-            </a:schemeClr>
+            <a:srgbClr val="FFCC00"/>
           </a:solidFill>
           <a:ln>
-            <a:noFill/>
+            <a:solidFill>
+              <a:srgbClr val="FFCC00"/>
+            </a:solidFill>
           </a:ln>
         </p:spPr>
         <p:style>
@@ -3984,31 +4894,42 @@
           <a:p>
             <a:pPr algn="ctr"/>
             <a:r>
-              <a:rPr lang="ko-KR" altLang="en-US" sz="1400" dirty="0"/>
-              <a:t>주소</a:t>
-            </a:r>
-          </a:p>
-        </p:txBody>
-      </p:sp>
-      <p:sp>
-        <p:nvSpPr>
-          <p:cNvPr id="70" name="타원 69"/>
+              <a:rPr lang="ko-KR" altLang="en-US" sz="1000" dirty="0" smtClean="0">
+                <a:solidFill>
+                  <a:schemeClr val="tx1"/>
+                </a:solidFill>
+              </a:rPr>
+              <a:t>객실등급</a:t>
+            </a:r>
+            <a:endParaRPr lang="ko-KR" altLang="en-US" sz="1000" dirty="0">
+              <a:solidFill>
+                <a:schemeClr val="tx1"/>
+              </a:solidFill>
+            </a:endParaRPr>
+          </a:p>
+        </p:txBody>
+      </p:sp>
+      <p:sp>
+        <p:nvSpPr>
+          <p:cNvPr id="91" name="타원 90"/>
           <p:cNvSpPr/>
           <p:nvPr/>
         </p:nvSpPr>
         <p:spPr>
           <a:xfrm>
-            <a:off x="0" y="1433866"/>
-            <a:ext cx="944640" cy="432843"/>
+            <a:off x="5525472" y="647430"/>
+            <a:ext cx="726191" cy="524947"/>
           </a:xfrm>
           <a:prstGeom prst="ellipse">
             <a:avLst/>
           </a:prstGeom>
           <a:solidFill>
-            <a:srgbClr val="00B050"/>
+            <a:srgbClr val="FFCC00"/>
           </a:solidFill>
           <a:ln>
-            <a:noFill/>
+            <a:solidFill>
+              <a:srgbClr val="FFCC00"/>
+            </a:solidFill>
           </a:ln>
         </p:spPr>
         <p:style>
@@ -4033,31 +4954,42 @@
           <a:p>
             <a:pPr algn="ctr"/>
             <a:r>
-              <a:rPr lang="ko-KR" altLang="en-US" sz="1400" dirty="0"/>
-              <a:t>예매번호</a:t>
-            </a:r>
-          </a:p>
-        </p:txBody>
-      </p:sp>
-      <p:sp>
-        <p:nvSpPr>
-          <p:cNvPr id="71" name="타원 70"/>
+              <a:rPr lang="ko-KR" altLang="en-US" sz="1000" dirty="0" smtClean="0">
+                <a:solidFill>
+                  <a:schemeClr val="tx1"/>
+                </a:solidFill>
+              </a:rPr>
+              <a:t>결제유무</a:t>
+            </a:r>
+            <a:endParaRPr lang="ko-KR" altLang="en-US" sz="1000" dirty="0">
+              <a:solidFill>
+                <a:schemeClr val="tx1"/>
+              </a:solidFill>
+            </a:endParaRPr>
+          </a:p>
+        </p:txBody>
+      </p:sp>
+      <p:sp>
+        <p:nvSpPr>
+          <p:cNvPr id="92" name="타원 91"/>
           <p:cNvSpPr/>
           <p:nvPr/>
         </p:nvSpPr>
         <p:spPr>
           <a:xfrm>
-            <a:off x="0" y="1869631"/>
-            <a:ext cx="944640" cy="432843"/>
+            <a:off x="5525472" y="80091"/>
+            <a:ext cx="726191" cy="524947"/>
           </a:xfrm>
           <a:prstGeom prst="ellipse">
             <a:avLst/>
           </a:prstGeom>
           <a:solidFill>
-            <a:srgbClr val="00B050"/>
+            <a:srgbClr val="FFCC00"/>
           </a:solidFill>
           <a:ln>
-            <a:noFill/>
+            <a:solidFill>
+              <a:srgbClr val="FFCC00"/>
+            </a:solidFill>
           </a:ln>
         </p:spPr>
         <p:style>
@@ -4082,31 +5014,42 @@
           <a:p>
             <a:pPr algn="ctr"/>
             <a:r>
-              <a:rPr lang="ko-KR" altLang="en-US" sz="1400" dirty="0"/>
-              <a:t>승차일자</a:t>
-            </a:r>
-          </a:p>
-        </p:txBody>
-      </p:sp>
-      <p:sp>
-        <p:nvSpPr>
-          <p:cNvPr id="72" name="타원 71"/>
+              <a:rPr lang="ko-KR" altLang="en-US" sz="1000" dirty="0" smtClean="0">
+                <a:solidFill>
+                  <a:schemeClr val="tx1"/>
+                </a:solidFill>
+              </a:rPr>
+              <a:t>예약매수</a:t>
+            </a:r>
+            <a:endParaRPr lang="ko-KR" altLang="en-US" sz="1000" dirty="0">
+              <a:solidFill>
+                <a:schemeClr val="tx1"/>
+              </a:solidFill>
+            </a:endParaRPr>
+          </a:p>
+        </p:txBody>
+      </p:sp>
+      <p:sp>
+        <p:nvSpPr>
+          <p:cNvPr id="93" name="타원 92"/>
           <p:cNvSpPr/>
           <p:nvPr/>
         </p:nvSpPr>
         <p:spPr>
           <a:xfrm>
-            <a:off x="0" y="2302474"/>
-            <a:ext cx="944640" cy="432843"/>
+            <a:off x="4955320" y="4737036"/>
+            <a:ext cx="726191" cy="524947"/>
           </a:xfrm>
           <a:prstGeom prst="ellipse">
             <a:avLst/>
           </a:prstGeom>
           <a:solidFill>
-            <a:srgbClr val="00B050"/>
+            <a:srgbClr val="FF7C80"/>
           </a:solidFill>
           <a:ln>
-            <a:noFill/>
+            <a:solidFill>
+              <a:srgbClr val="FF7C80"/>
+            </a:solidFill>
           </a:ln>
         </p:spPr>
         <p:style>
@@ -4131,31 +5074,42 @@
           <a:p>
             <a:pPr algn="ctr"/>
             <a:r>
-              <a:rPr lang="ko-KR" altLang="en-US" sz="1400" dirty="0"/>
-              <a:t>열차번호</a:t>
-            </a:r>
-          </a:p>
-        </p:txBody>
-      </p:sp>
-      <p:sp>
-        <p:nvSpPr>
-          <p:cNvPr id="74" name="타원 73"/>
+              <a:rPr lang="ko-KR" altLang="en-US" sz="1000" dirty="0" smtClean="0">
+                <a:solidFill>
+                  <a:schemeClr val="tx1"/>
+                </a:solidFill>
+              </a:rPr>
+              <a:t>아이디</a:t>
+            </a:r>
+            <a:endParaRPr lang="ko-KR" altLang="en-US" sz="1000" dirty="0">
+              <a:solidFill>
+                <a:schemeClr val="tx1"/>
+              </a:solidFill>
+            </a:endParaRPr>
+          </a:p>
+        </p:txBody>
+      </p:sp>
+      <p:sp>
+        <p:nvSpPr>
+          <p:cNvPr id="94" name="타원 93"/>
           <p:cNvSpPr/>
           <p:nvPr/>
         </p:nvSpPr>
         <p:spPr>
           <a:xfrm>
-            <a:off x="9784" y="2762417"/>
-            <a:ext cx="944640" cy="432843"/>
+            <a:off x="7084282" y="73243"/>
+            <a:ext cx="726191" cy="524947"/>
           </a:xfrm>
           <a:prstGeom prst="ellipse">
             <a:avLst/>
           </a:prstGeom>
           <a:solidFill>
-            <a:srgbClr val="00B050"/>
+            <a:srgbClr val="FFCC00"/>
           </a:solidFill>
           <a:ln>
-            <a:noFill/>
+            <a:solidFill>
+              <a:srgbClr val="FFCC00"/>
+            </a:solidFill>
           </a:ln>
         </p:spPr>
         <p:style>
@@ -4180,34 +5134,42 @@
           <a:p>
             <a:pPr algn="ctr"/>
             <a:r>
-              <a:rPr lang="ko-KR" altLang="en-US" sz="1400" dirty="0"/>
-              <a:t>열차종별</a:t>
-            </a:r>
-          </a:p>
-        </p:txBody>
-      </p:sp>
-      <p:sp>
-        <p:nvSpPr>
-          <p:cNvPr id="75" name="타원 74"/>
+              <a:rPr lang="ko-KR" altLang="en-US" sz="1000" dirty="0" smtClean="0">
+                <a:solidFill>
+                  <a:schemeClr val="tx1"/>
+                </a:solidFill>
+              </a:rPr>
+              <a:t>승객유형</a:t>
+            </a:r>
+            <a:endParaRPr lang="ko-KR" altLang="en-US" sz="1000" dirty="0">
+              <a:solidFill>
+                <a:schemeClr val="tx1"/>
+              </a:solidFill>
+            </a:endParaRPr>
+          </a:p>
+        </p:txBody>
+      </p:sp>
+      <p:sp>
+        <p:nvSpPr>
+          <p:cNvPr id="95" name="타원 94"/>
           <p:cNvSpPr/>
           <p:nvPr/>
         </p:nvSpPr>
         <p:spPr>
           <a:xfrm>
-            <a:off x="4076624" y="432843"/>
-            <a:ext cx="944640" cy="432843"/>
+            <a:off x="6289250" y="651594"/>
+            <a:ext cx="726191" cy="524947"/>
           </a:xfrm>
           <a:prstGeom prst="ellipse">
             <a:avLst/>
           </a:prstGeom>
           <a:solidFill>
-            <a:schemeClr val="accent2">
-              <a:lumMod val="60000"/>
-              <a:lumOff val="40000"/>
-            </a:schemeClr>
+            <a:srgbClr val="FFCC00"/>
           </a:solidFill>
           <a:ln>
-            <a:noFill/>
+            <a:solidFill>
+              <a:srgbClr val="FFCC00"/>
+            </a:solidFill>
           </a:ln>
         </p:spPr>
         <p:style>
@@ -4232,31 +5194,42 @@
           <a:p>
             <a:pPr algn="ctr"/>
             <a:r>
-              <a:rPr lang="ko-KR" altLang="en-US" sz="1400" dirty="0"/>
-              <a:t>비고</a:t>
-            </a:r>
-          </a:p>
-        </p:txBody>
-      </p:sp>
-      <p:sp>
-        <p:nvSpPr>
-          <p:cNvPr id="76" name="타원 75"/>
+              <a:rPr lang="ko-KR" altLang="en-US" sz="1000" dirty="0" smtClean="0">
+                <a:solidFill>
+                  <a:schemeClr val="tx1"/>
+                </a:solidFill>
+              </a:rPr>
+              <a:t>좌석정보</a:t>
+            </a:r>
+            <a:endParaRPr lang="ko-KR" altLang="en-US" sz="1000" dirty="0">
+              <a:solidFill>
+                <a:schemeClr val="tx1"/>
+              </a:solidFill>
+            </a:endParaRPr>
+          </a:p>
+        </p:txBody>
+      </p:sp>
+      <p:sp>
+        <p:nvSpPr>
+          <p:cNvPr id="96" name="타원 95"/>
           <p:cNvSpPr/>
           <p:nvPr/>
         </p:nvSpPr>
         <p:spPr>
           <a:xfrm>
-            <a:off x="9784" y="3195260"/>
-            <a:ext cx="944640" cy="432843"/>
+            <a:off x="6289251" y="77013"/>
+            <a:ext cx="726191" cy="524947"/>
           </a:xfrm>
           <a:prstGeom prst="ellipse">
             <a:avLst/>
           </a:prstGeom>
           <a:solidFill>
-            <a:srgbClr val="00B050"/>
+            <a:srgbClr val="FFCC00"/>
           </a:solidFill>
           <a:ln>
-            <a:noFill/>
+            <a:solidFill>
+              <a:srgbClr val="FFCC00"/>
+            </a:solidFill>
           </a:ln>
         </p:spPr>
         <p:style>
@@ -4281,30 +5254,35 @@
           <a:p>
             <a:pPr algn="ctr"/>
             <a:r>
-              <a:rPr lang="ko-KR" altLang="en-US" sz="1400" dirty="0" err="1"/>
-              <a:t>출발역</a:t>
-            </a:r>
-            <a:endParaRPr lang="ko-KR" altLang="en-US" sz="1400" dirty="0"/>
-          </a:p>
-        </p:txBody>
-      </p:sp>
-      <p:sp>
-        <p:nvSpPr>
-          <p:cNvPr id="77" name="타원 76"/>
+              <a:rPr lang="ko-KR" altLang="en-US" sz="1000" dirty="0" smtClean="0">
+                <a:solidFill>
+                  <a:schemeClr val="tx1"/>
+                </a:solidFill>
+              </a:rPr>
+              <a:t>금액</a:t>
+            </a:r>
+            <a:endParaRPr lang="ko-KR" altLang="en-US" sz="1000" dirty="0">
+              <a:solidFill>
+                <a:schemeClr val="tx1"/>
+              </a:solidFill>
+            </a:endParaRPr>
+          </a:p>
+        </p:txBody>
+      </p:sp>
+      <p:sp>
+        <p:nvSpPr>
+          <p:cNvPr id="99" name="순서도: 판단 98"/>
           <p:cNvSpPr/>
           <p:nvPr/>
         </p:nvSpPr>
         <p:spPr>
           <a:xfrm>
-            <a:off x="9784" y="3628103"/>
-            <a:ext cx="944640" cy="432843"/>
-          </a:xfrm>
-          <a:prstGeom prst="ellipse">
-            <a:avLst/>
-          </a:prstGeom>
-          <a:solidFill>
-            <a:srgbClr val="00B050"/>
-          </a:solidFill>
+            <a:off x="1965445" y="2467969"/>
+            <a:ext cx="951140" cy="591212"/>
+          </a:xfrm>
+          <a:prstGeom prst="flowChartDecision">
+            <a:avLst/>
+          </a:prstGeom>
           <a:ln>
             <a:noFill/>
           </a:ln>
@@ -4331,30 +5309,35 @@
           <a:p>
             <a:pPr algn="ctr"/>
             <a:r>
-              <a:rPr lang="ko-KR" altLang="en-US" sz="1400"/>
-              <a:t>출발시각</a:t>
-            </a:r>
-            <a:endParaRPr lang="ko-KR" altLang="en-US" sz="1400" dirty="0"/>
-          </a:p>
-        </p:txBody>
-      </p:sp>
-      <p:sp>
-        <p:nvSpPr>
-          <p:cNvPr id="78" name="타원 77"/>
+              <a:rPr lang="ko-KR" altLang="en-US" sz="1000" dirty="0" smtClean="0">
+                <a:solidFill>
+                  <a:schemeClr val="tx1"/>
+                </a:solidFill>
+              </a:rPr>
+              <a:t>질문</a:t>
+            </a:r>
+            <a:endParaRPr lang="ko-KR" altLang="en-US" sz="1000" dirty="0">
+              <a:solidFill>
+                <a:schemeClr val="tx1"/>
+              </a:solidFill>
+            </a:endParaRPr>
+          </a:p>
+        </p:txBody>
+      </p:sp>
+      <p:sp>
+        <p:nvSpPr>
+          <p:cNvPr id="100" name="순서도: 판단 99"/>
           <p:cNvSpPr/>
           <p:nvPr/>
         </p:nvSpPr>
         <p:spPr>
           <a:xfrm>
-            <a:off x="9784" y="4058778"/>
-            <a:ext cx="944640" cy="432843"/>
-          </a:xfrm>
-          <a:prstGeom prst="ellipse">
-            <a:avLst/>
-          </a:prstGeom>
-          <a:solidFill>
-            <a:srgbClr val="00B050"/>
-          </a:solidFill>
+            <a:off x="3122890" y="4341115"/>
+            <a:ext cx="951140" cy="591212"/>
+          </a:xfrm>
+          <a:prstGeom prst="flowChartDecision">
+            <a:avLst/>
+          </a:prstGeom>
           <a:ln>
             <a:noFill/>
           </a:ln>
@@ -4381,856 +5364,14 @@
           <a:p>
             <a:pPr algn="ctr"/>
             <a:r>
-              <a:rPr lang="ko-KR" altLang="en-US" sz="1400"/>
-              <a:t>도착역</a:t>
-            </a:r>
-            <a:endParaRPr lang="ko-KR" altLang="en-US" sz="1400" dirty="0"/>
-          </a:p>
-        </p:txBody>
-      </p:sp>
-      <p:sp>
-        <p:nvSpPr>
-          <p:cNvPr id="80" name="타원 79"/>
-          <p:cNvSpPr/>
-          <p:nvPr/>
-        </p:nvSpPr>
-        <p:spPr>
-          <a:xfrm>
-            <a:off x="935218" y="1442177"/>
-            <a:ext cx="944640" cy="432843"/>
-          </a:xfrm>
-          <a:prstGeom prst="ellipse">
-            <a:avLst/>
-          </a:prstGeom>
-          <a:solidFill>
-            <a:srgbClr val="00B050"/>
-          </a:solidFill>
-          <a:ln>
-            <a:noFill/>
-          </a:ln>
-        </p:spPr>
-        <p:style>
-          <a:lnRef idx="2">
-            <a:schemeClr val="accent1">
-              <a:shade val="50000"/>
-            </a:schemeClr>
-          </a:lnRef>
-          <a:fillRef idx="1">
-            <a:schemeClr val="accent1"/>
-          </a:fillRef>
-          <a:effectRef idx="0">
-            <a:schemeClr val="accent1"/>
-          </a:effectRef>
-          <a:fontRef idx="minor">
-            <a:schemeClr val="lt1"/>
-          </a:fontRef>
-        </p:style>
-        <p:txBody>
-          <a:bodyPr rtlCol="0" anchor="ctr"/>
-          <a:lstStyle/>
-          <a:p>
-            <a:pPr algn="ctr"/>
-            <a:r>
-              <a:rPr lang="ko-KR" altLang="en-US" sz="1400" dirty="0"/>
-              <a:t>도착시각</a:t>
-            </a:r>
-          </a:p>
-        </p:txBody>
-      </p:sp>
-      <p:sp>
-        <p:nvSpPr>
-          <p:cNvPr id="81" name="타원 80"/>
-          <p:cNvSpPr/>
-          <p:nvPr/>
-        </p:nvSpPr>
-        <p:spPr>
-          <a:xfrm>
-            <a:off x="935218" y="1875020"/>
-            <a:ext cx="944640" cy="432843"/>
-          </a:xfrm>
-          <a:prstGeom prst="ellipse">
-            <a:avLst/>
-          </a:prstGeom>
-          <a:solidFill>
-            <a:srgbClr val="00B050"/>
-          </a:solidFill>
-          <a:ln>
-            <a:noFill/>
-          </a:ln>
-        </p:spPr>
-        <p:style>
-          <a:lnRef idx="2">
-            <a:schemeClr val="accent1">
-              <a:shade val="50000"/>
-            </a:schemeClr>
-          </a:lnRef>
-          <a:fillRef idx="1">
-            <a:schemeClr val="accent1"/>
-          </a:fillRef>
-          <a:effectRef idx="0">
-            <a:schemeClr val="accent1"/>
-          </a:effectRef>
-          <a:fontRef idx="minor">
-            <a:schemeClr val="lt1"/>
-          </a:fontRef>
-        </p:style>
-        <p:txBody>
-          <a:bodyPr rtlCol="0" anchor="ctr"/>
-          <a:lstStyle/>
-          <a:p>
-            <a:pPr algn="ctr"/>
-            <a:r>
-              <a:rPr lang="ko-KR" altLang="en-US" sz="1400" dirty="0"/>
-              <a:t>예약매수</a:t>
-            </a:r>
-          </a:p>
-        </p:txBody>
-      </p:sp>
-      <p:sp>
-        <p:nvSpPr>
-          <p:cNvPr id="82" name="타원 81"/>
-          <p:cNvSpPr/>
-          <p:nvPr/>
-        </p:nvSpPr>
-        <p:spPr>
-          <a:xfrm>
-            <a:off x="935218" y="2307863"/>
-            <a:ext cx="944640" cy="432843"/>
-          </a:xfrm>
-          <a:prstGeom prst="ellipse">
-            <a:avLst/>
-          </a:prstGeom>
-          <a:solidFill>
-            <a:srgbClr val="00B050"/>
-          </a:solidFill>
-          <a:ln>
-            <a:noFill/>
-          </a:ln>
-        </p:spPr>
-        <p:style>
-          <a:lnRef idx="2">
-            <a:schemeClr val="accent1">
-              <a:shade val="50000"/>
-            </a:schemeClr>
-          </a:lnRef>
-          <a:fillRef idx="1">
-            <a:schemeClr val="accent1"/>
-          </a:fillRef>
-          <a:effectRef idx="0">
-            <a:schemeClr val="accent1"/>
-          </a:effectRef>
-          <a:fontRef idx="minor">
-            <a:schemeClr val="lt1"/>
-          </a:fontRef>
-        </p:style>
-        <p:txBody>
-          <a:bodyPr rtlCol="0" anchor="ctr"/>
-          <a:lstStyle/>
-          <a:p>
-            <a:pPr algn="ctr"/>
-            <a:r>
-              <a:rPr lang="ko-KR" altLang="en-US" sz="1400"/>
-              <a:t>금액</a:t>
-            </a:r>
-            <a:endParaRPr lang="ko-KR" altLang="en-US" sz="1400" dirty="0"/>
-          </a:p>
-        </p:txBody>
-      </p:sp>
-      <p:sp>
-        <p:nvSpPr>
-          <p:cNvPr id="83" name="타원 82"/>
-          <p:cNvSpPr/>
-          <p:nvPr/>
-        </p:nvSpPr>
-        <p:spPr>
-          <a:xfrm>
-            <a:off x="935218" y="2740706"/>
-            <a:ext cx="944640" cy="432843"/>
-          </a:xfrm>
-          <a:prstGeom prst="ellipse">
-            <a:avLst/>
-          </a:prstGeom>
-          <a:solidFill>
-            <a:srgbClr val="00B050"/>
-          </a:solidFill>
-          <a:ln>
-            <a:noFill/>
-          </a:ln>
-        </p:spPr>
-        <p:style>
-          <a:lnRef idx="2">
-            <a:schemeClr val="accent1">
-              <a:shade val="50000"/>
-            </a:schemeClr>
-          </a:lnRef>
-          <a:fillRef idx="1">
-            <a:schemeClr val="accent1"/>
-          </a:fillRef>
-          <a:effectRef idx="0">
-            <a:schemeClr val="accent1"/>
-          </a:effectRef>
-          <a:fontRef idx="minor">
-            <a:schemeClr val="lt1"/>
-          </a:fontRef>
-        </p:style>
-        <p:txBody>
-          <a:bodyPr rtlCol="0" anchor="ctr"/>
-          <a:lstStyle/>
-          <a:p>
-            <a:pPr algn="ctr"/>
-            <a:r>
-              <a:rPr lang="ko-KR" altLang="en-US" sz="1400" dirty="0"/>
-              <a:t>객실등급</a:t>
-            </a:r>
-          </a:p>
-        </p:txBody>
-      </p:sp>
-      <p:sp>
-        <p:nvSpPr>
-          <p:cNvPr id="84" name="타원 83"/>
-          <p:cNvSpPr/>
-          <p:nvPr/>
-        </p:nvSpPr>
-        <p:spPr>
-          <a:xfrm>
-            <a:off x="935218" y="3173549"/>
-            <a:ext cx="944640" cy="432843"/>
-          </a:xfrm>
-          <a:prstGeom prst="ellipse">
-            <a:avLst/>
-          </a:prstGeom>
-          <a:solidFill>
-            <a:srgbClr val="00B050"/>
-          </a:solidFill>
-          <a:ln>
-            <a:noFill/>
-          </a:ln>
-        </p:spPr>
-        <p:style>
-          <a:lnRef idx="2">
-            <a:schemeClr val="accent1">
-              <a:shade val="50000"/>
-            </a:schemeClr>
-          </a:lnRef>
-          <a:fillRef idx="1">
-            <a:schemeClr val="accent1"/>
-          </a:fillRef>
-          <a:effectRef idx="0">
-            <a:schemeClr val="accent1"/>
-          </a:effectRef>
-          <a:fontRef idx="minor">
-            <a:schemeClr val="lt1"/>
-          </a:fontRef>
-        </p:style>
-        <p:txBody>
-          <a:bodyPr rtlCol="0" anchor="ctr"/>
-          <a:lstStyle/>
-          <a:p>
-            <a:pPr algn="ctr"/>
-            <a:r>
-              <a:rPr lang="ko-KR" altLang="en-US" sz="1400" dirty="0"/>
-              <a:t>좌석정보</a:t>
-            </a:r>
-          </a:p>
-        </p:txBody>
-      </p:sp>
-      <p:sp>
-        <p:nvSpPr>
-          <p:cNvPr id="88" name="타원 87"/>
-          <p:cNvSpPr/>
-          <p:nvPr/>
-        </p:nvSpPr>
-        <p:spPr>
-          <a:xfrm>
-            <a:off x="944640" y="4036720"/>
-            <a:ext cx="944640" cy="432843"/>
-          </a:xfrm>
-          <a:prstGeom prst="ellipse">
-            <a:avLst/>
-          </a:prstGeom>
-          <a:solidFill>
-            <a:srgbClr val="00B050"/>
-          </a:solidFill>
-          <a:ln>
-            <a:noFill/>
-          </a:ln>
-        </p:spPr>
-        <p:style>
-          <a:lnRef idx="2">
-            <a:schemeClr val="accent1">
-              <a:shade val="50000"/>
-            </a:schemeClr>
-          </a:lnRef>
-          <a:fillRef idx="1">
-            <a:schemeClr val="accent1"/>
-          </a:fillRef>
-          <a:effectRef idx="0">
-            <a:schemeClr val="accent1"/>
-          </a:effectRef>
-          <a:fontRef idx="minor">
-            <a:schemeClr val="lt1"/>
-          </a:fontRef>
-        </p:style>
-        <p:txBody>
-          <a:bodyPr rtlCol="0" anchor="ctr"/>
-          <a:lstStyle/>
-          <a:p>
-            <a:pPr algn="ctr"/>
-            <a:r>
-              <a:rPr lang="ko-KR" altLang="en-US" sz="1400"/>
-              <a:t>승객유형</a:t>
-            </a:r>
-            <a:endParaRPr lang="ko-KR" altLang="en-US" sz="1400" dirty="0"/>
-          </a:p>
-        </p:txBody>
-      </p:sp>
-      <p:sp>
-        <p:nvSpPr>
-          <p:cNvPr id="94" name="타원 93"/>
-          <p:cNvSpPr/>
-          <p:nvPr/>
-        </p:nvSpPr>
-        <p:spPr>
-          <a:xfrm>
-            <a:off x="6577692" y="4882834"/>
-            <a:ext cx="944640" cy="432843"/>
-          </a:xfrm>
-          <a:prstGeom prst="ellipse">
-            <a:avLst/>
-          </a:prstGeom>
-          <a:solidFill>
-            <a:srgbClr val="00B0F0"/>
-          </a:solidFill>
-          <a:ln>
-            <a:noFill/>
-          </a:ln>
-        </p:spPr>
-        <p:style>
-          <a:lnRef idx="2">
-            <a:schemeClr val="accent1">
-              <a:shade val="50000"/>
-            </a:schemeClr>
-          </a:lnRef>
-          <a:fillRef idx="1">
-            <a:schemeClr val="accent1"/>
-          </a:fillRef>
-          <a:effectRef idx="0">
-            <a:schemeClr val="accent1"/>
-          </a:effectRef>
-          <a:fontRef idx="minor">
-            <a:schemeClr val="lt1"/>
-          </a:fontRef>
-        </p:style>
-        <p:txBody>
-          <a:bodyPr rtlCol="0" anchor="ctr"/>
-          <a:lstStyle/>
-          <a:p>
-            <a:pPr algn="ctr"/>
-            <a:r>
-              <a:rPr lang="ko-KR" altLang="en-US" sz="1400" dirty="0"/>
-              <a:t>일련번호</a:t>
-            </a:r>
-          </a:p>
-        </p:txBody>
-      </p:sp>
-      <p:sp>
-        <p:nvSpPr>
-          <p:cNvPr id="95" name="타원 94"/>
-          <p:cNvSpPr/>
-          <p:nvPr/>
-        </p:nvSpPr>
-        <p:spPr>
-          <a:xfrm>
-            <a:off x="6577692" y="5310550"/>
-            <a:ext cx="944640" cy="432843"/>
-          </a:xfrm>
-          <a:prstGeom prst="ellipse">
-            <a:avLst/>
-          </a:prstGeom>
-          <a:solidFill>
-            <a:srgbClr val="00B0F0"/>
-          </a:solidFill>
-          <a:ln>
-            <a:noFill/>
-          </a:ln>
-        </p:spPr>
-        <p:style>
-          <a:lnRef idx="2">
-            <a:schemeClr val="accent1">
-              <a:shade val="50000"/>
-            </a:schemeClr>
-          </a:lnRef>
-          <a:fillRef idx="1">
-            <a:schemeClr val="accent1"/>
-          </a:fillRef>
-          <a:effectRef idx="0">
-            <a:schemeClr val="accent1"/>
-          </a:effectRef>
-          <a:fontRef idx="minor">
-            <a:schemeClr val="lt1"/>
-          </a:fontRef>
-        </p:style>
-        <p:txBody>
-          <a:bodyPr rtlCol="0" anchor="ctr"/>
-          <a:lstStyle/>
-          <a:p>
-            <a:pPr algn="ctr"/>
-            <a:r>
-              <a:rPr lang="ko-KR" altLang="en-US" sz="1400"/>
-              <a:t>이름</a:t>
-            </a:r>
-            <a:endParaRPr lang="ko-KR" altLang="en-US" sz="1400" dirty="0"/>
-          </a:p>
-        </p:txBody>
-      </p:sp>
-      <p:sp>
-        <p:nvSpPr>
-          <p:cNvPr id="96" name="타원 95"/>
-          <p:cNvSpPr/>
-          <p:nvPr/>
-        </p:nvSpPr>
-        <p:spPr>
-          <a:xfrm>
-            <a:off x="6577692" y="5738266"/>
-            <a:ext cx="944640" cy="432843"/>
-          </a:xfrm>
-          <a:prstGeom prst="ellipse">
-            <a:avLst/>
-          </a:prstGeom>
-          <a:solidFill>
-            <a:srgbClr val="00B0F0"/>
-          </a:solidFill>
-          <a:ln>
-            <a:noFill/>
-          </a:ln>
-        </p:spPr>
-        <p:style>
-          <a:lnRef idx="2">
-            <a:schemeClr val="accent1">
-              <a:shade val="50000"/>
-            </a:schemeClr>
-          </a:lnRef>
-          <a:fillRef idx="1">
-            <a:schemeClr val="accent1"/>
-          </a:fillRef>
-          <a:effectRef idx="0">
-            <a:schemeClr val="accent1"/>
-          </a:effectRef>
-          <a:fontRef idx="minor">
-            <a:schemeClr val="lt1"/>
-          </a:fontRef>
-        </p:style>
-        <p:txBody>
-          <a:bodyPr rtlCol="0" anchor="ctr"/>
-          <a:lstStyle/>
-          <a:p>
-            <a:pPr algn="ctr"/>
-            <a:r>
-              <a:rPr lang="ko-KR" altLang="en-US" sz="1400"/>
-              <a:t>비밀번호</a:t>
-            </a:r>
-            <a:endParaRPr lang="ko-KR" altLang="en-US" sz="1400" dirty="0"/>
-          </a:p>
-        </p:txBody>
-      </p:sp>
-      <p:sp>
-        <p:nvSpPr>
-          <p:cNvPr id="97" name="타원 96"/>
-          <p:cNvSpPr/>
-          <p:nvPr/>
-        </p:nvSpPr>
-        <p:spPr>
-          <a:xfrm>
-            <a:off x="7522332" y="4882360"/>
-            <a:ext cx="944640" cy="432843"/>
-          </a:xfrm>
-          <a:prstGeom prst="ellipse">
-            <a:avLst/>
-          </a:prstGeom>
-          <a:solidFill>
-            <a:srgbClr val="00B0F0"/>
-          </a:solidFill>
-          <a:ln>
-            <a:noFill/>
-          </a:ln>
-        </p:spPr>
-        <p:style>
-          <a:lnRef idx="2">
-            <a:schemeClr val="accent1">
-              <a:shade val="50000"/>
-            </a:schemeClr>
-          </a:lnRef>
-          <a:fillRef idx="1">
-            <a:schemeClr val="accent1"/>
-          </a:fillRef>
-          <a:effectRef idx="0">
-            <a:schemeClr val="accent1"/>
-          </a:effectRef>
-          <a:fontRef idx="minor">
-            <a:schemeClr val="lt1"/>
-          </a:fontRef>
-        </p:style>
-        <p:txBody>
-          <a:bodyPr rtlCol="0" anchor="ctr"/>
-          <a:lstStyle/>
-          <a:p>
-            <a:pPr algn="ctr"/>
-            <a:r>
-              <a:rPr lang="ko-KR" altLang="en-US" sz="1400"/>
-              <a:t>사원등급</a:t>
-            </a:r>
-            <a:endParaRPr lang="ko-KR" altLang="en-US" sz="1400" dirty="0"/>
-          </a:p>
-        </p:txBody>
-      </p:sp>
-      <p:sp>
-        <p:nvSpPr>
-          <p:cNvPr id="102" name="타원 101"/>
-          <p:cNvSpPr/>
-          <p:nvPr/>
-        </p:nvSpPr>
-        <p:spPr>
-          <a:xfrm>
-            <a:off x="7528368" y="5319262"/>
-            <a:ext cx="944640" cy="432843"/>
-          </a:xfrm>
-          <a:prstGeom prst="ellipse">
-            <a:avLst/>
-          </a:prstGeom>
-          <a:solidFill>
-            <a:srgbClr val="00B0F0"/>
-          </a:solidFill>
-          <a:ln>
-            <a:noFill/>
-          </a:ln>
-        </p:spPr>
-        <p:style>
-          <a:lnRef idx="2">
-            <a:schemeClr val="accent1">
-              <a:shade val="50000"/>
-            </a:schemeClr>
-          </a:lnRef>
-          <a:fillRef idx="1">
-            <a:schemeClr val="accent1"/>
-          </a:fillRef>
-          <a:effectRef idx="0">
-            <a:schemeClr val="accent1"/>
-          </a:effectRef>
-          <a:fontRef idx="minor">
-            <a:schemeClr val="lt1"/>
-          </a:fontRef>
-        </p:style>
-        <p:txBody>
-          <a:bodyPr rtlCol="0" anchor="ctr"/>
-          <a:lstStyle/>
-          <a:p>
-            <a:pPr algn="ctr"/>
-            <a:r>
-              <a:rPr lang="ko-KR" altLang="en-US" sz="1400" dirty="0"/>
-              <a:t>사원번호</a:t>
-            </a:r>
-          </a:p>
-        </p:txBody>
-      </p:sp>
-      <p:sp>
-        <p:nvSpPr>
-          <p:cNvPr id="111" name="타원 110"/>
-          <p:cNvSpPr/>
-          <p:nvPr/>
-        </p:nvSpPr>
-        <p:spPr>
-          <a:xfrm>
-            <a:off x="1989867" y="4890203"/>
-            <a:ext cx="944640" cy="432843"/>
-          </a:xfrm>
-          <a:prstGeom prst="ellipse">
-            <a:avLst/>
-          </a:prstGeom>
-          <a:solidFill>
-            <a:srgbClr val="7030A0"/>
-          </a:solidFill>
-          <a:ln>
-            <a:noFill/>
-          </a:ln>
-        </p:spPr>
-        <p:style>
-          <a:lnRef idx="2">
-            <a:schemeClr val="accent1">
-              <a:shade val="50000"/>
-            </a:schemeClr>
-          </a:lnRef>
-          <a:fillRef idx="1">
-            <a:schemeClr val="accent1"/>
-          </a:fillRef>
-          <a:effectRef idx="0">
-            <a:schemeClr val="accent1"/>
-          </a:effectRef>
-          <a:fontRef idx="minor">
-            <a:schemeClr val="lt1"/>
-          </a:fontRef>
-        </p:style>
-        <p:txBody>
-          <a:bodyPr rtlCol="0" anchor="ctr"/>
-          <a:lstStyle/>
-          <a:p>
-            <a:pPr algn="ctr"/>
-            <a:r>
-              <a:rPr lang="ko-KR" altLang="en-US" sz="1400"/>
-              <a:t>열차호수</a:t>
-            </a:r>
-            <a:endParaRPr lang="ko-KR" altLang="en-US" sz="1400" dirty="0"/>
-          </a:p>
-        </p:txBody>
-      </p:sp>
-      <p:sp>
-        <p:nvSpPr>
-          <p:cNvPr id="112" name="타원 111"/>
-          <p:cNvSpPr/>
-          <p:nvPr/>
-        </p:nvSpPr>
-        <p:spPr>
-          <a:xfrm>
-            <a:off x="1989867" y="5331985"/>
-            <a:ext cx="944640" cy="432843"/>
-          </a:xfrm>
-          <a:prstGeom prst="ellipse">
-            <a:avLst/>
-          </a:prstGeom>
-          <a:solidFill>
-            <a:srgbClr val="7030A0"/>
-          </a:solidFill>
-          <a:ln>
-            <a:noFill/>
-          </a:ln>
-        </p:spPr>
-        <p:style>
-          <a:lnRef idx="2">
-            <a:schemeClr val="accent1">
-              <a:shade val="50000"/>
-            </a:schemeClr>
-          </a:lnRef>
-          <a:fillRef idx="1">
-            <a:schemeClr val="accent1"/>
-          </a:fillRef>
-          <a:effectRef idx="0">
-            <a:schemeClr val="accent1"/>
-          </a:effectRef>
-          <a:fontRef idx="minor">
-            <a:schemeClr val="lt1"/>
-          </a:fontRef>
-        </p:style>
-        <p:txBody>
-          <a:bodyPr rtlCol="0" anchor="ctr"/>
-          <a:lstStyle/>
-          <a:p>
-            <a:pPr algn="ctr"/>
-            <a:r>
-              <a:rPr lang="ko-KR" altLang="en-US" sz="1400"/>
-              <a:t>좌석번호</a:t>
-            </a:r>
-            <a:endParaRPr lang="ko-KR" altLang="en-US" sz="1400" dirty="0"/>
-          </a:p>
-        </p:txBody>
-      </p:sp>
-      <p:sp>
-        <p:nvSpPr>
-          <p:cNvPr id="114" name="타원 113"/>
-          <p:cNvSpPr/>
-          <p:nvPr/>
-        </p:nvSpPr>
-        <p:spPr>
-          <a:xfrm>
-            <a:off x="2934507" y="4890203"/>
-            <a:ext cx="944640" cy="432843"/>
-          </a:xfrm>
-          <a:prstGeom prst="ellipse">
-            <a:avLst/>
-          </a:prstGeom>
-          <a:solidFill>
-            <a:srgbClr val="7030A0"/>
-          </a:solidFill>
-          <a:ln>
-            <a:noFill/>
-          </a:ln>
-        </p:spPr>
-        <p:style>
-          <a:lnRef idx="2">
-            <a:schemeClr val="accent1">
-              <a:shade val="50000"/>
-            </a:schemeClr>
-          </a:lnRef>
-          <a:fillRef idx="1">
-            <a:schemeClr val="accent1"/>
-          </a:fillRef>
-          <a:effectRef idx="0">
-            <a:schemeClr val="accent1"/>
-          </a:effectRef>
-          <a:fontRef idx="minor">
-            <a:schemeClr val="lt1"/>
-          </a:fontRef>
-        </p:style>
-        <p:txBody>
-          <a:bodyPr rtlCol="0" anchor="ctr"/>
-          <a:lstStyle/>
-          <a:p>
-            <a:pPr algn="ctr"/>
-            <a:r>
-              <a:rPr lang="ko-KR" altLang="en-US" sz="1400" dirty="0"/>
-              <a:t>어른요금</a:t>
-            </a:r>
-          </a:p>
-        </p:txBody>
-      </p:sp>
-      <p:sp>
-        <p:nvSpPr>
-          <p:cNvPr id="115" name="타원 114"/>
-          <p:cNvSpPr/>
-          <p:nvPr/>
-        </p:nvSpPr>
-        <p:spPr>
-          <a:xfrm>
-            <a:off x="2934507" y="5331984"/>
-            <a:ext cx="944640" cy="432843"/>
-          </a:xfrm>
-          <a:prstGeom prst="ellipse">
-            <a:avLst/>
-          </a:prstGeom>
-          <a:solidFill>
-            <a:srgbClr val="7030A0"/>
-          </a:solidFill>
-          <a:ln>
-            <a:noFill/>
-          </a:ln>
-        </p:spPr>
-        <p:style>
-          <a:lnRef idx="2">
-            <a:schemeClr val="accent1">
-              <a:shade val="50000"/>
-            </a:schemeClr>
-          </a:lnRef>
-          <a:fillRef idx="1">
-            <a:schemeClr val="accent1"/>
-          </a:fillRef>
-          <a:effectRef idx="0">
-            <a:schemeClr val="accent1"/>
-          </a:effectRef>
-          <a:fontRef idx="minor">
-            <a:schemeClr val="lt1"/>
-          </a:fontRef>
-        </p:style>
-        <p:txBody>
-          <a:bodyPr rtlCol="0" anchor="ctr"/>
-          <a:lstStyle/>
-          <a:p>
-            <a:pPr algn="ctr"/>
-            <a:r>
-              <a:rPr lang="ko-KR" altLang="en-US" sz="1400" dirty="0"/>
-              <a:t>어린이</a:t>
-            </a:r>
-          </a:p>
-        </p:txBody>
-      </p:sp>
-      <p:sp>
-        <p:nvSpPr>
-          <p:cNvPr id="116" name="타원 115"/>
-          <p:cNvSpPr/>
-          <p:nvPr/>
-        </p:nvSpPr>
-        <p:spPr>
-          <a:xfrm>
-            <a:off x="2476661" y="5743587"/>
-            <a:ext cx="944640" cy="432843"/>
-          </a:xfrm>
-          <a:prstGeom prst="ellipse">
-            <a:avLst/>
-          </a:prstGeom>
-          <a:solidFill>
-            <a:srgbClr val="7030A0"/>
-          </a:solidFill>
-          <a:ln>
-            <a:noFill/>
-          </a:ln>
-        </p:spPr>
-        <p:style>
-          <a:lnRef idx="2">
-            <a:schemeClr val="accent1">
-              <a:shade val="50000"/>
-            </a:schemeClr>
-          </a:lnRef>
-          <a:fillRef idx="1">
-            <a:schemeClr val="accent1"/>
-          </a:fillRef>
-          <a:effectRef idx="0">
-            <a:schemeClr val="accent1"/>
-          </a:effectRef>
-          <a:fontRef idx="minor">
-            <a:schemeClr val="lt1"/>
-          </a:fontRef>
-        </p:style>
-        <p:txBody>
-          <a:bodyPr rtlCol="0" anchor="ctr"/>
-          <a:lstStyle/>
-          <a:p>
-            <a:pPr algn="ctr"/>
-            <a:r>
-              <a:rPr lang="ko-KR" altLang="en-US" sz="1400" dirty="0" err="1"/>
-              <a:t>경로자</a:t>
-            </a:r>
-            <a:endParaRPr lang="ko-KR" altLang="en-US" sz="1400" dirty="0"/>
-          </a:p>
-        </p:txBody>
-      </p:sp>
-      <p:sp>
-        <p:nvSpPr>
-          <p:cNvPr id="117" name="타원 116"/>
-          <p:cNvSpPr/>
-          <p:nvPr/>
-        </p:nvSpPr>
-        <p:spPr>
-          <a:xfrm>
-            <a:off x="11151229" y="1533714"/>
-            <a:ext cx="944640" cy="432843"/>
-          </a:xfrm>
-          <a:prstGeom prst="ellipse">
-            <a:avLst/>
-          </a:prstGeom>
-          <a:solidFill>
-            <a:srgbClr val="FFC000"/>
-          </a:solidFill>
-          <a:ln>
-            <a:noFill/>
-          </a:ln>
-        </p:spPr>
-        <p:style>
-          <a:lnRef idx="2">
-            <a:schemeClr val="accent1">
-              <a:shade val="50000"/>
-            </a:schemeClr>
-          </a:lnRef>
-          <a:fillRef idx="1">
-            <a:schemeClr val="accent1"/>
-          </a:fillRef>
-          <a:effectRef idx="0">
-            <a:schemeClr val="accent1"/>
-          </a:effectRef>
-          <a:fontRef idx="minor">
-            <a:schemeClr val="lt1"/>
-          </a:fontRef>
-        </p:style>
-        <p:txBody>
-          <a:bodyPr rtlCol="0" anchor="ctr"/>
-          <a:lstStyle/>
-          <a:p>
-            <a:pPr algn="ctr"/>
-            <a:r>
-              <a:rPr lang="ko-KR" altLang="en-US" sz="1400">
+              <a:rPr lang="ko-KR" altLang="en-US" sz="1000" dirty="0" smtClean="0">
                 <a:solidFill>
                   <a:schemeClr val="tx1"/>
                 </a:solidFill>
               </a:rPr>
-              <a:t>일련번호</a:t>
-            </a:r>
-            <a:endParaRPr lang="ko-KR" altLang="en-US" sz="1400" dirty="0">
+              <a:t>답변</a:t>
+            </a:r>
+            <a:endParaRPr lang="ko-KR" altLang="en-US" sz="1000" dirty="0">
               <a:solidFill>
                 <a:schemeClr val="tx1"/>
               </a:solidFill>
@@ -5238,964 +5379,30 @@
           </a:p>
         </p:txBody>
       </p:sp>
-      <p:sp>
-        <p:nvSpPr>
-          <p:cNvPr id="118" name="타원 117"/>
-          <p:cNvSpPr/>
-          <p:nvPr/>
-        </p:nvSpPr>
-        <p:spPr>
-          <a:xfrm>
-            <a:off x="11158330" y="2468910"/>
-            <a:ext cx="944640" cy="432843"/>
-          </a:xfrm>
-          <a:prstGeom prst="ellipse">
-            <a:avLst/>
-          </a:prstGeom>
-          <a:solidFill>
-            <a:srgbClr val="FFC000"/>
-          </a:solidFill>
-          <a:ln>
-            <a:noFill/>
-          </a:ln>
-        </p:spPr>
-        <p:style>
-          <a:lnRef idx="2">
-            <a:schemeClr val="accent1">
-              <a:shade val="50000"/>
-            </a:schemeClr>
-          </a:lnRef>
-          <a:fillRef idx="1">
-            <a:schemeClr val="accent1"/>
-          </a:fillRef>
-          <a:effectRef idx="0">
-            <a:schemeClr val="accent1"/>
-          </a:effectRef>
-          <a:fontRef idx="minor">
-            <a:schemeClr val="lt1"/>
-          </a:fontRef>
-        </p:style>
-        <p:txBody>
-          <a:bodyPr rtlCol="0" anchor="ctr"/>
-          <a:lstStyle/>
-          <a:p>
-            <a:pPr algn="ctr"/>
-            <a:r>
-              <a:rPr lang="ko-KR" altLang="en-US" sz="1400" dirty="0">
-                <a:solidFill>
-                  <a:schemeClr val="tx1"/>
-                </a:solidFill>
-              </a:rPr>
-              <a:t>작성자</a:t>
-            </a:r>
-          </a:p>
-        </p:txBody>
-      </p:sp>
-      <p:sp>
-        <p:nvSpPr>
-          <p:cNvPr id="119" name="타원 118"/>
-          <p:cNvSpPr/>
-          <p:nvPr/>
-        </p:nvSpPr>
-        <p:spPr>
-          <a:xfrm>
-            <a:off x="11158330" y="3779394"/>
-            <a:ext cx="944640" cy="432843"/>
-          </a:xfrm>
-          <a:prstGeom prst="ellipse">
-            <a:avLst/>
-          </a:prstGeom>
-          <a:solidFill>
-            <a:srgbClr val="FFC000"/>
-          </a:solidFill>
-          <a:ln>
-            <a:noFill/>
-          </a:ln>
-        </p:spPr>
-        <p:style>
-          <a:lnRef idx="2">
-            <a:schemeClr val="accent1">
-              <a:shade val="50000"/>
-            </a:schemeClr>
-          </a:lnRef>
-          <a:fillRef idx="1">
-            <a:schemeClr val="accent1"/>
-          </a:fillRef>
-          <a:effectRef idx="0">
-            <a:schemeClr val="accent1"/>
-          </a:effectRef>
-          <a:fontRef idx="minor">
-            <a:schemeClr val="lt1"/>
-          </a:fontRef>
-        </p:style>
-        <p:txBody>
-          <a:bodyPr rtlCol="0" anchor="ctr"/>
-          <a:lstStyle/>
-          <a:p>
-            <a:pPr algn="ctr"/>
-            <a:r>
-              <a:rPr lang="ko-KR" altLang="en-US" sz="1400">
-                <a:solidFill>
-                  <a:schemeClr val="tx1"/>
-                </a:solidFill>
-              </a:rPr>
-              <a:t>제목</a:t>
-            </a:r>
-            <a:endParaRPr lang="ko-KR" altLang="en-US" sz="1400" dirty="0">
-              <a:solidFill>
-                <a:schemeClr val="tx1"/>
-              </a:solidFill>
-            </a:endParaRPr>
-          </a:p>
-        </p:txBody>
-      </p:sp>
-      <p:sp>
-        <p:nvSpPr>
-          <p:cNvPr id="120" name="타원 119"/>
-          <p:cNvSpPr/>
-          <p:nvPr/>
-        </p:nvSpPr>
-        <p:spPr>
-          <a:xfrm>
-            <a:off x="11158330" y="4210911"/>
-            <a:ext cx="944640" cy="432843"/>
-          </a:xfrm>
-          <a:prstGeom prst="ellipse">
-            <a:avLst/>
-          </a:prstGeom>
-          <a:solidFill>
-            <a:srgbClr val="FFC000"/>
-          </a:solidFill>
-          <a:ln>
-            <a:noFill/>
-          </a:ln>
-        </p:spPr>
-        <p:style>
-          <a:lnRef idx="2">
-            <a:schemeClr val="accent1">
-              <a:shade val="50000"/>
-            </a:schemeClr>
-          </a:lnRef>
-          <a:fillRef idx="1">
-            <a:schemeClr val="accent1"/>
-          </a:fillRef>
-          <a:effectRef idx="0">
-            <a:schemeClr val="accent1"/>
-          </a:effectRef>
-          <a:fontRef idx="minor">
-            <a:schemeClr val="lt1"/>
-          </a:fontRef>
-        </p:style>
-        <p:txBody>
-          <a:bodyPr rtlCol="0" anchor="ctr"/>
-          <a:lstStyle/>
-          <a:p>
-            <a:pPr algn="ctr"/>
-            <a:r>
-              <a:rPr lang="ko-KR" altLang="en-US" sz="1400" dirty="0">
-                <a:solidFill>
-                  <a:schemeClr val="tx1"/>
-                </a:solidFill>
-              </a:rPr>
-              <a:t>내용</a:t>
-            </a:r>
-          </a:p>
-        </p:txBody>
-      </p:sp>
-      <p:sp>
-        <p:nvSpPr>
-          <p:cNvPr id="121" name="타원 120"/>
-          <p:cNvSpPr/>
-          <p:nvPr/>
-        </p:nvSpPr>
-        <p:spPr>
-          <a:xfrm>
-            <a:off x="11158330" y="4641765"/>
-            <a:ext cx="944640" cy="432843"/>
-          </a:xfrm>
-          <a:prstGeom prst="ellipse">
-            <a:avLst/>
-          </a:prstGeom>
-          <a:solidFill>
-            <a:srgbClr val="FFC000"/>
-          </a:solidFill>
-          <a:ln>
-            <a:noFill/>
-          </a:ln>
-        </p:spPr>
-        <p:style>
-          <a:lnRef idx="2">
-            <a:schemeClr val="accent1">
-              <a:shade val="50000"/>
-            </a:schemeClr>
-          </a:lnRef>
-          <a:fillRef idx="1">
-            <a:schemeClr val="accent1"/>
-          </a:fillRef>
-          <a:effectRef idx="0">
-            <a:schemeClr val="accent1"/>
-          </a:effectRef>
-          <a:fontRef idx="minor">
-            <a:schemeClr val="lt1"/>
-          </a:fontRef>
-        </p:style>
-        <p:txBody>
-          <a:bodyPr rtlCol="0" anchor="ctr"/>
-          <a:lstStyle/>
-          <a:p>
-            <a:pPr algn="ctr"/>
-            <a:r>
-              <a:rPr lang="ko-KR" altLang="en-US" sz="1400" dirty="0">
-                <a:solidFill>
-                  <a:schemeClr val="tx1"/>
-                </a:solidFill>
-              </a:rPr>
-              <a:t>첨부파일</a:t>
-            </a:r>
-          </a:p>
-        </p:txBody>
-      </p:sp>
-      <p:sp>
-        <p:nvSpPr>
-          <p:cNvPr id="123" name="타원 122"/>
-          <p:cNvSpPr/>
-          <p:nvPr/>
-        </p:nvSpPr>
-        <p:spPr>
-          <a:xfrm>
-            <a:off x="11077542" y="3349221"/>
-            <a:ext cx="1106216" cy="432843"/>
-          </a:xfrm>
-          <a:prstGeom prst="ellipse">
-            <a:avLst/>
-          </a:prstGeom>
-          <a:solidFill>
-            <a:srgbClr val="FFC000"/>
-          </a:solidFill>
-          <a:ln>
-            <a:noFill/>
-          </a:ln>
-        </p:spPr>
-        <p:style>
-          <a:lnRef idx="2">
-            <a:schemeClr val="accent1">
-              <a:shade val="50000"/>
-            </a:schemeClr>
-          </a:lnRef>
-          <a:fillRef idx="1">
-            <a:schemeClr val="accent1"/>
-          </a:fillRef>
-          <a:effectRef idx="0">
-            <a:schemeClr val="accent1"/>
-          </a:effectRef>
-          <a:fontRef idx="minor">
-            <a:schemeClr val="lt1"/>
-          </a:fontRef>
-        </p:style>
-        <p:txBody>
-          <a:bodyPr rtlCol="0" anchor="ctr"/>
-          <a:lstStyle/>
-          <a:p>
-            <a:pPr algn="ctr"/>
-            <a:r>
-              <a:rPr lang="ko-KR" altLang="en-US" sz="1400" dirty="0">
-                <a:solidFill>
-                  <a:schemeClr val="tx1"/>
-                </a:solidFill>
-              </a:rPr>
-              <a:t>글공개여부</a:t>
-            </a:r>
-          </a:p>
-        </p:txBody>
-      </p:sp>
-      <p:sp>
-        <p:nvSpPr>
-          <p:cNvPr id="124" name="타원 123"/>
-          <p:cNvSpPr/>
-          <p:nvPr/>
-        </p:nvSpPr>
-        <p:spPr>
-          <a:xfrm>
-            <a:off x="11138774" y="2900427"/>
-            <a:ext cx="944640" cy="432843"/>
-          </a:xfrm>
-          <a:prstGeom prst="ellipse">
-            <a:avLst/>
-          </a:prstGeom>
-          <a:solidFill>
-            <a:srgbClr val="FFC000"/>
-          </a:solidFill>
-          <a:ln>
-            <a:noFill/>
-          </a:ln>
-        </p:spPr>
-        <p:style>
-          <a:lnRef idx="2">
-            <a:schemeClr val="accent1">
-              <a:shade val="50000"/>
-            </a:schemeClr>
-          </a:lnRef>
-          <a:fillRef idx="1">
-            <a:schemeClr val="accent1"/>
-          </a:fillRef>
-          <a:effectRef idx="0">
-            <a:schemeClr val="accent1"/>
-          </a:effectRef>
-          <a:fontRef idx="minor">
-            <a:schemeClr val="lt1"/>
-          </a:fontRef>
-        </p:style>
-        <p:txBody>
-          <a:bodyPr rtlCol="0" anchor="ctr"/>
-          <a:lstStyle/>
-          <a:p>
-            <a:pPr algn="ctr"/>
-            <a:r>
-              <a:rPr lang="ko-KR" altLang="en-US" sz="1400" dirty="0">
-                <a:solidFill>
-                  <a:schemeClr val="tx1"/>
-                </a:solidFill>
-              </a:rPr>
-              <a:t>작성일</a:t>
-            </a:r>
-          </a:p>
-        </p:txBody>
-      </p:sp>
-      <p:sp>
-        <p:nvSpPr>
-          <p:cNvPr id="125" name="타원 124"/>
-          <p:cNvSpPr/>
-          <p:nvPr/>
-        </p:nvSpPr>
-        <p:spPr>
-          <a:xfrm>
-            <a:off x="11129105" y="1965894"/>
-            <a:ext cx="944640" cy="432843"/>
-          </a:xfrm>
-          <a:prstGeom prst="ellipse">
-            <a:avLst/>
-          </a:prstGeom>
-          <a:solidFill>
-            <a:srgbClr val="FFC000"/>
-          </a:solidFill>
-          <a:ln>
-            <a:noFill/>
-          </a:ln>
-        </p:spPr>
-        <p:style>
-          <a:lnRef idx="2">
-            <a:schemeClr val="accent1">
-              <a:shade val="50000"/>
-            </a:schemeClr>
-          </a:lnRef>
-          <a:fillRef idx="1">
-            <a:schemeClr val="accent1"/>
-          </a:fillRef>
-          <a:effectRef idx="0">
-            <a:schemeClr val="accent1"/>
-          </a:effectRef>
-          <a:fontRef idx="minor">
-            <a:schemeClr val="lt1"/>
-          </a:fontRef>
-        </p:style>
-        <p:txBody>
-          <a:bodyPr rtlCol="0" anchor="ctr"/>
-          <a:lstStyle/>
-          <a:p>
-            <a:pPr algn="ctr"/>
-            <a:r>
-              <a:rPr lang="ko-KR" altLang="en-US" sz="1400" dirty="0" err="1">
-                <a:solidFill>
-                  <a:schemeClr val="tx1"/>
-                </a:solidFill>
-              </a:rPr>
-              <a:t>글유형</a:t>
-            </a:r>
-            <a:endParaRPr lang="ko-KR" altLang="en-US" sz="1400" dirty="0">
-              <a:solidFill>
-                <a:schemeClr val="tx1"/>
-              </a:solidFill>
-            </a:endParaRPr>
-          </a:p>
-        </p:txBody>
-      </p:sp>
-      <p:sp>
-        <p:nvSpPr>
-          <p:cNvPr id="128" name="타원 127"/>
-          <p:cNvSpPr/>
-          <p:nvPr/>
-        </p:nvSpPr>
-        <p:spPr>
-          <a:xfrm>
-            <a:off x="8068808" y="5165"/>
-            <a:ext cx="944640" cy="432843"/>
-          </a:xfrm>
-          <a:prstGeom prst="ellipse">
-            <a:avLst/>
-          </a:prstGeom>
-          <a:solidFill>
-            <a:srgbClr val="008000"/>
-          </a:solidFill>
-          <a:ln>
-            <a:noFill/>
-          </a:ln>
-        </p:spPr>
-        <p:style>
-          <a:lnRef idx="2">
-            <a:schemeClr val="accent1">
-              <a:shade val="50000"/>
-            </a:schemeClr>
-          </a:lnRef>
-          <a:fillRef idx="1">
-            <a:schemeClr val="accent1"/>
-          </a:fillRef>
-          <a:effectRef idx="0">
-            <a:schemeClr val="accent1"/>
-          </a:effectRef>
-          <a:fontRef idx="minor">
-            <a:schemeClr val="lt1"/>
-          </a:fontRef>
-        </p:style>
-        <p:txBody>
-          <a:bodyPr rtlCol="0" anchor="ctr"/>
-          <a:lstStyle/>
-          <a:p>
-            <a:pPr algn="ctr"/>
-            <a:r>
-              <a:rPr lang="ko-KR" altLang="en-US" sz="1400">
-                <a:solidFill>
-                  <a:schemeClr val="bg1"/>
-                </a:solidFill>
-              </a:rPr>
-              <a:t>글번호</a:t>
-            </a:r>
-            <a:endParaRPr lang="ko-KR" altLang="en-US" sz="1400" dirty="0">
-              <a:solidFill>
-                <a:schemeClr val="bg1"/>
-              </a:solidFill>
-            </a:endParaRPr>
-          </a:p>
-        </p:txBody>
-      </p:sp>
-      <p:sp>
-        <p:nvSpPr>
-          <p:cNvPr id="129" name="타원 128"/>
-          <p:cNvSpPr/>
-          <p:nvPr/>
-        </p:nvSpPr>
-        <p:spPr>
-          <a:xfrm>
-            <a:off x="9032720" y="5165"/>
-            <a:ext cx="944640" cy="432843"/>
-          </a:xfrm>
-          <a:prstGeom prst="ellipse">
-            <a:avLst/>
-          </a:prstGeom>
-          <a:solidFill>
-            <a:srgbClr val="008000"/>
-          </a:solidFill>
-          <a:ln>
-            <a:noFill/>
-          </a:ln>
-        </p:spPr>
-        <p:style>
-          <a:lnRef idx="2">
-            <a:schemeClr val="accent1">
-              <a:shade val="50000"/>
-            </a:schemeClr>
-          </a:lnRef>
-          <a:fillRef idx="1">
-            <a:schemeClr val="accent1"/>
-          </a:fillRef>
-          <a:effectRef idx="0">
-            <a:schemeClr val="accent1"/>
-          </a:effectRef>
-          <a:fontRef idx="minor">
-            <a:schemeClr val="lt1"/>
-          </a:fontRef>
-        </p:style>
-        <p:txBody>
-          <a:bodyPr rtlCol="0" anchor="ctr"/>
-          <a:lstStyle/>
-          <a:p>
-            <a:pPr algn="ctr"/>
-            <a:r>
-              <a:rPr lang="ko-KR" altLang="en-US" sz="1400">
-                <a:solidFill>
-                  <a:schemeClr val="bg1"/>
-                </a:solidFill>
-              </a:rPr>
-              <a:t>제목</a:t>
-            </a:r>
-            <a:endParaRPr lang="ko-KR" altLang="en-US" sz="1400" dirty="0">
-              <a:solidFill>
-                <a:schemeClr val="bg1"/>
-              </a:solidFill>
-            </a:endParaRPr>
-          </a:p>
-        </p:txBody>
-      </p:sp>
-      <p:sp>
-        <p:nvSpPr>
-          <p:cNvPr id="131" name="타원 130"/>
-          <p:cNvSpPr/>
-          <p:nvPr/>
-        </p:nvSpPr>
-        <p:spPr>
-          <a:xfrm>
-            <a:off x="10007606" y="16029"/>
-            <a:ext cx="944640" cy="432843"/>
-          </a:xfrm>
-          <a:prstGeom prst="ellipse">
-            <a:avLst/>
-          </a:prstGeom>
-          <a:solidFill>
-            <a:srgbClr val="008000"/>
-          </a:solidFill>
-          <a:ln>
-            <a:noFill/>
-          </a:ln>
-        </p:spPr>
-        <p:style>
-          <a:lnRef idx="2">
-            <a:schemeClr val="accent1">
-              <a:shade val="50000"/>
-            </a:schemeClr>
-          </a:lnRef>
-          <a:fillRef idx="1">
-            <a:schemeClr val="accent1"/>
-          </a:fillRef>
-          <a:effectRef idx="0">
-            <a:schemeClr val="accent1"/>
-          </a:effectRef>
-          <a:fontRef idx="minor">
-            <a:schemeClr val="lt1"/>
-          </a:fontRef>
-        </p:style>
-        <p:txBody>
-          <a:bodyPr rtlCol="0" anchor="ctr"/>
-          <a:lstStyle/>
-          <a:p>
-            <a:pPr algn="ctr"/>
-            <a:r>
-              <a:rPr lang="ko-KR" altLang="en-US" sz="1400" dirty="0">
-                <a:solidFill>
-                  <a:schemeClr val="bg1"/>
-                </a:solidFill>
-              </a:rPr>
-              <a:t>담당자</a:t>
-            </a:r>
-          </a:p>
-        </p:txBody>
-      </p:sp>
-      <p:sp>
-        <p:nvSpPr>
-          <p:cNvPr id="132" name="타원 131"/>
-          <p:cNvSpPr/>
-          <p:nvPr/>
-        </p:nvSpPr>
-        <p:spPr>
-          <a:xfrm>
-            <a:off x="8068808" y="429904"/>
-            <a:ext cx="944640" cy="432843"/>
-          </a:xfrm>
-          <a:prstGeom prst="ellipse">
-            <a:avLst/>
-          </a:prstGeom>
-          <a:solidFill>
-            <a:srgbClr val="008000"/>
-          </a:solidFill>
-          <a:ln>
-            <a:noFill/>
-          </a:ln>
-        </p:spPr>
-        <p:style>
-          <a:lnRef idx="2">
-            <a:schemeClr val="accent1">
-              <a:shade val="50000"/>
-            </a:schemeClr>
-          </a:lnRef>
-          <a:fillRef idx="1">
-            <a:schemeClr val="accent1"/>
-          </a:fillRef>
-          <a:effectRef idx="0">
-            <a:schemeClr val="accent1"/>
-          </a:effectRef>
-          <a:fontRef idx="minor">
-            <a:schemeClr val="lt1"/>
-          </a:fontRef>
-        </p:style>
-        <p:txBody>
-          <a:bodyPr rtlCol="0" anchor="ctr"/>
-          <a:lstStyle/>
-          <a:p>
-            <a:pPr algn="ctr"/>
-            <a:r>
-              <a:rPr lang="ko-KR" altLang="en-US" sz="1400">
-                <a:solidFill>
-                  <a:schemeClr val="bg1"/>
-                </a:solidFill>
-              </a:rPr>
-              <a:t>작성일</a:t>
-            </a:r>
-            <a:endParaRPr lang="ko-KR" altLang="en-US" sz="1400" dirty="0">
-              <a:solidFill>
-                <a:schemeClr val="bg1"/>
-              </a:solidFill>
-            </a:endParaRPr>
-          </a:p>
-        </p:txBody>
-      </p:sp>
-      <p:sp>
-        <p:nvSpPr>
-          <p:cNvPr id="133" name="타원 132"/>
-          <p:cNvSpPr/>
-          <p:nvPr/>
-        </p:nvSpPr>
-        <p:spPr>
-          <a:xfrm>
-            <a:off x="9032720" y="429904"/>
-            <a:ext cx="944640" cy="432843"/>
-          </a:xfrm>
-          <a:prstGeom prst="ellipse">
-            <a:avLst/>
-          </a:prstGeom>
-          <a:solidFill>
-            <a:srgbClr val="008000"/>
-          </a:solidFill>
-          <a:ln>
-            <a:noFill/>
-          </a:ln>
-        </p:spPr>
-        <p:style>
-          <a:lnRef idx="2">
-            <a:schemeClr val="accent1">
-              <a:shade val="50000"/>
-            </a:schemeClr>
-          </a:lnRef>
-          <a:fillRef idx="1">
-            <a:schemeClr val="accent1"/>
-          </a:fillRef>
-          <a:effectRef idx="0">
-            <a:schemeClr val="accent1"/>
-          </a:effectRef>
-          <a:fontRef idx="minor">
-            <a:schemeClr val="lt1"/>
-          </a:fontRef>
-        </p:style>
-        <p:txBody>
-          <a:bodyPr rtlCol="0" anchor="ctr"/>
-          <a:lstStyle/>
-          <a:p>
-            <a:pPr algn="ctr"/>
-            <a:r>
-              <a:rPr lang="ko-KR" altLang="en-US" sz="1400">
-                <a:solidFill>
-                  <a:schemeClr val="bg1"/>
-                </a:solidFill>
-              </a:rPr>
-              <a:t>내용</a:t>
-            </a:r>
-            <a:endParaRPr lang="ko-KR" altLang="en-US" sz="1400" dirty="0">
-              <a:solidFill>
-                <a:schemeClr val="bg1"/>
-              </a:solidFill>
-            </a:endParaRPr>
-          </a:p>
-        </p:txBody>
-      </p:sp>
-      <p:sp>
-        <p:nvSpPr>
-          <p:cNvPr id="134" name="타원 133"/>
-          <p:cNvSpPr/>
-          <p:nvPr/>
-        </p:nvSpPr>
-        <p:spPr>
-          <a:xfrm>
-            <a:off x="9977360" y="429904"/>
-            <a:ext cx="944640" cy="432843"/>
-          </a:xfrm>
-          <a:prstGeom prst="ellipse">
-            <a:avLst/>
-          </a:prstGeom>
-          <a:solidFill>
-            <a:srgbClr val="008000"/>
-          </a:solidFill>
-          <a:ln>
-            <a:noFill/>
-          </a:ln>
-        </p:spPr>
-        <p:style>
-          <a:lnRef idx="2">
-            <a:schemeClr val="accent1">
-              <a:shade val="50000"/>
-            </a:schemeClr>
-          </a:lnRef>
-          <a:fillRef idx="1">
-            <a:schemeClr val="accent1"/>
-          </a:fillRef>
-          <a:effectRef idx="0">
-            <a:schemeClr val="accent1"/>
-          </a:effectRef>
-          <a:fontRef idx="minor">
-            <a:schemeClr val="lt1"/>
-          </a:fontRef>
-        </p:style>
-        <p:txBody>
-          <a:bodyPr rtlCol="0" anchor="ctr"/>
-          <a:lstStyle/>
-          <a:p>
-            <a:pPr algn="ctr"/>
-            <a:r>
-              <a:rPr lang="ko-KR" altLang="en-US" sz="1400">
-                <a:solidFill>
-                  <a:schemeClr val="bg1"/>
-                </a:solidFill>
-              </a:rPr>
-              <a:t>첨부파일</a:t>
-            </a:r>
-            <a:endParaRPr lang="ko-KR" altLang="en-US" sz="1400" dirty="0">
-              <a:solidFill>
-                <a:schemeClr val="bg1"/>
-              </a:solidFill>
-            </a:endParaRPr>
-          </a:p>
-        </p:txBody>
-      </p:sp>
-      <p:sp>
-        <p:nvSpPr>
-          <p:cNvPr id="79" name="순서도: 판단 78"/>
-          <p:cNvSpPr/>
-          <p:nvPr/>
-        </p:nvSpPr>
-        <p:spPr>
-          <a:xfrm>
-            <a:off x="6852448" y="1386680"/>
-            <a:ext cx="1212455" cy="472665"/>
-          </a:xfrm>
-          <a:prstGeom prst="flowChartDecision">
-            <a:avLst/>
-          </a:prstGeom>
-        </p:spPr>
-        <p:style>
-          <a:lnRef idx="2">
-            <a:schemeClr val="accent1">
-              <a:shade val="50000"/>
-            </a:schemeClr>
-          </a:lnRef>
-          <a:fillRef idx="1">
-            <a:schemeClr val="accent1"/>
-          </a:fillRef>
-          <a:effectRef idx="0">
-            <a:schemeClr val="accent1"/>
-          </a:effectRef>
-          <a:fontRef idx="minor">
-            <a:schemeClr val="lt1"/>
-          </a:fontRef>
-        </p:style>
-        <p:txBody>
-          <a:bodyPr rtlCol="0" anchor="ctr"/>
-          <a:lstStyle/>
-          <a:p>
-            <a:pPr algn="ctr"/>
-            <a:r>
-              <a:rPr lang="ko-KR" altLang="en-US" sz="1600"/>
-              <a:t>답변</a:t>
-            </a:r>
-            <a:endParaRPr lang="ko-KR" altLang="en-US" sz="1600" dirty="0"/>
-          </a:p>
-        </p:txBody>
-      </p:sp>
-      <p:sp>
-        <p:nvSpPr>
-          <p:cNvPr id="86" name="순서도: 판단 85"/>
-          <p:cNvSpPr/>
-          <p:nvPr/>
-        </p:nvSpPr>
-        <p:spPr>
-          <a:xfrm>
-            <a:off x="8334828" y="2838298"/>
-            <a:ext cx="1166980" cy="445594"/>
-          </a:xfrm>
-          <a:prstGeom prst="flowChartDecision">
-            <a:avLst/>
-          </a:prstGeom>
-        </p:spPr>
-        <p:style>
-          <a:lnRef idx="2">
-            <a:schemeClr val="accent1">
-              <a:shade val="50000"/>
-            </a:schemeClr>
-          </a:lnRef>
-          <a:fillRef idx="1">
-            <a:schemeClr val="accent1"/>
-          </a:fillRef>
-          <a:effectRef idx="0">
-            <a:schemeClr val="accent1"/>
-          </a:effectRef>
-          <a:fontRef idx="minor">
-            <a:schemeClr val="lt1"/>
-          </a:fontRef>
-        </p:style>
-        <p:txBody>
-          <a:bodyPr rtlCol="0" anchor="ctr"/>
-          <a:lstStyle/>
-          <a:p>
-            <a:pPr algn="ctr"/>
-            <a:r>
-              <a:rPr lang="ko-KR" altLang="en-US" sz="1600" dirty="0"/>
-              <a:t>공지</a:t>
-            </a:r>
-          </a:p>
-        </p:txBody>
-      </p:sp>
-      <p:sp>
-        <p:nvSpPr>
-          <p:cNvPr id="87" name="순서도: 판단 86"/>
-          <p:cNvSpPr/>
-          <p:nvPr/>
-        </p:nvSpPr>
-        <p:spPr>
-          <a:xfrm>
-            <a:off x="3992261" y="1390260"/>
-            <a:ext cx="1333700" cy="472665"/>
-          </a:xfrm>
-          <a:prstGeom prst="flowChartDecision">
-            <a:avLst/>
-          </a:prstGeom>
-        </p:spPr>
-        <p:style>
-          <a:lnRef idx="2">
-            <a:schemeClr val="accent1">
-              <a:shade val="50000"/>
-            </a:schemeClr>
-          </a:lnRef>
-          <a:fillRef idx="1">
-            <a:schemeClr val="accent1"/>
-          </a:fillRef>
-          <a:effectRef idx="0">
-            <a:schemeClr val="accent1"/>
-          </a:effectRef>
-          <a:fontRef idx="minor">
-            <a:schemeClr val="lt1"/>
-          </a:fontRef>
-        </p:style>
-        <p:txBody>
-          <a:bodyPr rtlCol="0" anchor="ctr"/>
-          <a:lstStyle/>
-          <a:p>
-            <a:pPr algn="ctr"/>
-            <a:r>
-              <a:rPr lang="ko-KR" altLang="en-US" sz="1600" dirty="0"/>
-              <a:t>질문</a:t>
-            </a:r>
-          </a:p>
-        </p:txBody>
-      </p:sp>
-      <p:sp>
-        <p:nvSpPr>
-          <p:cNvPr id="89" name="순서도: 판단 88"/>
-          <p:cNvSpPr/>
-          <p:nvPr/>
-        </p:nvSpPr>
-        <p:spPr>
-          <a:xfrm>
-            <a:off x="4228864" y="4245202"/>
-            <a:ext cx="1814273" cy="629118"/>
-          </a:xfrm>
-          <a:prstGeom prst="flowChartDecision">
-            <a:avLst/>
-          </a:prstGeom>
-        </p:spPr>
-        <p:style>
-          <a:lnRef idx="2">
-            <a:schemeClr val="accent1">
-              <a:shade val="50000"/>
-            </a:schemeClr>
-          </a:lnRef>
-          <a:fillRef idx="1">
-            <a:schemeClr val="accent1"/>
-          </a:fillRef>
-          <a:effectRef idx="0">
-            <a:schemeClr val="accent1"/>
-          </a:effectRef>
-          <a:fontRef idx="minor">
-            <a:schemeClr val="lt1"/>
-          </a:fontRef>
-        </p:style>
-        <p:txBody>
-          <a:bodyPr rtlCol="0" anchor="ctr"/>
-          <a:lstStyle/>
-          <a:p>
-            <a:pPr algn="ctr"/>
-            <a:r>
-              <a:rPr lang="ko-KR" altLang="en-US" sz="1400" dirty="0"/>
-              <a:t>정보관리</a:t>
-            </a:r>
-          </a:p>
-        </p:txBody>
-      </p:sp>
-      <p:sp>
-        <p:nvSpPr>
-          <p:cNvPr id="90" name="순서도: 판단 89"/>
-          <p:cNvSpPr/>
-          <p:nvPr/>
-        </p:nvSpPr>
-        <p:spPr>
-          <a:xfrm>
-            <a:off x="8049701" y="4036720"/>
-            <a:ext cx="1351415" cy="472665"/>
-          </a:xfrm>
-          <a:prstGeom prst="flowChartDecision">
-            <a:avLst/>
-          </a:prstGeom>
-        </p:spPr>
-        <p:style>
-          <a:lnRef idx="2">
-            <a:schemeClr val="accent1">
-              <a:shade val="50000"/>
-            </a:schemeClr>
-          </a:lnRef>
-          <a:fillRef idx="1">
-            <a:schemeClr val="accent1"/>
-          </a:fillRef>
-          <a:effectRef idx="0">
-            <a:schemeClr val="accent1"/>
-          </a:effectRef>
-          <a:fontRef idx="minor">
-            <a:schemeClr val="lt1"/>
-          </a:fontRef>
-        </p:style>
-        <p:txBody>
-          <a:bodyPr rtlCol="0" anchor="ctr"/>
-          <a:lstStyle/>
-          <a:p>
-            <a:pPr algn="ctr"/>
-            <a:r>
-              <a:rPr lang="ko-KR" altLang="en-US" sz="1400"/>
-              <a:t>관리</a:t>
-            </a:r>
-            <a:endParaRPr lang="ko-KR" altLang="en-US" sz="1400" dirty="0"/>
-          </a:p>
-        </p:txBody>
-      </p:sp>
       <p:cxnSp>
         <p:nvCxnSpPr>
-          <p:cNvPr id="9" name="연결선: 꺾임 8"/>
+          <p:cNvPr id="102" name="꺾인 연결선 101"/>
           <p:cNvCxnSpPr>
-            <a:stCxn id="89" idx="1"/>
-            <a:endCxn id="6" idx="3"/>
+            <a:stCxn id="35" idx="2"/>
+            <a:endCxn id="100" idx="1"/>
           </p:cNvCxnSpPr>
           <p:nvPr/>
         </p:nvCxnSpPr>
         <p:spPr>
-          <a:xfrm rot="10800000" flipV="1">
-            <a:off x="3813076" y="4559760"/>
-            <a:ext cx="415789" cy="1"/>
-          </a:xfrm>
-          <a:prstGeom prst="bentConnector3">
-            <a:avLst/>
-          </a:prstGeom>
+          <a:xfrm rot="16200000" flipH="1">
+            <a:off x="2412855" y="3926685"/>
+            <a:ext cx="734063" cy="686008"/>
+          </a:xfrm>
+          <a:prstGeom prst="bentConnector2">
+            <a:avLst/>
+          </a:prstGeom>
+          <a:ln>
+            <a:solidFill>
+              <a:schemeClr val="bg1">
+                <a:lumMod val="50000"/>
+              </a:schemeClr>
+            </a:solidFill>
+          </a:ln>
         </p:spPr>
         <p:style>
           <a:lnRef idx="1">
@@ -6214,21 +5421,178 @@
       </p:cxnSp>
       <p:cxnSp>
         <p:nvCxnSpPr>
-          <p:cNvPr id="11" name="연결선: 꺾임 10"/>
+          <p:cNvPr id="104" name="꺾인 연결선 103"/>
           <p:cNvCxnSpPr>
-            <a:stCxn id="89" idx="3"/>
-            <a:endCxn id="5" idx="2"/>
+            <a:stCxn id="43" idx="2"/>
+            <a:endCxn id="100" idx="3"/>
           </p:cNvCxnSpPr>
           <p:nvPr/>
         </p:nvCxnSpPr>
         <p:spPr>
-          <a:xfrm flipV="1">
-            <a:off x="6043137" y="3245154"/>
-            <a:ext cx="1413123" cy="1314607"/>
+          <a:xfrm rot="5400000">
+            <a:off x="4015714" y="3890491"/>
+            <a:ext cx="804546" cy="687914"/>
           </a:xfrm>
           <a:prstGeom prst="bentConnector2">
             <a:avLst/>
           </a:prstGeom>
+          <a:ln>
+            <a:solidFill>
+              <a:schemeClr val="bg1">
+                <a:lumMod val="50000"/>
+              </a:schemeClr>
+            </a:solidFill>
+          </a:ln>
+        </p:spPr>
+        <p:style>
+          <a:lnRef idx="1">
+            <a:schemeClr val="accent1"/>
+          </a:lnRef>
+          <a:fillRef idx="0">
+            <a:schemeClr val="accent1"/>
+          </a:fillRef>
+          <a:effectRef idx="0">
+            <a:schemeClr val="accent1"/>
+          </a:effectRef>
+          <a:fontRef idx="minor">
+            <a:schemeClr val="tx1"/>
+          </a:fontRef>
+        </p:style>
+      </p:cxnSp>
+      <p:sp>
+        <p:nvSpPr>
+          <p:cNvPr id="107" name="순서도: 판단 106"/>
+          <p:cNvSpPr/>
+          <p:nvPr/>
+        </p:nvSpPr>
+        <p:spPr>
+          <a:xfrm>
+            <a:off x="4284737" y="2428924"/>
+            <a:ext cx="951140" cy="591212"/>
+          </a:xfrm>
+          <a:prstGeom prst="flowChartDecision">
+            <a:avLst/>
+          </a:prstGeom>
+          <a:ln>
+            <a:noFill/>
+          </a:ln>
+        </p:spPr>
+        <p:style>
+          <a:lnRef idx="2">
+            <a:schemeClr val="accent1">
+              <a:shade val="50000"/>
+            </a:schemeClr>
+          </a:lnRef>
+          <a:fillRef idx="1">
+            <a:schemeClr val="accent1"/>
+          </a:fillRef>
+          <a:effectRef idx="0">
+            <a:schemeClr val="accent1"/>
+          </a:effectRef>
+          <a:fontRef idx="minor">
+            <a:schemeClr val="lt1"/>
+          </a:fontRef>
+        </p:style>
+        <p:txBody>
+          <a:bodyPr rtlCol="0" anchor="ctr"/>
+          <a:lstStyle/>
+          <a:p>
+            <a:pPr algn="ctr"/>
+            <a:r>
+              <a:rPr lang="ko-KR" altLang="en-US" sz="1000" dirty="0" smtClean="0">
+                <a:solidFill>
+                  <a:schemeClr val="tx1"/>
+                </a:solidFill>
+              </a:rPr>
+              <a:t>정보관리</a:t>
+            </a:r>
+            <a:endParaRPr lang="ko-KR" altLang="en-US" sz="1000" dirty="0">
+              <a:solidFill>
+                <a:schemeClr val="tx1"/>
+              </a:solidFill>
+            </a:endParaRPr>
+          </a:p>
+        </p:txBody>
+      </p:sp>
+      <p:sp>
+        <p:nvSpPr>
+          <p:cNvPr id="113" name="순서도: 판단 112"/>
+          <p:cNvSpPr/>
+          <p:nvPr/>
+        </p:nvSpPr>
+        <p:spPr>
+          <a:xfrm>
+            <a:off x="5627751" y="3333003"/>
+            <a:ext cx="951140" cy="591212"/>
+          </a:xfrm>
+          <a:prstGeom prst="flowChartDecision">
+            <a:avLst/>
+          </a:prstGeom>
+          <a:ln>
+            <a:noFill/>
+          </a:ln>
+        </p:spPr>
+        <p:style>
+          <a:lnRef idx="2">
+            <a:schemeClr val="accent1">
+              <a:shade val="50000"/>
+            </a:schemeClr>
+          </a:lnRef>
+          <a:fillRef idx="1">
+            <a:schemeClr val="accent1"/>
+          </a:fillRef>
+          <a:effectRef idx="0">
+            <a:schemeClr val="accent1"/>
+          </a:effectRef>
+          <a:fontRef idx="minor">
+            <a:schemeClr val="lt1"/>
+          </a:fontRef>
+        </p:style>
+        <p:txBody>
+          <a:bodyPr rtlCol="0" anchor="ctr"/>
+          <a:lstStyle/>
+          <a:p>
+            <a:pPr algn="ctr"/>
+            <a:r>
+              <a:rPr lang="ko-KR" altLang="en-US" sz="1000" dirty="0" smtClean="0">
+                <a:solidFill>
+                  <a:schemeClr val="tx1"/>
+                </a:solidFill>
+              </a:rPr>
+              <a:t>공지</a:t>
+            </a:r>
+            <a:endParaRPr lang="ko-KR" altLang="en-US" sz="1000" dirty="0">
+              <a:solidFill>
+                <a:schemeClr val="tx1"/>
+              </a:solidFill>
+            </a:endParaRPr>
+          </a:p>
+        </p:txBody>
+      </p:sp>
+      <p:cxnSp>
+        <p:nvCxnSpPr>
+          <p:cNvPr id="121" name="직선 연결선 120"/>
+          <p:cNvCxnSpPr>
+            <a:stCxn id="33" idx="2"/>
+            <a:endCxn id="99" idx="0"/>
+          </p:cNvCxnSpPr>
+          <p:nvPr/>
+        </p:nvCxnSpPr>
+        <p:spPr>
+          <a:xfrm>
+            <a:off x="2441015" y="2071415"/>
+            <a:ext cx="0" cy="396554"/>
+          </a:xfrm>
+          <a:prstGeom prst="line">
+            <a:avLst/>
+          </a:prstGeom>
+          <a:ln>
+            <a:solidFill>
+              <a:schemeClr val="bg1">
+                <a:lumMod val="50000"/>
+              </a:schemeClr>
+            </a:solidFill>
+          </a:ln>
         </p:spPr>
         <p:style>
           <a:lnRef idx="1">
@@ -6247,22 +5611,28 @@
       </p:cxnSp>
       <p:cxnSp>
         <p:nvCxnSpPr>
-          <p:cNvPr id="15" name="직선 연결선 14"/>
+          <p:cNvPr id="123" name="직선 연결선 122"/>
           <p:cNvCxnSpPr>
-            <a:cxnSpLocks/>
-            <a:stCxn id="4" idx="3"/>
-            <a:endCxn id="87" idx="1"/>
+            <a:stCxn id="99" idx="2"/>
+            <a:endCxn id="35" idx="0"/>
           </p:cNvCxnSpPr>
           <p:nvPr/>
         </p:nvCxnSpPr>
         <p:spPr>
-          <a:xfrm>
-            <a:off x="3827235" y="1623013"/>
-            <a:ext cx="165026" cy="3580"/>
+          <a:xfrm flipH="1">
+            <a:off x="2436882" y="3059181"/>
+            <a:ext cx="4133" cy="476011"/>
           </a:xfrm>
           <a:prstGeom prst="line">
             <a:avLst/>
           </a:prstGeom>
+          <a:ln>
+            <a:solidFill>
+              <a:schemeClr val="bg1">
+                <a:lumMod val="50000"/>
+              </a:schemeClr>
+            </a:solidFill>
+          </a:ln>
         </p:spPr>
         <p:style>
           <a:lnRef idx="1">
@@ -6281,21 +5651,28 @@
       </p:cxnSp>
       <p:cxnSp>
         <p:nvCxnSpPr>
-          <p:cNvPr id="18" name="직선 연결선 17"/>
+          <p:cNvPr id="125" name="직선 연결선 124"/>
           <p:cNvCxnSpPr>
-            <a:stCxn id="87" idx="3"/>
-            <a:endCxn id="29" idx="1"/>
+            <a:stCxn id="36" idx="2"/>
+            <a:endCxn id="107" idx="0"/>
           </p:cNvCxnSpPr>
           <p:nvPr/>
         </p:nvCxnSpPr>
         <p:spPr>
           <a:xfrm>
-            <a:off x="5325961" y="1626593"/>
-            <a:ext cx="129194" cy="1068"/>
+            <a:off x="4760307" y="2071684"/>
+            <a:ext cx="0" cy="357240"/>
           </a:xfrm>
           <a:prstGeom prst="line">
             <a:avLst/>
           </a:prstGeom>
+          <a:ln>
+            <a:solidFill>
+              <a:schemeClr val="bg1">
+                <a:lumMod val="50000"/>
+              </a:schemeClr>
+            </a:solidFill>
+          </a:ln>
         </p:spPr>
         <p:style>
           <a:lnRef idx="1">
@@ -6314,21 +5691,28 @@
       </p:cxnSp>
       <p:cxnSp>
         <p:nvCxnSpPr>
-          <p:cNvPr id="20" name="직선 연결선 19"/>
+          <p:cNvPr id="127" name="직선 연결선 126"/>
           <p:cNvCxnSpPr>
-            <a:stCxn id="29" idx="3"/>
-            <a:endCxn id="79" idx="1"/>
+            <a:stCxn id="107" idx="2"/>
+            <a:endCxn id="43" idx="0"/>
           </p:cNvCxnSpPr>
           <p:nvPr/>
         </p:nvCxnSpPr>
         <p:spPr>
-          <a:xfrm flipV="1">
-            <a:off x="6656681" y="1623013"/>
-            <a:ext cx="195767" cy="4648"/>
+          <a:xfrm>
+            <a:off x="4760307" y="3020136"/>
+            <a:ext cx="1637" cy="444573"/>
           </a:xfrm>
           <a:prstGeom prst="line">
             <a:avLst/>
           </a:prstGeom>
+          <a:ln>
+            <a:solidFill>
+              <a:schemeClr val="bg1">
+                <a:lumMod val="50000"/>
+              </a:schemeClr>
+            </a:solidFill>
+          </a:ln>
         </p:spPr>
         <p:style>
           <a:lnRef idx="1">
@@ -6347,21 +5731,28 @@
       </p:cxnSp>
       <p:cxnSp>
         <p:nvCxnSpPr>
-          <p:cNvPr id="24" name="연결선: 꺾임 23"/>
+          <p:cNvPr id="130" name="직선 연결선 129"/>
           <p:cNvCxnSpPr>
-            <a:stCxn id="79" idx="2"/>
-            <a:endCxn id="5" idx="0"/>
+            <a:stCxn id="43" idx="3"/>
+            <a:endCxn id="113" idx="1"/>
           </p:cNvCxnSpPr>
           <p:nvPr/>
         </p:nvCxnSpPr>
         <p:spPr>
-          <a:xfrm rot="5400000">
-            <a:off x="6943731" y="2371874"/>
-            <a:ext cx="1027475" cy="2416"/>
-          </a:xfrm>
-          <a:prstGeom prst="bentConnector3">
-            <a:avLst/>
-          </a:prstGeom>
+          <a:xfrm flipV="1">
+            <a:off x="5237514" y="3628609"/>
+            <a:ext cx="390237" cy="19833"/>
+          </a:xfrm>
+          <a:prstGeom prst="line">
+            <a:avLst/>
+          </a:prstGeom>
+          <a:ln>
+            <a:solidFill>
+              <a:schemeClr val="bg1">
+                <a:lumMod val="50000"/>
+              </a:schemeClr>
+            </a:solidFill>
+          </a:ln>
         </p:spPr>
         <p:style>
           <a:lnRef idx="1">
@@ -6380,21 +5771,126 @@
       </p:cxnSp>
       <p:cxnSp>
         <p:nvCxnSpPr>
-          <p:cNvPr id="35" name="연결선: 꺾임 34"/>
+          <p:cNvPr id="132" name="직선 연결선 131"/>
           <p:cNvCxnSpPr>
-            <a:stCxn id="5" idx="2"/>
-            <a:endCxn id="90" idx="1"/>
+            <a:stCxn id="113" idx="3"/>
+            <a:endCxn id="44" idx="1"/>
           </p:cNvCxnSpPr>
           <p:nvPr/>
         </p:nvCxnSpPr>
         <p:spPr>
-          <a:xfrm rot="16200000" flipH="1">
-            <a:off x="7239031" y="3462382"/>
-            <a:ext cx="1027899" cy="593441"/>
-          </a:xfrm>
-          <a:prstGeom prst="bentConnector2">
-            <a:avLst/>
-          </a:prstGeom>
+          <a:xfrm>
+            <a:off x="6578891" y="3628609"/>
+            <a:ext cx="333005" cy="7758"/>
+          </a:xfrm>
+          <a:prstGeom prst="line">
+            <a:avLst/>
+          </a:prstGeom>
+          <a:ln>
+            <a:solidFill>
+              <a:schemeClr val="bg1">
+                <a:lumMod val="50000"/>
+              </a:schemeClr>
+            </a:solidFill>
+          </a:ln>
+        </p:spPr>
+        <p:style>
+          <a:lnRef idx="1">
+            <a:schemeClr val="accent1"/>
+          </a:lnRef>
+          <a:fillRef idx="0">
+            <a:schemeClr val="accent1"/>
+          </a:fillRef>
+          <a:effectRef idx="0">
+            <a:schemeClr val="accent1"/>
+          </a:effectRef>
+          <a:fontRef idx="minor">
+            <a:schemeClr val="tx1"/>
+          </a:fontRef>
+        </p:style>
+      </p:cxnSp>
+      <p:sp>
+        <p:nvSpPr>
+          <p:cNvPr id="135" name="순서도: 판단 134"/>
+          <p:cNvSpPr/>
+          <p:nvPr/>
+        </p:nvSpPr>
+        <p:spPr>
+          <a:xfrm>
+            <a:off x="5635987" y="4193018"/>
+            <a:ext cx="951140" cy="591212"/>
+          </a:xfrm>
+          <a:prstGeom prst="flowChartDecision">
+            <a:avLst/>
+          </a:prstGeom>
+          <a:ln>
+            <a:noFill/>
+          </a:ln>
+        </p:spPr>
+        <p:style>
+          <a:lnRef idx="2">
+            <a:schemeClr val="accent1">
+              <a:shade val="50000"/>
+            </a:schemeClr>
+          </a:lnRef>
+          <a:fillRef idx="1">
+            <a:schemeClr val="accent1"/>
+          </a:fillRef>
+          <a:effectRef idx="0">
+            <a:schemeClr val="accent1"/>
+          </a:effectRef>
+          <a:fontRef idx="minor">
+            <a:schemeClr val="lt1"/>
+          </a:fontRef>
+        </p:style>
+        <p:txBody>
+          <a:bodyPr rtlCol="0" anchor="ctr"/>
+          <a:lstStyle/>
+          <a:p>
+            <a:pPr algn="ctr"/>
+            <a:r>
+              <a:rPr lang="ko-KR" altLang="en-US" sz="1000" dirty="0" smtClean="0">
+                <a:solidFill>
+                  <a:schemeClr val="tx1"/>
+                </a:solidFill>
+              </a:rPr>
+              <a:t>관</a:t>
+            </a:r>
+            <a:r>
+              <a:rPr lang="ko-KR" altLang="en-US" sz="1000" dirty="0">
+                <a:solidFill>
+                  <a:schemeClr val="tx1"/>
+                </a:solidFill>
+              </a:rPr>
+              <a:t>리</a:t>
+            </a:r>
+          </a:p>
+        </p:txBody>
+      </p:sp>
+      <p:cxnSp>
+        <p:nvCxnSpPr>
+          <p:cNvPr id="137" name="직선 연결선 136"/>
+          <p:cNvCxnSpPr>
+            <a:stCxn id="135" idx="3"/>
+            <a:endCxn id="45" idx="1"/>
+          </p:cNvCxnSpPr>
+          <p:nvPr/>
+        </p:nvCxnSpPr>
+        <p:spPr>
+          <a:xfrm flipV="1">
+            <a:off x="6587127" y="4484947"/>
+            <a:ext cx="337845" cy="3677"/>
+          </a:xfrm>
+          <a:prstGeom prst="line">
+            <a:avLst/>
+          </a:prstGeom>
+          <a:ln>
+            <a:solidFill>
+              <a:schemeClr val="bg1">
+                <a:lumMod val="50000"/>
+              </a:schemeClr>
+            </a:solidFill>
+          </a:ln>
         </p:spPr>
         <p:style>
           <a:lnRef idx="1">
@@ -6413,21 +5909,27 @@
       </p:cxnSp>
       <p:cxnSp>
         <p:nvCxnSpPr>
-          <p:cNvPr id="39" name="직선 연결선 38"/>
+          <p:cNvPr id="139" name="꺾인 연결선 138"/>
           <p:cNvCxnSpPr>
-            <a:stCxn id="28" idx="1"/>
-            <a:endCxn id="90" idx="3"/>
+            <a:endCxn id="135" idx="1"/>
           </p:cNvCxnSpPr>
           <p:nvPr/>
         </p:nvCxnSpPr>
         <p:spPr>
-          <a:xfrm flipH="1" flipV="1">
-            <a:off x="9401116" y="4273053"/>
-            <a:ext cx="100692" cy="5140"/>
-          </a:xfrm>
-          <a:prstGeom prst="line">
-            <a:avLst/>
-          </a:prstGeom>
+          <a:xfrm rot="16200000" flipH="1">
+            <a:off x="5078589" y="3931225"/>
+            <a:ext cx="616401" cy="498396"/>
+          </a:xfrm>
+          <a:prstGeom prst="bentConnector2">
+            <a:avLst/>
+          </a:prstGeom>
+          <a:ln>
+            <a:solidFill>
+              <a:schemeClr val="bg1">
+                <a:lumMod val="50000"/>
+              </a:schemeClr>
+            </a:solidFill>
+          </a:ln>
         </p:spPr>
         <p:style>
           <a:lnRef idx="1">
@@ -6446,26 +5948,25 @@
       </p:cxnSp>
       <p:sp>
         <p:nvSpPr>
-          <p:cNvPr id="101" name="타원 100"/>
+          <p:cNvPr id="142" name="타원 141"/>
           <p:cNvSpPr/>
           <p:nvPr/>
         </p:nvSpPr>
         <p:spPr>
           <a:xfrm>
-            <a:off x="5037110" y="0"/>
-            <a:ext cx="1060678" cy="432843"/>
+            <a:off x="4203660" y="5876062"/>
+            <a:ext cx="726191" cy="524947"/>
           </a:xfrm>
           <a:prstGeom prst="ellipse">
             <a:avLst/>
           </a:prstGeom>
           <a:solidFill>
-            <a:schemeClr val="accent2">
-              <a:lumMod val="60000"/>
-              <a:lumOff val="40000"/>
-            </a:schemeClr>
+            <a:srgbClr val="FF7C80"/>
           </a:solidFill>
           <a:ln>
-            <a:noFill/>
+            <a:solidFill>
+              <a:srgbClr val="FF7C80"/>
+            </a:solidFill>
           </a:ln>
         </p:spPr>
         <p:style>
@@ -6490,34 +5991,42 @@
           <a:p>
             <a:pPr algn="ctr"/>
             <a:r>
-              <a:rPr lang="ko-KR" altLang="en-US" sz="1400" dirty="0"/>
-              <a:t>개인정보수집</a:t>
-            </a:r>
-          </a:p>
-        </p:txBody>
-      </p:sp>
-      <p:sp>
-        <p:nvSpPr>
-          <p:cNvPr id="103" name="타원 102"/>
+              <a:rPr lang="ko-KR" altLang="en-US" sz="1000" dirty="0" smtClean="0">
+                <a:solidFill>
+                  <a:schemeClr val="tx1"/>
+                </a:solidFill>
+              </a:rPr>
+              <a:t>사원번호</a:t>
+            </a:r>
+            <a:endParaRPr lang="ko-KR" altLang="en-US" sz="1000" dirty="0">
+              <a:solidFill>
+                <a:schemeClr val="tx1"/>
+              </a:solidFill>
+            </a:endParaRPr>
+          </a:p>
+        </p:txBody>
+      </p:sp>
+      <p:sp>
+        <p:nvSpPr>
+          <p:cNvPr id="143" name="타원 142"/>
           <p:cNvSpPr/>
           <p:nvPr/>
         </p:nvSpPr>
         <p:spPr>
           <a:xfrm>
-            <a:off x="5037110" y="432843"/>
-            <a:ext cx="1003094" cy="508545"/>
+            <a:off x="279403" y="3788183"/>
+            <a:ext cx="726191" cy="524947"/>
           </a:xfrm>
           <a:prstGeom prst="ellipse">
             <a:avLst/>
           </a:prstGeom>
           <a:solidFill>
-            <a:schemeClr val="accent2">
-              <a:lumMod val="60000"/>
-              <a:lumOff val="40000"/>
-            </a:schemeClr>
+            <a:srgbClr val="6699FF"/>
           </a:solidFill>
           <a:ln>
-            <a:noFill/>
+            <a:solidFill>
+              <a:srgbClr val="6699FF"/>
+            </a:solidFill>
           </a:ln>
         </p:spPr>
         <p:style>
@@ -6542,39 +6051,42 @@
           <a:p>
             <a:pPr algn="ctr"/>
             <a:r>
-              <a:rPr lang="ko-KR" altLang="en-US" sz="1400"/>
-              <a:t>제</a:t>
-            </a:r>
-            <a:r>
-              <a:rPr lang="en-US" altLang="ko-KR" sz="1400" dirty="0"/>
-              <a:t>3</a:t>
-            </a:r>
-            <a:r>
-              <a:rPr lang="ko-KR" altLang="en-US" sz="1400" dirty="0"/>
-              <a:t>자제공동의</a:t>
-            </a:r>
-          </a:p>
-        </p:txBody>
-      </p:sp>
-      <p:sp>
-        <p:nvSpPr>
-          <p:cNvPr id="91" name="타원 90"/>
+              <a:rPr lang="ko-KR" altLang="en-US" sz="1000" dirty="0" smtClean="0">
+                <a:solidFill>
+                  <a:schemeClr val="tx1"/>
+                </a:solidFill>
+              </a:rPr>
+              <a:t>개인정보수집</a:t>
+            </a:r>
+            <a:endParaRPr lang="ko-KR" altLang="en-US" sz="1000" dirty="0">
+              <a:solidFill>
+                <a:schemeClr val="tx1"/>
+              </a:solidFill>
+            </a:endParaRPr>
+          </a:p>
+        </p:txBody>
+      </p:sp>
+      <p:sp>
+        <p:nvSpPr>
+          <p:cNvPr id="144" name="타원 143"/>
           <p:cNvSpPr/>
           <p:nvPr/>
         </p:nvSpPr>
         <p:spPr>
           <a:xfrm>
-            <a:off x="944640" y="3606392"/>
-            <a:ext cx="944640" cy="432843"/>
+            <a:off x="4193051" y="4737036"/>
+            <a:ext cx="726191" cy="524947"/>
           </a:xfrm>
           <a:prstGeom prst="ellipse">
             <a:avLst/>
           </a:prstGeom>
           <a:solidFill>
-            <a:srgbClr val="00B050"/>
+            <a:srgbClr val="FF7C80"/>
           </a:solidFill>
           <a:ln>
-            <a:noFill/>
+            <a:solidFill>
+              <a:srgbClr val="FF7C80"/>
+            </a:solidFill>
           </a:ln>
         </p:spPr>
         <p:style>
@@ -6599,17 +6111,1595 @@
           <a:p>
             <a:pPr algn="ctr"/>
             <a:r>
-              <a:rPr lang="ko-KR" altLang="en-US" sz="1400" dirty="0" smtClean="0"/>
-              <a:t>결제유무</a:t>
-            </a:r>
-            <a:endParaRPr lang="ko-KR" altLang="en-US" sz="1400" dirty="0"/>
+              <a:rPr lang="ko-KR" altLang="en-US" sz="1000" b="1" u="sng" dirty="0" smtClean="0">
+                <a:solidFill>
+                  <a:schemeClr val="tx1"/>
+                </a:solidFill>
+              </a:rPr>
+              <a:t>일련번호</a:t>
+            </a:r>
+            <a:endParaRPr lang="ko-KR" altLang="en-US" sz="1000" b="1" u="sng" dirty="0">
+              <a:solidFill>
+                <a:schemeClr val="tx1"/>
+              </a:solidFill>
+            </a:endParaRPr>
+          </a:p>
+        </p:txBody>
+      </p:sp>
+      <p:sp>
+        <p:nvSpPr>
+          <p:cNvPr id="147" name="타원 146"/>
+          <p:cNvSpPr/>
+          <p:nvPr/>
+        </p:nvSpPr>
+        <p:spPr>
+          <a:xfrm>
+            <a:off x="1022276" y="3767292"/>
+            <a:ext cx="726191" cy="524947"/>
+          </a:xfrm>
+          <a:prstGeom prst="ellipse">
+            <a:avLst/>
+          </a:prstGeom>
+          <a:solidFill>
+            <a:srgbClr val="6699FF"/>
+          </a:solidFill>
+          <a:ln>
+            <a:solidFill>
+              <a:srgbClr val="6699FF"/>
+            </a:solidFill>
+          </a:ln>
+        </p:spPr>
+        <p:style>
+          <a:lnRef idx="2">
+            <a:schemeClr val="accent1">
+              <a:shade val="50000"/>
+            </a:schemeClr>
+          </a:lnRef>
+          <a:fillRef idx="1">
+            <a:schemeClr val="accent1"/>
+          </a:fillRef>
+          <a:effectRef idx="0">
+            <a:schemeClr val="accent1"/>
+          </a:effectRef>
+          <a:fontRef idx="minor">
+            <a:schemeClr val="lt1"/>
+          </a:fontRef>
+        </p:style>
+        <p:txBody>
+          <a:bodyPr rtlCol="0" anchor="ctr"/>
+          <a:lstStyle/>
+          <a:p>
+            <a:pPr algn="ctr"/>
+            <a:r>
+              <a:rPr lang="ko-KR" altLang="en-US" sz="1000" dirty="0" smtClean="0">
+                <a:solidFill>
+                  <a:schemeClr val="tx1"/>
+                </a:solidFill>
+              </a:rPr>
+              <a:t>제</a:t>
+            </a:r>
+            <a:r>
+              <a:rPr lang="en-US" altLang="ko-KR" sz="1000" dirty="0" smtClean="0">
+                <a:solidFill>
+                  <a:schemeClr val="tx1"/>
+                </a:solidFill>
+              </a:rPr>
+              <a:t>3</a:t>
+            </a:r>
+            <a:r>
+              <a:rPr lang="ko-KR" altLang="en-US" sz="1000" dirty="0" smtClean="0">
+                <a:solidFill>
+                  <a:schemeClr val="tx1"/>
+                </a:solidFill>
+              </a:rPr>
+              <a:t>자 제공동의</a:t>
+            </a:r>
+            <a:endParaRPr lang="ko-KR" altLang="en-US" sz="1000" dirty="0">
+              <a:solidFill>
+                <a:schemeClr val="tx1"/>
+              </a:solidFill>
+            </a:endParaRPr>
+          </a:p>
+        </p:txBody>
+      </p:sp>
+      <p:sp>
+        <p:nvSpPr>
+          <p:cNvPr id="148" name="타원 147"/>
+          <p:cNvSpPr/>
+          <p:nvPr/>
+        </p:nvSpPr>
+        <p:spPr>
+          <a:xfrm>
+            <a:off x="8007052" y="2979948"/>
+            <a:ext cx="726191" cy="524947"/>
+          </a:xfrm>
+          <a:prstGeom prst="ellipse">
+            <a:avLst/>
+          </a:prstGeom>
+          <a:solidFill>
+            <a:srgbClr val="92D050"/>
+          </a:solidFill>
+          <a:ln>
+            <a:solidFill>
+              <a:srgbClr val="92D050"/>
+            </a:solidFill>
+          </a:ln>
+        </p:spPr>
+        <p:style>
+          <a:lnRef idx="2">
+            <a:schemeClr val="accent1">
+              <a:shade val="50000"/>
+            </a:schemeClr>
+          </a:lnRef>
+          <a:fillRef idx="1">
+            <a:schemeClr val="accent1"/>
+          </a:fillRef>
+          <a:effectRef idx="0">
+            <a:schemeClr val="accent1"/>
+          </a:effectRef>
+          <a:fontRef idx="minor">
+            <a:schemeClr val="lt1"/>
+          </a:fontRef>
+        </p:style>
+        <p:txBody>
+          <a:bodyPr rtlCol="0" anchor="ctr"/>
+          <a:lstStyle/>
+          <a:p>
+            <a:pPr algn="ctr"/>
+            <a:r>
+              <a:rPr lang="ko-KR" altLang="en-US" sz="1000" dirty="0" smtClean="0">
+                <a:solidFill>
+                  <a:schemeClr val="tx1"/>
+                </a:solidFill>
+              </a:rPr>
+              <a:t>사원명</a:t>
+            </a:r>
+            <a:endParaRPr lang="ko-KR" altLang="en-US" sz="1000" dirty="0">
+              <a:solidFill>
+                <a:schemeClr val="tx1"/>
+              </a:solidFill>
+            </a:endParaRPr>
+          </a:p>
+        </p:txBody>
+      </p:sp>
+      <p:sp>
+        <p:nvSpPr>
+          <p:cNvPr id="149" name="타원 148"/>
+          <p:cNvSpPr/>
+          <p:nvPr/>
+        </p:nvSpPr>
+        <p:spPr>
+          <a:xfrm>
+            <a:off x="8007052" y="4127332"/>
+            <a:ext cx="726191" cy="524947"/>
+          </a:xfrm>
+          <a:prstGeom prst="ellipse">
+            <a:avLst/>
+          </a:prstGeom>
+          <a:solidFill>
+            <a:srgbClr val="92D050"/>
+          </a:solidFill>
+          <a:ln>
+            <a:solidFill>
+              <a:srgbClr val="92D050"/>
+            </a:solidFill>
+          </a:ln>
+        </p:spPr>
+        <p:style>
+          <a:lnRef idx="2">
+            <a:schemeClr val="accent1">
+              <a:shade val="50000"/>
+            </a:schemeClr>
+          </a:lnRef>
+          <a:fillRef idx="1">
+            <a:schemeClr val="accent1"/>
+          </a:fillRef>
+          <a:effectRef idx="0">
+            <a:schemeClr val="accent1"/>
+          </a:effectRef>
+          <a:fontRef idx="minor">
+            <a:schemeClr val="lt1"/>
+          </a:fontRef>
+        </p:style>
+        <p:txBody>
+          <a:bodyPr rtlCol="0" anchor="ctr"/>
+          <a:lstStyle/>
+          <a:p>
+            <a:pPr algn="ctr"/>
+            <a:r>
+              <a:rPr lang="ko-KR" altLang="en-US" sz="1000" dirty="0" err="1" smtClean="0">
+                <a:solidFill>
+                  <a:schemeClr val="tx1"/>
+                </a:solidFill>
+              </a:rPr>
+              <a:t>글제목</a:t>
+            </a:r>
+            <a:endParaRPr lang="ko-KR" altLang="en-US" sz="1000" dirty="0">
+              <a:solidFill>
+                <a:schemeClr val="tx1"/>
+              </a:solidFill>
+            </a:endParaRPr>
+          </a:p>
+        </p:txBody>
+      </p:sp>
+      <p:sp>
+        <p:nvSpPr>
+          <p:cNvPr id="150" name="타원 149"/>
+          <p:cNvSpPr/>
+          <p:nvPr/>
+        </p:nvSpPr>
+        <p:spPr>
+          <a:xfrm>
+            <a:off x="8007052" y="3551268"/>
+            <a:ext cx="726191" cy="524947"/>
+          </a:xfrm>
+          <a:prstGeom prst="ellipse">
+            <a:avLst/>
+          </a:prstGeom>
+          <a:solidFill>
+            <a:srgbClr val="92D050"/>
+          </a:solidFill>
+          <a:ln>
+            <a:solidFill>
+              <a:srgbClr val="92D050"/>
+            </a:solidFill>
+          </a:ln>
+        </p:spPr>
+        <p:style>
+          <a:lnRef idx="2">
+            <a:schemeClr val="accent1">
+              <a:shade val="50000"/>
+            </a:schemeClr>
+          </a:lnRef>
+          <a:fillRef idx="1">
+            <a:schemeClr val="accent1"/>
+          </a:fillRef>
+          <a:effectRef idx="0">
+            <a:schemeClr val="accent1"/>
+          </a:effectRef>
+          <a:fontRef idx="minor">
+            <a:schemeClr val="lt1"/>
+          </a:fontRef>
+        </p:style>
+        <p:txBody>
+          <a:bodyPr rtlCol="0" anchor="ctr"/>
+          <a:lstStyle/>
+          <a:p>
+            <a:pPr algn="ctr"/>
+            <a:r>
+              <a:rPr lang="ko-KR" altLang="en-US" sz="1000" dirty="0" smtClean="0">
+                <a:solidFill>
+                  <a:schemeClr val="tx1"/>
+                </a:solidFill>
+              </a:rPr>
+              <a:t>담당자</a:t>
+            </a:r>
+            <a:endParaRPr lang="ko-KR" altLang="en-US" sz="1000" dirty="0">
+              <a:solidFill>
+                <a:schemeClr val="tx1"/>
+              </a:solidFill>
+            </a:endParaRPr>
+          </a:p>
+        </p:txBody>
+      </p:sp>
+      <p:sp>
+        <p:nvSpPr>
+          <p:cNvPr id="151" name="타원 150"/>
+          <p:cNvSpPr/>
+          <p:nvPr/>
+        </p:nvSpPr>
+        <p:spPr>
+          <a:xfrm>
+            <a:off x="8007052" y="4703396"/>
+            <a:ext cx="726191" cy="524947"/>
+          </a:xfrm>
+          <a:prstGeom prst="ellipse">
+            <a:avLst/>
+          </a:prstGeom>
+          <a:solidFill>
+            <a:srgbClr val="92D050"/>
+          </a:solidFill>
+          <a:ln>
+            <a:solidFill>
+              <a:srgbClr val="92D050"/>
+            </a:solidFill>
+          </a:ln>
+        </p:spPr>
+        <p:style>
+          <a:lnRef idx="2">
+            <a:schemeClr val="accent1">
+              <a:shade val="50000"/>
+            </a:schemeClr>
+          </a:lnRef>
+          <a:fillRef idx="1">
+            <a:schemeClr val="accent1"/>
+          </a:fillRef>
+          <a:effectRef idx="0">
+            <a:schemeClr val="accent1"/>
+          </a:effectRef>
+          <a:fontRef idx="minor">
+            <a:schemeClr val="lt1"/>
+          </a:fontRef>
+        </p:style>
+        <p:txBody>
+          <a:bodyPr rtlCol="0" anchor="ctr"/>
+          <a:lstStyle/>
+          <a:p>
+            <a:pPr algn="ctr"/>
+            <a:r>
+              <a:rPr lang="ko-KR" altLang="en-US" sz="1000" dirty="0" err="1" smtClean="0">
+                <a:solidFill>
+                  <a:schemeClr val="tx1"/>
+                </a:solidFill>
+              </a:rPr>
+              <a:t>글내용</a:t>
+            </a:r>
+            <a:endParaRPr lang="ko-KR" altLang="en-US" sz="1000" dirty="0">
+              <a:solidFill>
+                <a:schemeClr val="tx1"/>
+              </a:solidFill>
+            </a:endParaRPr>
+          </a:p>
+        </p:txBody>
+      </p:sp>
+      <p:sp>
+        <p:nvSpPr>
+          <p:cNvPr id="152" name="타원 151"/>
+          <p:cNvSpPr/>
+          <p:nvPr/>
+        </p:nvSpPr>
+        <p:spPr>
+          <a:xfrm>
+            <a:off x="8007051" y="5279460"/>
+            <a:ext cx="726191" cy="524947"/>
+          </a:xfrm>
+          <a:prstGeom prst="ellipse">
+            <a:avLst/>
+          </a:prstGeom>
+          <a:solidFill>
+            <a:srgbClr val="92D050"/>
+          </a:solidFill>
+          <a:ln>
+            <a:solidFill>
+              <a:srgbClr val="92D050"/>
+            </a:solidFill>
+          </a:ln>
+        </p:spPr>
+        <p:style>
+          <a:lnRef idx="2">
+            <a:schemeClr val="accent1">
+              <a:shade val="50000"/>
+            </a:schemeClr>
+          </a:lnRef>
+          <a:fillRef idx="1">
+            <a:schemeClr val="accent1"/>
+          </a:fillRef>
+          <a:effectRef idx="0">
+            <a:schemeClr val="accent1"/>
+          </a:effectRef>
+          <a:fontRef idx="minor">
+            <a:schemeClr val="lt1"/>
+          </a:fontRef>
+        </p:style>
+        <p:txBody>
+          <a:bodyPr rtlCol="0" anchor="ctr"/>
+          <a:lstStyle/>
+          <a:p>
+            <a:pPr algn="ctr"/>
+            <a:r>
+              <a:rPr lang="ko-KR" altLang="en-US" sz="1000" dirty="0" err="1" smtClean="0">
+                <a:solidFill>
+                  <a:schemeClr val="tx1"/>
+                </a:solidFill>
+              </a:rPr>
+              <a:t>작성일시</a:t>
+            </a:r>
+            <a:endParaRPr lang="ko-KR" altLang="en-US" sz="1000" dirty="0">
+              <a:solidFill>
+                <a:schemeClr val="tx1"/>
+              </a:solidFill>
+            </a:endParaRPr>
+          </a:p>
+        </p:txBody>
+      </p:sp>
+      <p:sp>
+        <p:nvSpPr>
+          <p:cNvPr id="153" name="타원 152"/>
+          <p:cNvSpPr/>
+          <p:nvPr/>
+        </p:nvSpPr>
+        <p:spPr>
+          <a:xfrm>
+            <a:off x="5525472" y="1625209"/>
+            <a:ext cx="726191" cy="524947"/>
+          </a:xfrm>
+          <a:prstGeom prst="ellipse">
+            <a:avLst/>
+          </a:prstGeom>
+          <a:solidFill>
+            <a:srgbClr val="CC66FF"/>
+          </a:solidFill>
+          <a:ln>
+            <a:solidFill>
+              <a:srgbClr val="CC66FF"/>
+            </a:solidFill>
+          </a:ln>
+        </p:spPr>
+        <p:style>
+          <a:lnRef idx="2">
+            <a:schemeClr val="accent1">
+              <a:shade val="50000"/>
+            </a:schemeClr>
+          </a:lnRef>
+          <a:fillRef idx="1">
+            <a:schemeClr val="accent1"/>
+          </a:fillRef>
+          <a:effectRef idx="0">
+            <a:schemeClr val="accent1"/>
+          </a:effectRef>
+          <a:fontRef idx="minor">
+            <a:schemeClr val="lt1"/>
+          </a:fontRef>
+        </p:style>
+        <p:txBody>
+          <a:bodyPr rtlCol="0" anchor="ctr"/>
+          <a:lstStyle/>
+          <a:p>
+            <a:pPr algn="ctr"/>
+            <a:r>
+              <a:rPr lang="ko-KR" altLang="en-US" sz="1000" dirty="0" smtClean="0">
+                <a:solidFill>
+                  <a:schemeClr val="tx1"/>
+                </a:solidFill>
+              </a:rPr>
+              <a:t>어른</a:t>
+            </a:r>
+            <a:endParaRPr lang="ko-KR" altLang="en-US" sz="1000" dirty="0">
+              <a:solidFill>
+                <a:schemeClr val="tx1"/>
+              </a:solidFill>
+            </a:endParaRPr>
+          </a:p>
+        </p:txBody>
+      </p:sp>
+      <p:sp>
+        <p:nvSpPr>
+          <p:cNvPr id="154" name="타원 153"/>
+          <p:cNvSpPr/>
+          <p:nvPr/>
+        </p:nvSpPr>
+        <p:spPr>
+          <a:xfrm>
+            <a:off x="6306515" y="1607052"/>
+            <a:ext cx="726191" cy="524947"/>
+          </a:xfrm>
+          <a:prstGeom prst="ellipse">
+            <a:avLst/>
+          </a:prstGeom>
+          <a:solidFill>
+            <a:srgbClr val="CC66FF"/>
+          </a:solidFill>
+          <a:ln>
+            <a:solidFill>
+              <a:srgbClr val="CC66FF"/>
+            </a:solidFill>
+          </a:ln>
+        </p:spPr>
+        <p:style>
+          <a:lnRef idx="2">
+            <a:schemeClr val="accent1">
+              <a:shade val="50000"/>
+            </a:schemeClr>
+          </a:lnRef>
+          <a:fillRef idx="1">
+            <a:schemeClr val="accent1"/>
+          </a:fillRef>
+          <a:effectRef idx="0">
+            <a:schemeClr val="accent1"/>
+          </a:effectRef>
+          <a:fontRef idx="minor">
+            <a:schemeClr val="lt1"/>
+          </a:fontRef>
+        </p:style>
+        <p:txBody>
+          <a:bodyPr rtlCol="0" anchor="ctr"/>
+          <a:lstStyle/>
+          <a:p>
+            <a:pPr algn="ctr"/>
+            <a:r>
+              <a:rPr lang="ko-KR" altLang="en-US" sz="1000" dirty="0" smtClean="0">
+                <a:solidFill>
+                  <a:schemeClr val="tx1"/>
+                </a:solidFill>
+              </a:rPr>
+              <a:t>어린이</a:t>
+            </a:r>
+            <a:endParaRPr lang="ko-KR" altLang="en-US" sz="1000" dirty="0">
+              <a:solidFill>
+                <a:schemeClr val="tx1"/>
+              </a:solidFill>
+            </a:endParaRPr>
+          </a:p>
+        </p:txBody>
+      </p:sp>
+      <p:sp>
+        <p:nvSpPr>
+          <p:cNvPr id="155" name="타원 154"/>
+          <p:cNvSpPr/>
+          <p:nvPr/>
+        </p:nvSpPr>
+        <p:spPr>
+          <a:xfrm>
+            <a:off x="7087032" y="1607052"/>
+            <a:ext cx="726191" cy="524947"/>
+          </a:xfrm>
+          <a:prstGeom prst="ellipse">
+            <a:avLst/>
+          </a:prstGeom>
+          <a:solidFill>
+            <a:srgbClr val="CC66FF"/>
+          </a:solidFill>
+          <a:ln>
+            <a:solidFill>
+              <a:srgbClr val="CC66FF"/>
+            </a:solidFill>
+          </a:ln>
+        </p:spPr>
+        <p:style>
+          <a:lnRef idx="2">
+            <a:schemeClr val="accent1">
+              <a:shade val="50000"/>
+            </a:schemeClr>
+          </a:lnRef>
+          <a:fillRef idx="1">
+            <a:schemeClr val="accent1"/>
+          </a:fillRef>
+          <a:effectRef idx="0">
+            <a:schemeClr val="accent1"/>
+          </a:effectRef>
+          <a:fontRef idx="minor">
+            <a:schemeClr val="lt1"/>
+          </a:fontRef>
+        </p:style>
+        <p:txBody>
+          <a:bodyPr rtlCol="0" anchor="ctr"/>
+          <a:lstStyle/>
+          <a:p>
+            <a:pPr algn="ctr"/>
+            <a:r>
+              <a:rPr lang="ko-KR" altLang="en-US" sz="1000" dirty="0" smtClean="0">
+                <a:solidFill>
+                  <a:schemeClr val="tx1"/>
+                </a:solidFill>
+              </a:rPr>
+              <a:t>경로자</a:t>
+            </a:r>
+            <a:endParaRPr lang="ko-KR" altLang="en-US" sz="1000" dirty="0">
+              <a:solidFill>
+                <a:schemeClr val="tx1"/>
+              </a:solidFill>
+            </a:endParaRPr>
+          </a:p>
+        </p:txBody>
+      </p:sp>
+      <p:sp>
+        <p:nvSpPr>
+          <p:cNvPr id="162" name="타원 161"/>
+          <p:cNvSpPr/>
+          <p:nvPr/>
+        </p:nvSpPr>
+        <p:spPr>
+          <a:xfrm>
+            <a:off x="866573" y="4521756"/>
+            <a:ext cx="726191" cy="524947"/>
+          </a:xfrm>
+          <a:prstGeom prst="ellipse">
+            <a:avLst/>
+          </a:prstGeom>
+          <a:solidFill>
+            <a:schemeClr val="accent6">
+              <a:lumMod val="60000"/>
+              <a:lumOff val="40000"/>
+            </a:schemeClr>
+          </a:solidFill>
+          <a:ln>
+            <a:solidFill>
+              <a:schemeClr val="accent6">
+                <a:lumMod val="60000"/>
+                <a:lumOff val="40000"/>
+              </a:schemeClr>
+            </a:solidFill>
+          </a:ln>
+        </p:spPr>
+        <p:style>
+          <a:lnRef idx="2">
+            <a:schemeClr val="accent1">
+              <a:shade val="50000"/>
+            </a:schemeClr>
+          </a:lnRef>
+          <a:fillRef idx="1">
+            <a:schemeClr val="accent1"/>
+          </a:fillRef>
+          <a:effectRef idx="0">
+            <a:schemeClr val="accent1"/>
+          </a:effectRef>
+          <a:fontRef idx="minor">
+            <a:schemeClr val="lt1"/>
+          </a:fontRef>
+        </p:style>
+        <p:txBody>
+          <a:bodyPr rtlCol="0" anchor="ctr"/>
+          <a:lstStyle/>
+          <a:p>
+            <a:pPr algn="ctr"/>
+            <a:r>
+              <a:rPr lang="ko-KR" altLang="en-US" sz="1000" b="1" u="sng" dirty="0" err="1" smtClean="0">
+                <a:solidFill>
+                  <a:schemeClr val="tx1"/>
+                </a:solidFill>
+              </a:rPr>
+              <a:t>글번호</a:t>
+            </a:r>
+            <a:endParaRPr lang="ko-KR" altLang="en-US" sz="1000" b="1" u="sng" dirty="0">
+              <a:solidFill>
+                <a:schemeClr val="tx1"/>
+              </a:solidFill>
+            </a:endParaRPr>
+          </a:p>
+        </p:txBody>
+      </p:sp>
+      <p:sp>
+        <p:nvSpPr>
+          <p:cNvPr id="163" name="타원 162"/>
+          <p:cNvSpPr/>
+          <p:nvPr/>
+        </p:nvSpPr>
+        <p:spPr>
+          <a:xfrm>
+            <a:off x="866572" y="5135444"/>
+            <a:ext cx="726191" cy="524947"/>
+          </a:xfrm>
+          <a:prstGeom prst="ellipse">
+            <a:avLst/>
+          </a:prstGeom>
+          <a:solidFill>
+            <a:schemeClr val="accent6">
+              <a:lumMod val="60000"/>
+              <a:lumOff val="40000"/>
+            </a:schemeClr>
+          </a:solidFill>
+          <a:ln>
+            <a:solidFill>
+              <a:schemeClr val="accent6">
+                <a:lumMod val="60000"/>
+                <a:lumOff val="40000"/>
+              </a:schemeClr>
+            </a:solidFill>
+          </a:ln>
+        </p:spPr>
+        <p:style>
+          <a:lnRef idx="2">
+            <a:schemeClr val="accent1">
+              <a:shade val="50000"/>
+            </a:schemeClr>
+          </a:lnRef>
+          <a:fillRef idx="1">
+            <a:schemeClr val="accent1"/>
+          </a:fillRef>
+          <a:effectRef idx="0">
+            <a:schemeClr val="accent1"/>
+          </a:effectRef>
+          <a:fontRef idx="minor">
+            <a:schemeClr val="lt1"/>
+          </a:fontRef>
+        </p:style>
+        <p:txBody>
+          <a:bodyPr rtlCol="0" anchor="ctr"/>
+          <a:lstStyle/>
+          <a:p>
+            <a:pPr algn="ctr"/>
+            <a:r>
+              <a:rPr lang="ko-KR" altLang="en-US" sz="1000" dirty="0" err="1" smtClean="0">
+                <a:solidFill>
+                  <a:schemeClr val="tx1"/>
+                </a:solidFill>
+              </a:rPr>
+              <a:t>글제목</a:t>
+            </a:r>
+            <a:endParaRPr lang="ko-KR" altLang="en-US" sz="1000" dirty="0">
+              <a:solidFill>
+                <a:schemeClr val="tx1"/>
+              </a:solidFill>
+            </a:endParaRPr>
+          </a:p>
+        </p:txBody>
+      </p:sp>
+      <p:sp>
+        <p:nvSpPr>
+          <p:cNvPr id="164" name="타원 163"/>
+          <p:cNvSpPr/>
+          <p:nvPr/>
+        </p:nvSpPr>
+        <p:spPr>
+          <a:xfrm>
+            <a:off x="1662098" y="4512905"/>
+            <a:ext cx="726191" cy="524947"/>
+          </a:xfrm>
+          <a:prstGeom prst="ellipse">
+            <a:avLst/>
+          </a:prstGeom>
+          <a:solidFill>
+            <a:schemeClr val="accent6">
+              <a:lumMod val="60000"/>
+              <a:lumOff val="40000"/>
+            </a:schemeClr>
+          </a:solidFill>
+          <a:ln>
+            <a:solidFill>
+              <a:schemeClr val="accent6">
+                <a:lumMod val="60000"/>
+                <a:lumOff val="40000"/>
+              </a:schemeClr>
+            </a:solidFill>
+          </a:ln>
+        </p:spPr>
+        <p:style>
+          <a:lnRef idx="2">
+            <a:schemeClr val="accent1">
+              <a:shade val="50000"/>
+            </a:schemeClr>
+          </a:lnRef>
+          <a:fillRef idx="1">
+            <a:schemeClr val="accent1"/>
+          </a:fillRef>
+          <a:effectRef idx="0">
+            <a:schemeClr val="accent1"/>
+          </a:effectRef>
+          <a:fontRef idx="minor">
+            <a:schemeClr val="lt1"/>
+          </a:fontRef>
+        </p:style>
+        <p:txBody>
+          <a:bodyPr rtlCol="0" anchor="ctr"/>
+          <a:lstStyle/>
+          <a:p>
+            <a:pPr algn="ctr"/>
+            <a:r>
+              <a:rPr lang="ko-KR" altLang="en-US" sz="1000" dirty="0" err="1" smtClean="0">
+                <a:solidFill>
+                  <a:schemeClr val="tx1"/>
+                </a:solidFill>
+              </a:rPr>
+              <a:t>댓글여부</a:t>
+            </a:r>
+            <a:endParaRPr lang="ko-KR" altLang="en-US" sz="1000" dirty="0">
+              <a:solidFill>
+                <a:schemeClr val="tx1"/>
+              </a:solidFill>
+            </a:endParaRPr>
+          </a:p>
+        </p:txBody>
+      </p:sp>
+      <p:sp>
+        <p:nvSpPr>
+          <p:cNvPr id="165" name="타원 164"/>
+          <p:cNvSpPr/>
+          <p:nvPr/>
+        </p:nvSpPr>
+        <p:spPr>
+          <a:xfrm>
+            <a:off x="1633400" y="5135443"/>
+            <a:ext cx="726191" cy="524947"/>
+          </a:xfrm>
+          <a:prstGeom prst="ellipse">
+            <a:avLst/>
+          </a:prstGeom>
+          <a:solidFill>
+            <a:schemeClr val="accent6">
+              <a:lumMod val="60000"/>
+              <a:lumOff val="40000"/>
+            </a:schemeClr>
+          </a:solidFill>
+          <a:ln>
+            <a:solidFill>
+              <a:schemeClr val="accent6">
+                <a:lumMod val="60000"/>
+                <a:lumOff val="40000"/>
+              </a:schemeClr>
+            </a:solidFill>
+          </a:ln>
+        </p:spPr>
+        <p:style>
+          <a:lnRef idx="2">
+            <a:schemeClr val="accent1">
+              <a:shade val="50000"/>
+            </a:schemeClr>
+          </a:lnRef>
+          <a:fillRef idx="1">
+            <a:schemeClr val="accent1"/>
+          </a:fillRef>
+          <a:effectRef idx="0">
+            <a:schemeClr val="accent1"/>
+          </a:effectRef>
+          <a:fontRef idx="minor">
+            <a:schemeClr val="lt1"/>
+          </a:fontRef>
+        </p:style>
+        <p:txBody>
+          <a:bodyPr rtlCol="0" anchor="ctr"/>
+          <a:lstStyle/>
+          <a:p>
+            <a:pPr algn="ctr"/>
+            <a:r>
+              <a:rPr lang="ko-KR" altLang="en-US" sz="1000" dirty="0" err="1" smtClean="0">
+                <a:solidFill>
+                  <a:schemeClr val="tx1"/>
+                </a:solidFill>
+              </a:rPr>
+              <a:t>글내용</a:t>
+            </a:r>
+            <a:endParaRPr lang="ko-KR" altLang="en-US" sz="1000" dirty="0">
+              <a:solidFill>
+                <a:schemeClr val="tx1"/>
+              </a:solidFill>
+            </a:endParaRPr>
+          </a:p>
+        </p:txBody>
+      </p:sp>
+      <p:sp>
+        <p:nvSpPr>
+          <p:cNvPr id="166" name="타원 165"/>
+          <p:cNvSpPr/>
+          <p:nvPr/>
+        </p:nvSpPr>
+        <p:spPr>
+          <a:xfrm>
+            <a:off x="866573" y="5708520"/>
+            <a:ext cx="726191" cy="524947"/>
+          </a:xfrm>
+          <a:prstGeom prst="ellipse">
+            <a:avLst/>
+          </a:prstGeom>
+          <a:solidFill>
+            <a:schemeClr val="accent6">
+              <a:lumMod val="60000"/>
+              <a:lumOff val="40000"/>
+            </a:schemeClr>
+          </a:solidFill>
+          <a:ln>
+            <a:solidFill>
+              <a:schemeClr val="accent6">
+                <a:lumMod val="60000"/>
+                <a:lumOff val="40000"/>
+              </a:schemeClr>
+            </a:solidFill>
+          </a:ln>
+        </p:spPr>
+        <p:style>
+          <a:lnRef idx="2">
+            <a:schemeClr val="accent1">
+              <a:shade val="50000"/>
+            </a:schemeClr>
+          </a:lnRef>
+          <a:fillRef idx="1">
+            <a:schemeClr val="accent1"/>
+          </a:fillRef>
+          <a:effectRef idx="0">
+            <a:schemeClr val="accent1"/>
+          </a:effectRef>
+          <a:fontRef idx="minor">
+            <a:schemeClr val="lt1"/>
+          </a:fontRef>
+        </p:style>
+        <p:txBody>
+          <a:bodyPr rtlCol="0" anchor="ctr"/>
+          <a:lstStyle/>
+          <a:p>
+            <a:pPr algn="ctr"/>
+            <a:r>
+              <a:rPr lang="ko-KR" altLang="en-US" sz="1000" dirty="0" err="1" smtClean="0">
+                <a:solidFill>
+                  <a:schemeClr val="tx1"/>
+                </a:solidFill>
+              </a:rPr>
+              <a:t>작성일시</a:t>
+            </a:r>
+            <a:endParaRPr lang="ko-KR" altLang="en-US" sz="1000" dirty="0">
+              <a:solidFill>
+                <a:schemeClr val="tx1"/>
+              </a:solidFill>
+            </a:endParaRPr>
+          </a:p>
+        </p:txBody>
+      </p:sp>
+      <p:sp>
+        <p:nvSpPr>
+          <p:cNvPr id="167" name="타원 166"/>
+          <p:cNvSpPr/>
+          <p:nvPr/>
+        </p:nvSpPr>
+        <p:spPr>
+          <a:xfrm>
+            <a:off x="8013425" y="5834633"/>
+            <a:ext cx="726191" cy="524947"/>
+          </a:xfrm>
+          <a:prstGeom prst="ellipse">
+            <a:avLst/>
+          </a:prstGeom>
+          <a:solidFill>
+            <a:srgbClr val="92D050"/>
+          </a:solidFill>
+          <a:ln>
+            <a:solidFill>
+              <a:srgbClr val="92D050"/>
+            </a:solidFill>
+          </a:ln>
+        </p:spPr>
+        <p:style>
+          <a:lnRef idx="2">
+            <a:schemeClr val="accent1">
+              <a:shade val="50000"/>
+            </a:schemeClr>
+          </a:lnRef>
+          <a:fillRef idx="1">
+            <a:schemeClr val="accent1"/>
+          </a:fillRef>
+          <a:effectRef idx="0">
+            <a:schemeClr val="accent1"/>
+          </a:effectRef>
+          <a:fontRef idx="minor">
+            <a:schemeClr val="lt1"/>
+          </a:fontRef>
+        </p:style>
+        <p:txBody>
+          <a:bodyPr rtlCol="0" anchor="ctr"/>
+          <a:lstStyle/>
+          <a:p>
+            <a:pPr algn="ctr"/>
+            <a:r>
+              <a:rPr lang="ko-KR" altLang="en-US" sz="1000" smtClean="0">
+                <a:solidFill>
+                  <a:schemeClr val="tx1"/>
+                </a:solidFill>
+              </a:rPr>
+              <a:t>첨부파일</a:t>
+            </a:r>
+            <a:endParaRPr lang="ko-KR" altLang="en-US" sz="1000" dirty="0">
+              <a:solidFill>
+                <a:schemeClr val="tx1"/>
+              </a:solidFill>
+            </a:endParaRPr>
+          </a:p>
+        </p:txBody>
+      </p:sp>
+      <p:sp>
+        <p:nvSpPr>
+          <p:cNvPr id="168" name="타원 167"/>
+          <p:cNvSpPr/>
+          <p:nvPr/>
+        </p:nvSpPr>
+        <p:spPr>
+          <a:xfrm>
+            <a:off x="2336284" y="73242"/>
+            <a:ext cx="726191" cy="524947"/>
+          </a:xfrm>
+          <a:prstGeom prst="ellipse">
+            <a:avLst/>
+          </a:prstGeom>
+          <a:solidFill>
+            <a:srgbClr val="FFCC00"/>
+          </a:solidFill>
+          <a:ln>
+            <a:solidFill>
+              <a:srgbClr val="FFCC00"/>
+            </a:solidFill>
+          </a:ln>
+        </p:spPr>
+        <p:style>
+          <a:lnRef idx="2">
+            <a:schemeClr val="accent1">
+              <a:shade val="50000"/>
+            </a:schemeClr>
+          </a:lnRef>
+          <a:fillRef idx="1">
+            <a:schemeClr val="accent1"/>
+          </a:fillRef>
+          <a:effectRef idx="0">
+            <a:schemeClr val="accent1"/>
+          </a:effectRef>
+          <a:fontRef idx="minor">
+            <a:schemeClr val="lt1"/>
+          </a:fontRef>
+        </p:style>
+        <p:txBody>
+          <a:bodyPr rtlCol="0" anchor="ctr"/>
+          <a:lstStyle/>
+          <a:p>
+            <a:pPr algn="ctr"/>
+            <a:r>
+              <a:rPr lang="ko-KR" altLang="en-US" sz="1000" b="1" u="sng" dirty="0" smtClean="0">
+                <a:solidFill>
+                  <a:schemeClr val="tx1"/>
+                </a:solidFill>
+              </a:rPr>
+              <a:t>예매번호</a:t>
+            </a:r>
+            <a:endParaRPr lang="ko-KR" altLang="en-US" sz="1000" b="1" u="sng" dirty="0">
+              <a:solidFill>
+                <a:schemeClr val="tx1"/>
+              </a:solidFill>
+            </a:endParaRPr>
+          </a:p>
+        </p:txBody>
+      </p:sp>
+      <p:sp>
+        <p:nvSpPr>
+          <p:cNvPr id="169" name="타원 168"/>
+          <p:cNvSpPr/>
+          <p:nvPr/>
+        </p:nvSpPr>
+        <p:spPr>
+          <a:xfrm>
+            <a:off x="5525471" y="2181479"/>
+            <a:ext cx="726191" cy="524947"/>
+          </a:xfrm>
+          <a:prstGeom prst="ellipse">
+            <a:avLst/>
+          </a:prstGeom>
+          <a:solidFill>
+            <a:srgbClr val="CC66FF"/>
+          </a:solidFill>
+          <a:ln>
+            <a:solidFill>
+              <a:srgbClr val="CC66FF"/>
+            </a:solidFill>
+          </a:ln>
+        </p:spPr>
+        <p:style>
+          <a:lnRef idx="2">
+            <a:schemeClr val="accent1">
+              <a:shade val="50000"/>
+            </a:schemeClr>
+          </a:lnRef>
+          <a:fillRef idx="1">
+            <a:schemeClr val="accent1"/>
+          </a:fillRef>
+          <a:effectRef idx="0">
+            <a:schemeClr val="accent1"/>
+          </a:effectRef>
+          <a:fontRef idx="minor">
+            <a:schemeClr val="lt1"/>
+          </a:fontRef>
+        </p:style>
+        <p:txBody>
+          <a:bodyPr rtlCol="0" anchor="ctr"/>
+          <a:lstStyle/>
+          <a:p>
+            <a:pPr algn="ctr"/>
+            <a:r>
+              <a:rPr lang="ko-KR" altLang="en-US" sz="1000" b="1" u="sng" dirty="0" smtClean="0">
+                <a:solidFill>
+                  <a:schemeClr val="tx1"/>
+                </a:solidFill>
+              </a:rPr>
+              <a:t>열차호수</a:t>
+            </a:r>
+            <a:endParaRPr lang="ko-KR" altLang="en-US" sz="1000" b="1" u="sng" dirty="0">
+              <a:solidFill>
+                <a:schemeClr val="tx1"/>
+              </a:solidFill>
+            </a:endParaRPr>
+          </a:p>
+        </p:txBody>
+      </p:sp>
+      <p:sp>
+        <p:nvSpPr>
+          <p:cNvPr id="170" name="타원 169"/>
+          <p:cNvSpPr/>
+          <p:nvPr/>
+        </p:nvSpPr>
+        <p:spPr>
+          <a:xfrm>
+            <a:off x="6306515" y="2183116"/>
+            <a:ext cx="726191" cy="524947"/>
+          </a:xfrm>
+          <a:prstGeom prst="ellipse">
+            <a:avLst/>
+          </a:prstGeom>
+          <a:solidFill>
+            <a:srgbClr val="CC66FF"/>
+          </a:solidFill>
+          <a:ln>
+            <a:solidFill>
+              <a:srgbClr val="CC66FF"/>
+            </a:solidFill>
+          </a:ln>
+        </p:spPr>
+        <p:style>
+          <a:lnRef idx="2">
+            <a:schemeClr val="accent1">
+              <a:shade val="50000"/>
+            </a:schemeClr>
+          </a:lnRef>
+          <a:fillRef idx="1">
+            <a:schemeClr val="accent1"/>
+          </a:fillRef>
+          <a:effectRef idx="0">
+            <a:schemeClr val="accent1"/>
+          </a:effectRef>
+          <a:fontRef idx="minor">
+            <a:schemeClr val="lt1"/>
+          </a:fontRef>
+        </p:style>
+        <p:txBody>
+          <a:bodyPr rtlCol="0" anchor="ctr"/>
+          <a:lstStyle/>
+          <a:p>
+            <a:pPr algn="ctr"/>
+            <a:r>
+              <a:rPr lang="ko-KR" altLang="en-US" sz="1000" dirty="0" smtClean="0">
+                <a:solidFill>
+                  <a:schemeClr val="tx1"/>
+                </a:solidFill>
+              </a:rPr>
+              <a:t>좌석번호</a:t>
+            </a:r>
+            <a:endParaRPr lang="ko-KR" altLang="en-US" sz="1000" dirty="0">
+              <a:solidFill>
+                <a:schemeClr val="tx1"/>
+              </a:solidFill>
+            </a:endParaRPr>
+          </a:p>
+        </p:txBody>
+      </p:sp>
+      <p:sp>
+        <p:nvSpPr>
+          <p:cNvPr id="171" name="타원 170"/>
+          <p:cNvSpPr/>
+          <p:nvPr/>
+        </p:nvSpPr>
+        <p:spPr>
+          <a:xfrm>
+            <a:off x="5023693" y="5876061"/>
+            <a:ext cx="726191" cy="524947"/>
+          </a:xfrm>
+          <a:prstGeom prst="ellipse">
+            <a:avLst/>
+          </a:prstGeom>
+          <a:solidFill>
+            <a:srgbClr val="FF7C80"/>
+          </a:solidFill>
+          <a:ln>
+            <a:solidFill>
+              <a:srgbClr val="FF7C80"/>
+            </a:solidFill>
+          </a:ln>
+        </p:spPr>
+        <p:style>
+          <a:lnRef idx="2">
+            <a:schemeClr val="accent1">
+              <a:shade val="50000"/>
+            </a:schemeClr>
+          </a:lnRef>
+          <a:fillRef idx="1">
+            <a:schemeClr val="accent1"/>
+          </a:fillRef>
+          <a:effectRef idx="0">
+            <a:schemeClr val="accent1"/>
+          </a:effectRef>
+          <a:fontRef idx="minor">
+            <a:schemeClr val="lt1"/>
+          </a:fontRef>
+        </p:style>
+        <p:txBody>
+          <a:bodyPr rtlCol="0" anchor="ctr"/>
+          <a:lstStyle/>
+          <a:p>
+            <a:pPr algn="ctr"/>
+            <a:r>
+              <a:rPr lang="ko-KR" altLang="en-US" sz="1000" dirty="0" smtClean="0">
+                <a:solidFill>
+                  <a:schemeClr val="tx1"/>
+                </a:solidFill>
+              </a:rPr>
+              <a:t>사원명</a:t>
+            </a:r>
+            <a:endParaRPr lang="ko-KR" altLang="en-US" sz="1000" dirty="0">
+              <a:solidFill>
+                <a:schemeClr val="tx1"/>
+              </a:solidFill>
+            </a:endParaRPr>
+          </a:p>
+        </p:txBody>
+      </p:sp>
+      <p:sp>
+        <p:nvSpPr>
+          <p:cNvPr id="172" name="타원 171"/>
+          <p:cNvSpPr/>
+          <p:nvPr/>
+        </p:nvSpPr>
+        <p:spPr>
+          <a:xfrm>
+            <a:off x="1622819" y="5708520"/>
+            <a:ext cx="726191" cy="524947"/>
+          </a:xfrm>
+          <a:prstGeom prst="ellipse">
+            <a:avLst/>
+          </a:prstGeom>
+          <a:solidFill>
+            <a:schemeClr val="accent6">
+              <a:lumMod val="60000"/>
+              <a:lumOff val="40000"/>
+            </a:schemeClr>
+          </a:solidFill>
+          <a:ln>
+            <a:solidFill>
+              <a:schemeClr val="accent6">
+                <a:lumMod val="60000"/>
+                <a:lumOff val="40000"/>
+              </a:schemeClr>
+            </a:solidFill>
+          </a:ln>
+        </p:spPr>
+        <p:style>
+          <a:lnRef idx="2">
+            <a:schemeClr val="accent1">
+              <a:shade val="50000"/>
+            </a:schemeClr>
+          </a:lnRef>
+          <a:fillRef idx="1">
+            <a:schemeClr val="accent1"/>
+          </a:fillRef>
+          <a:effectRef idx="0">
+            <a:schemeClr val="accent1"/>
+          </a:effectRef>
+          <a:fontRef idx="minor">
+            <a:schemeClr val="lt1"/>
+          </a:fontRef>
+        </p:style>
+        <p:txBody>
+          <a:bodyPr rtlCol="0" anchor="ctr"/>
+          <a:lstStyle/>
+          <a:p>
+            <a:pPr algn="ctr"/>
+            <a:r>
+              <a:rPr lang="ko-KR" altLang="en-US" sz="1000" dirty="0" smtClean="0">
+                <a:solidFill>
+                  <a:schemeClr val="tx1"/>
+                </a:solidFill>
+              </a:rPr>
+              <a:t>작성자</a:t>
+            </a:r>
+            <a:endParaRPr lang="ko-KR" altLang="en-US" sz="1000" dirty="0">
+              <a:solidFill>
+                <a:schemeClr val="tx1"/>
+              </a:solidFill>
+            </a:endParaRPr>
+          </a:p>
+        </p:txBody>
+      </p:sp>
+      <p:sp>
+        <p:nvSpPr>
+          <p:cNvPr id="173" name="타원 172"/>
+          <p:cNvSpPr/>
+          <p:nvPr/>
+        </p:nvSpPr>
+        <p:spPr>
+          <a:xfrm>
+            <a:off x="1662097" y="6272002"/>
+            <a:ext cx="726191" cy="524947"/>
+          </a:xfrm>
+          <a:prstGeom prst="ellipse">
+            <a:avLst/>
+          </a:prstGeom>
+          <a:solidFill>
+            <a:schemeClr val="accent6">
+              <a:lumMod val="60000"/>
+              <a:lumOff val="40000"/>
+            </a:schemeClr>
+          </a:solidFill>
+          <a:ln>
+            <a:solidFill>
+              <a:schemeClr val="accent6">
+                <a:lumMod val="60000"/>
+                <a:lumOff val="40000"/>
+              </a:schemeClr>
+            </a:solidFill>
+          </a:ln>
+        </p:spPr>
+        <p:style>
+          <a:lnRef idx="2">
+            <a:schemeClr val="accent1">
+              <a:shade val="50000"/>
+            </a:schemeClr>
+          </a:lnRef>
+          <a:fillRef idx="1">
+            <a:schemeClr val="accent1"/>
+          </a:fillRef>
+          <a:effectRef idx="0">
+            <a:schemeClr val="accent1"/>
+          </a:effectRef>
+          <a:fontRef idx="minor">
+            <a:schemeClr val="lt1"/>
+          </a:fontRef>
+        </p:style>
+        <p:txBody>
+          <a:bodyPr rtlCol="0" anchor="ctr"/>
+          <a:lstStyle/>
+          <a:p>
+            <a:pPr algn="ctr"/>
+            <a:r>
+              <a:rPr lang="ko-KR" altLang="en-US" sz="1000" dirty="0" smtClean="0">
+                <a:solidFill>
+                  <a:schemeClr val="tx1"/>
+                </a:solidFill>
+              </a:rPr>
+              <a:t>첨부파일</a:t>
+            </a:r>
+            <a:endParaRPr lang="ko-KR" altLang="en-US" sz="1000" dirty="0">
+              <a:solidFill>
+                <a:schemeClr val="tx1"/>
+              </a:solidFill>
+            </a:endParaRPr>
+          </a:p>
+        </p:txBody>
+      </p:sp>
+      <p:sp>
+        <p:nvSpPr>
+          <p:cNvPr id="174" name="타원 173"/>
+          <p:cNvSpPr/>
+          <p:nvPr/>
+        </p:nvSpPr>
+        <p:spPr>
+          <a:xfrm>
+            <a:off x="866571" y="6274712"/>
+            <a:ext cx="726191" cy="524947"/>
+          </a:xfrm>
+          <a:prstGeom prst="ellipse">
+            <a:avLst/>
+          </a:prstGeom>
+          <a:solidFill>
+            <a:schemeClr val="accent6">
+              <a:lumMod val="60000"/>
+              <a:lumOff val="40000"/>
+            </a:schemeClr>
+          </a:solidFill>
+          <a:ln>
+            <a:solidFill>
+              <a:schemeClr val="accent6">
+                <a:lumMod val="60000"/>
+                <a:lumOff val="40000"/>
+              </a:schemeClr>
+            </a:solidFill>
+          </a:ln>
+        </p:spPr>
+        <p:style>
+          <a:lnRef idx="2">
+            <a:schemeClr val="accent1">
+              <a:shade val="50000"/>
+            </a:schemeClr>
+          </a:lnRef>
+          <a:fillRef idx="1">
+            <a:schemeClr val="accent1"/>
+          </a:fillRef>
+          <a:effectRef idx="0">
+            <a:schemeClr val="accent1"/>
+          </a:effectRef>
+          <a:fontRef idx="minor">
+            <a:schemeClr val="lt1"/>
+          </a:fontRef>
+        </p:style>
+        <p:txBody>
+          <a:bodyPr rtlCol="0" anchor="ctr"/>
+          <a:lstStyle/>
+          <a:p>
+            <a:pPr algn="ctr"/>
+            <a:r>
+              <a:rPr lang="ko-KR" altLang="en-US" sz="1000" dirty="0" err="1" smtClean="0">
+                <a:solidFill>
+                  <a:schemeClr val="tx1"/>
+                </a:solidFill>
+              </a:rPr>
+              <a:t>글공개여부</a:t>
+            </a:r>
+            <a:endParaRPr lang="ko-KR" altLang="en-US" sz="1000" dirty="0">
+              <a:solidFill>
+                <a:schemeClr val="tx1"/>
+              </a:solidFill>
+            </a:endParaRPr>
+          </a:p>
+        </p:txBody>
+      </p:sp>
+      <p:sp>
+        <p:nvSpPr>
+          <p:cNvPr id="82" name="타원 81"/>
+          <p:cNvSpPr/>
+          <p:nvPr/>
+        </p:nvSpPr>
+        <p:spPr>
+          <a:xfrm>
+            <a:off x="2455526" y="6264071"/>
+            <a:ext cx="726191" cy="524947"/>
+          </a:xfrm>
+          <a:prstGeom prst="ellipse">
+            <a:avLst/>
+          </a:prstGeom>
+          <a:solidFill>
+            <a:schemeClr val="accent6">
+              <a:lumMod val="60000"/>
+              <a:lumOff val="40000"/>
+            </a:schemeClr>
+          </a:solidFill>
+          <a:ln>
+            <a:solidFill>
+              <a:schemeClr val="accent6">
+                <a:lumMod val="60000"/>
+                <a:lumOff val="40000"/>
+              </a:schemeClr>
+            </a:solidFill>
+          </a:ln>
+        </p:spPr>
+        <p:style>
+          <a:lnRef idx="2">
+            <a:schemeClr val="accent1">
+              <a:shade val="50000"/>
+            </a:schemeClr>
+          </a:lnRef>
+          <a:fillRef idx="1">
+            <a:schemeClr val="accent1"/>
+          </a:fillRef>
+          <a:effectRef idx="0">
+            <a:schemeClr val="accent1"/>
+          </a:effectRef>
+          <a:fontRef idx="minor">
+            <a:schemeClr val="lt1"/>
+          </a:fontRef>
+        </p:style>
+        <p:txBody>
+          <a:bodyPr rtlCol="0" anchor="ctr"/>
+          <a:lstStyle/>
+          <a:p>
+            <a:pPr algn="ctr"/>
+            <a:r>
+              <a:rPr lang="ko-KR" altLang="en-US" sz="1000" smtClean="0">
+                <a:solidFill>
+                  <a:schemeClr val="tx1"/>
+                </a:solidFill>
+              </a:rPr>
+              <a:t>게시글번호</a:t>
+            </a:r>
+            <a:endParaRPr lang="ko-KR" altLang="en-US" sz="1000" dirty="0">
+              <a:solidFill>
+                <a:schemeClr val="tx1"/>
+              </a:solidFill>
+            </a:endParaRPr>
+          </a:p>
+        </p:txBody>
+      </p:sp>
+      <p:sp>
+        <p:nvSpPr>
+          <p:cNvPr id="88" name="타원 87"/>
+          <p:cNvSpPr/>
+          <p:nvPr/>
+        </p:nvSpPr>
+        <p:spPr>
+          <a:xfrm>
+            <a:off x="4996090" y="5309686"/>
+            <a:ext cx="726191" cy="524947"/>
+          </a:xfrm>
+          <a:prstGeom prst="ellipse">
+            <a:avLst/>
+          </a:prstGeom>
+          <a:solidFill>
+            <a:srgbClr val="FF7C80"/>
+          </a:solidFill>
+          <a:ln>
+            <a:solidFill>
+              <a:srgbClr val="FF7C80"/>
+            </a:solidFill>
+          </a:ln>
+        </p:spPr>
+        <p:style>
+          <a:lnRef idx="2">
+            <a:schemeClr val="accent1">
+              <a:shade val="50000"/>
+            </a:schemeClr>
+          </a:lnRef>
+          <a:fillRef idx="1">
+            <a:schemeClr val="accent1"/>
+          </a:fillRef>
+          <a:effectRef idx="0">
+            <a:schemeClr val="accent1"/>
+          </a:effectRef>
+          <a:fontRef idx="minor">
+            <a:schemeClr val="lt1"/>
+          </a:fontRef>
+        </p:style>
+        <p:txBody>
+          <a:bodyPr rtlCol="0" anchor="ctr"/>
+          <a:lstStyle/>
+          <a:p>
+            <a:pPr algn="ctr"/>
+            <a:r>
+              <a:rPr lang="ko-KR" altLang="en-US" sz="1000" dirty="0" smtClean="0">
+                <a:solidFill>
+                  <a:schemeClr val="tx1"/>
+                </a:solidFill>
+              </a:rPr>
+              <a:t>사원등급</a:t>
+            </a:r>
+            <a:endParaRPr lang="ko-KR" altLang="en-US" sz="1000" dirty="0">
+              <a:solidFill>
+                <a:schemeClr val="tx1"/>
+              </a:solidFill>
+            </a:endParaRPr>
+          </a:p>
+        </p:txBody>
+      </p:sp>
+      <p:sp>
+        <p:nvSpPr>
+          <p:cNvPr id="97" name="타원 96"/>
+          <p:cNvSpPr/>
+          <p:nvPr/>
+        </p:nvSpPr>
+        <p:spPr>
+          <a:xfrm>
+            <a:off x="7982890" y="2413796"/>
+            <a:ext cx="726191" cy="524947"/>
+          </a:xfrm>
+          <a:prstGeom prst="ellipse">
+            <a:avLst/>
+          </a:prstGeom>
+          <a:solidFill>
+            <a:srgbClr val="92D050"/>
+          </a:solidFill>
+          <a:ln>
+            <a:solidFill>
+              <a:srgbClr val="92D050"/>
+            </a:solidFill>
+          </a:ln>
+        </p:spPr>
+        <p:style>
+          <a:lnRef idx="2">
+            <a:schemeClr val="accent1">
+              <a:shade val="50000"/>
+            </a:schemeClr>
+          </a:lnRef>
+          <a:fillRef idx="1">
+            <a:schemeClr val="accent1"/>
+          </a:fillRef>
+          <a:effectRef idx="0">
+            <a:schemeClr val="accent1"/>
+          </a:effectRef>
+          <a:fontRef idx="minor">
+            <a:schemeClr val="lt1"/>
+          </a:fontRef>
+        </p:style>
+        <p:txBody>
+          <a:bodyPr rtlCol="0" anchor="ctr"/>
+          <a:lstStyle/>
+          <a:p>
+            <a:pPr algn="ctr"/>
+            <a:r>
+              <a:rPr lang="ko-KR" altLang="en-US" sz="1000" b="1" u="sng" dirty="0" err="1" smtClean="0">
+                <a:solidFill>
+                  <a:schemeClr val="tx1"/>
+                </a:solidFill>
+              </a:rPr>
+              <a:t>글번호</a:t>
+            </a:r>
+            <a:endParaRPr lang="ko-KR" altLang="en-US" sz="1000" b="1" u="sng" dirty="0">
+              <a:solidFill>
+                <a:schemeClr val="tx1"/>
+              </a:solidFill>
+            </a:endParaRPr>
           </a:p>
         </p:txBody>
       </p:sp>
     </p:spTree>
     <p:extLst>
       <p:ext uri="{BB962C8B-B14F-4D97-AF65-F5344CB8AC3E}">
-        <p14:creationId xmlns:p14="http://schemas.microsoft.com/office/powerpoint/2010/main" val="3030336625"/>
+        <p14:creationId xmlns:p14="http://schemas.microsoft.com/office/powerpoint/2010/main" val="581577812"/>
       </p:ext>
     </p:extLst>
   </p:cSld>
@@ -6630,34 +7720,34 @@
         <a:sysClr val="window" lastClr="FFFFFF"/>
       </a:lt1>
       <a:dk2>
-        <a:srgbClr val="44546A"/>
+        <a:srgbClr val="1F497D"/>
       </a:dk2>
       <a:lt2>
-        <a:srgbClr val="E7E6E6"/>
+        <a:srgbClr val="EEECE1"/>
       </a:lt2>
       <a:accent1>
-        <a:srgbClr val="4472C4"/>
+        <a:srgbClr val="4F81BD"/>
       </a:accent1>
       <a:accent2>
-        <a:srgbClr val="ED7D31"/>
+        <a:srgbClr val="C0504D"/>
       </a:accent2>
       <a:accent3>
-        <a:srgbClr val="A5A5A5"/>
+        <a:srgbClr val="9BBB59"/>
       </a:accent3>
       <a:accent4>
-        <a:srgbClr val="FFC000"/>
+        <a:srgbClr val="8064A2"/>
       </a:accent4>
       <a:accent5>
-        <a:srgbClr val="5B9BD5"/>
+        <a:srgbClr val="4BACC6"/>
       </a:accent5>
       <a:accent6>
-        <a:srgbClr val="70AD47"/>
+        <a:srgbClr val="F79646"/>
       </a:accent6>
       <a:hlink>
-        <a:srgbClr val="0563C1"/>
+        <a:srgbClr val="0000FF"/>
       </a:hlink>
       <a:folHlink>
-        <a:srgbClr val="954F72"/>
+        <a:srgbClr val="800080"/>
       </a:folHlink>
     </a:clrScheme>
     <a:fontScheme name="Office">
@@ -6665,9 +7755,9 @@
         <a:latin typeface="맑은 고딕"/>
         <a:ea typeface=""/>
         <a:cs typeface=""/>
-        <a:font script="Jpan" typeface="游ゴシック Light"/>
+        <a:font script="Jpan" typeface="ＭＳ Ｐゴシック"/>
         <a:font script="Hang" typeface="맑은 고딕"/>
-        <a:font script="Hans" typeface="等线 Light"/>
+        <a:font script="Hans" typeface="宋体"/>
         <a:font script="Hant" typeface="新細明體"/>
         <a:font script="Arab" typeface="Times New Roman"/>
         <a:font script="Hebr" typeface="Times New Roman"/>
@@ -6695,31 +7785,14 @@
         <a:font script="Viet" typeface="Times New Roman"/>
         <a:font script="Uigh" typeface="Microsoft Uighur"/>
         <a:font script="Geor" typeface="Sylfaen"/>
-        <a:font script="Armn" typeface="Arial"/>
-        <a:font script="Bugi" typeface="Leelawadee UI"/>
-        <a:font script="Bopo" typeface="Microsoft JhengHei"/>
-        <a:font script="Java" typeface="Javanese Text"/>
-        <a:font script="Lisu" typeface="Segoe UI"/>
-        <a:font script="Mymr" typeface="Myanmar Text"/>
-        <a:font script="Nkoo" typeface="Ebrima"/>
-        <a:font script="Olck" typeface="Nirmala UI"/>
-        <a:font script="Osma" typeface="Ebrima"/>
-        <a:font script="Phag" typeface="Phagspa"/>
-        <a:font script="Syrn" typeface="Estrangelo Edessa"/>
-        <a:font script="Syrj" typeface="Estrangelo Edessa"/>
-        <a:font script="Syre" typeface="Estrangelo Edessa"/>
-        <a:font script="Sora" typeface="Nirmala UI"/>
-        <a:font script="Tale" typeface="Microsoft Tai Le"/>
-        <a:font script="Talu" typeface="Microsoft New Tai Lue"/>
-        <a:font script="Tfng" typeface="Ebrima"/>
       </a:majorFont>
       <a:minorFont>
         <a:latin typeface="맑은 고딕"/>
         <a:ea typeface=""/>
         <a:cs typeface=""/>
-        <a:font script="Jpan" typeface="游ゴシック"/>
+        <a:font script="Jpan" typeface="ＭＳ Ｐゴシック"/>
         <a:font script="Hang" typeface="맑은 고딕"/>
-        <a:font script="Hans" typeface="等线"/>
+        <a:font script="Hans" typeface="宋体"/>
         <a:font script="Hant" typeface="新細明體"/>
         <a:font script="Arab" typeface="Arial"/>
         <a:font script="Hebr" typeface="Arial"/>
@@ -6747,23 +7820,6 @@
         <a:font script="Viet" typeface="Arial"/>
         <a:font script="Uigh" typeface="Microsoft Uighur"/>
         <a:font script="Geor" typeface="Sylfaen"/>
-        <a:font script="Armn" typeface="Arial"/>
-        <a:font script="Bugi" typeface="Leelawadee UI"/>
-        <a:font script="Bopo" typeface="Microsoft JhengHei"/>
-        <a:font script="Java" typeface="Javanese Text"/>
-        <a:font script="Lisu" typeface="Segoe UI"/>
-        <a:font script="Mymr" typeface="Myanmar Text"/>
-        <a:font script="Nkoo" typeface="Ebrima"/>
-        <a:font script="Olck" typeface="Nirmala UI"/>
-        <a:font script="Osma" typeface="Ebrima"/>
-        <a:font script="Phag" typeface="Phagspa"/>
-        <a:font script="Syrn" typeface="Estrangelo Edessa"/>
-        <a:font script="Syrj" typeface="Estrangelo Edessa"/>
-        <a:font script="Syre" typeface="Estrangelo Edessa"/>
-        <a:font script="Sora" typeface="Nirmala UI"/>
-        <a:font script="Tale" typeface="Microsoft Tai Le"/>
-        <a:font script="Talu" typeface="Microsoft New Tai Lue"/>
-        <a:font script="Tfng" typeface="Ebrima"/>
       </a:minorFont>
     </a:fontScheme>
     <a:fmtScheme name="Office">
@@ -6775,141 +7831,165 @@
           <a:gsLst>
             <a:gs pos="0">
               <a:schemeClr val="phClr">
-                <a:lumMod val="110000"/>
-                <a:satMod val="105000"/>
-                <a:tint val="67000"/>
+                <a:tint val="50000"/>
+                <a:satMod val="300000"/>
               </a:schemeClr>
             </a:gs>
-            <a:gs pos="50000">
+            <a:gs pos="35000">
               <a:schemeClr val="phClr">
-                <a:lumMod val="105000"/>
-                <a:satMod val="103000"/>
-                <a:tint val="73000"/>
+                <a:tint val="37000"/>
+                <a:satMod val="300000"/>
               </a:schemeClr>
             </a:gs>
             <a:gs pos="100000">
               <a:schemeClr val="phClr">
-                <a:lumMod val="105000"/>
-                <a:satMod val="109000"/>
-                <a:tint val="81000"/>
+                <a:tint val="15000"/>
+                <a:satMod val="350000"/>
               </a:schemeClr>
             </a:gs>
           </a:gsLst>
-          <a:lin ang="5400000" scaled="0"/>
+          <a:lin ang="16200000" scaled="1"/>
         </a:gradFill>
         <a:gradFill rotWithShape="1">
           <a:gsLst>
             <a:gs pos="0">
               <a:schemeClr val="phClr">
-                <a:satMod val="103000"/>
-                <a:lumMod val="102000"/>
-                <a:tint val="94000"/>
+                <a:shade val="51000"/>
+                <a:satMod val="130000"/>
               </a:schemeClr>
             </a:gs>
-            <a:gs pos="50000">
+            <a:gs pos="80000">
               <a:schemeClr val="phClr">
-                <a:satMod val="110000"/>
-                <a:lumMod val="100000"/>
-                <a:shade val="100000"/>
+                <a:shade val="93000"/>
+                <a:satMod val="130000"/>
               </a:schemeClr>
             </a:gs>
             <a:gs pos="100000">
               <a:schemeClr val="phClr">
-                <a:lumMod val="99000"/>
-                <a:satMod val="120000"/>
-                <a:shade val="78000"/>
+                <a:shade val="94000"/>
+                <a:satMod val="135000"/>
               </a:schemeClr>
             </a:gs>
           </a:gsLst>
-          <a:lin ang="5400000" scaled="0"/>
+          <a:lin ang="16200000" scaled="0"/>
         </a:gradFill>
       </a:fillStyleLst>
       <a:lnStyleLst>
-        <a:ln w="6350" cap="flat" cmpd="sng" algn="ctr">
+        <a:ln w="9525" cap="flat" cmpd="sng" algn="ctr">
+          <a:solidFill>
+            <a:schemeClr val="phClr">
+              <a:shade val="95000"/>
+              <a:satMod val="105000"/>
+            </a:schemeClr>
+          </a:solidFill>
+          <a:prstDash val="solid"/>
+        </a:ln>
+        <a:ln w="25400" cap="flat" cmpd="sng" algn="ctr">
           <a:solidFill>
             <a:schemeClr val="phClr"/>
           </a:solidFill>
           <a:prstDash val="solid"/>
-          <a:miter lim="800000"/>
         </a:ln>
-        <a:ln w="12700" cap="flat" cmpd="sng" algn="ctr">
+        <a:ln w="38100" cap="flat" cmpd="sng" algn="ctr">
           <a:solidFill>
             <a:schemeClr val="phClr"/>
           </a:solidFill>
           <a:prstDash val="solid"/>
-          <a:miter lim="800000"/>
-        </a:ln>
-        <a:ln w="19050" cap="flat" cmpd="sng" algn="ctr">
-          <a:solidFill>
-            <a:schemeClr val="phClr"/>
-          </a:solidFill>
-          <a:prstDash val="solid"/>
-          <a:miter lim="800000"/>
         </a:ln>
       </a:lnStyleLst>
       <a:effectStyleLst>
         <a:effectStyle>
-          <a:effectLst/>
-        </a:effectStyle>
-        <a:effectStyle>
-          <a:effectLst/>
+          <a:effectLst>
+            <a:outerShdw blurRad="40000" dist="20000" dir="5400000" rotWithShape="0">
+              <a:srgbClr val="000000">
+                <a:alpha val="38000"/>
+              </a:srgbClr>
+            </a:outerShdw>
+          </a:effectLst>
         </a:effectStyle>
         <a:effectStyle>
           <a:effectLst>
-            <a:outerShdw blurRad="57150" dist="19050" dir="5400000" algn="ctr" rotWithShape="0">
+            <a:outerShdw blurRad="40000" dist="23000" dir="5400000" rotWithShape="0">
               <a:srgbClr val="000000">
-                <a:alpha val="63000"/>
+                <a:alpha val="35000"/>
               </a:srgbClr>
             </a:outerShdw>
           </a:effectLst>
+        </a:effectStyle>
+        <a:effectStyle>
+          <a:effectLst>
+            <a:outerShdw blurRad="40000" dist="23000" dir="5400000" rotWithShape="0">
+              <a:srgbClr val="000000">
+                <a:alpha val="35000"/>
+              </a:srgbClr>
+            </a:outerShdw>
+          </a:effectLst>
+          <a:scene3d>
+            <a:camera prst="orthographicFront">
+              <a:rot lat="0" lon="0" rev="0"/>
+            </a:camera>
+            <a:lightRig rig="threePt" dir="t">
+              <a:rot lat="0" lon="0" rev="1200000"/>
+            </a:lightRig>
+          </a:scene3d>
+          <a:sp3d>
+            <a:bevelT w="63500" h="25400"/>
+          </a:sp3d>
         </a:effectStyle>
       </a:effectStyleLst>
       <a:bgFillStyleLst>
         <a:solidFill>
           <a:schemeClr val="phClr"/>
         </a:solidFill>
-        <a:solidFill>
-          <a:schemeClr val="phClr">
-            <a:tint val="95000"/>
-            <a:satMod val="170000"/>
-          </a:schemeClr>
-        </a:solidFill>
         <a:gradFill rotWithShape="1">
           <a:gsLst>
             <a:gs pos="0">
               <a:schemeClr val="phClr">
-                <a:tint val="93000"/>
-                <a:satMod val="150000"/>
-                <a:shade val="98000"/>
-                <a:lumMod val="102000"/>
+                <a:tint val="40000"/>
+                <a:satMod val="350000"/>
               </a:schemeClr>
             </a:gs>
-            <a:gs pos="50000">
+            <a:gs pos="40000">
               <a:schemeClr val="phClr">
-                <a:tint val="98000"/>
-                <a:satMod val="130000"/>
-                <a:shade val="90000"/>
-                <a:lumMod val="103000"/>
+                <a:tint val="45000"/>
+                <a:shade val="99000"/>
+                <a:satMod val="350000"/>
               </a:schemeClr>
             </a:gs>
             <a:gs pos="100000">
               <a:schemeClr val="phClr">
-                <a:shade val="63000"/>
-                <a:satMod val="120000"/>
+                <a:shade val="20000"/>
+                <a:satMod val="255000"/>
               </a:schemeClr>
             </a:gs>
           </a:gsLst>
-          <a:lin ang="5400000" scaled="0"/>
+          <a:path path="circle">
+            <a:fillToRect l="50000" t="-80000" r="50000" b="180000"/>
+          </a:path>
+        </a:gradFill>
+        <a:gradFill rotWithShape="1">
+          <a:gsLst>
+            <a:gs pos="0">
+              <a:schemeClr val="phClr">
+                <a:tint val="80000"/>
+                <a:satMod val="300000"/>
+              </a:schemeClr>
+            </a:gs>
+            <a:gs pos="100000">
+              <a:schemeClr val="phClr">
+                <a:shade val="30000"/>
+                <a:satMod val="200000"/>
+              </a:schemeClr>
+            </a:gs>
+          </a:gsLst>
+          <a:path path="circle">
+            <a:fillToRect l="50000" t="50000" r="50000" b="50000"/>
+          </a:path>
         </a:gradFill>
       </a:bgFillStyleLst>
     </a:fmtScheme>
   </a:themeElements>
   <a:objectDefaults/>
   <a:extraClrSchemeLst/>
-  <a:extLst>
-    <a:ext uri="{05A4C25C-085E-4340-85A3-A5531E510DB2}">
-      <thm15:themeFamily xmlns:thm15="http://schemas.microsoft.com/office/thememl/2012/main" xmlns="" name="Office Theme" id="{62F939B6-93AF-4DB8-9C6B-D6C7DFDC589F}" vid="{4A3C46E8-61CC-4603-A589-7422A47A8E4A}"/>
-    </a:ext>
-  </a:extLst>
 </a:theme>
 </file>